--- a/week14/uploads.pptx
+++ b/week14/uploads.pptx
@@ -129,7 +129,7 @@
   </p:defaultTextStyle>
   <p:extLst>
     <p:ext uri="{EFAFB233-063F-42B5-8137-9DF3F51BA10A}">
-      <p15:sldGuideLst xmlns:p15="http://schemas.microsoft.com/office/powerpoint/2012/main">
+      <p15:sldGuideLst xmlns:p15="http://schemas.microsoft.com/office/powerpoint/2012/main" xmlns="">
         <p15:guide id="1" orient="horz" pos="2160">
           <p15:clr>
             <a:srgbClr val="A4A3A4"/>
@@ -143,7 +143,7 @@
       </p15:sldGuideLst>
     </p:ext>
     <p:ext uri="{2D200454-40CA-4A62-9FC3-DE9A4176ACB9}">
-      <p15:notesGuideLst xmlns:p15="http://schemas.microsoft.com/office/powerpoint/2012/main"/>
+      <p15:notesGuideLst xmlns:p15="http://schemas.microsoft.com/office/powerpoint/2012/main" xmlns=""/>
     </p:ext>
   </p:extLst>
 </p:presentation>
@@ -1148,7 +1148,7 @@
   </p:timing>
   <p:extLst mod="1">
     <p:ext uri="{DCECCB84-F9BA-43D5-87BE-67443E8EF086}">
-      <p15:sldGuideLst xmlns:p15="http://schemas.microsoft.com/office/powerpoint/2012/main">
+      <p15:sldGuideLst xmlns:p15="http://schemas.microsoft.com/office/powerpoint/2012/main" xmlns="">
         <p15:guide id="1" orient="horz" pos="3792">
           <p15:clr>
             <a:srgbClr val="FBAE40"/>
@@ -1646,7 +1646,7 @@
   </p:timing>
   <p:extLst mod="1">
     <p:ext uri="{DCECCB84-F9BA-43D5-87BE-67443E8EF086}">
-      <p15:sldGuideLst xmlns:p15="http://schemas.microsoft.com/office/powerpoint/2012/main">
+      <p15:sldGuideLst xmlns:p15="http://schemas.microsoft.com/office/powerpoint/2012/main" xmlns="">
         <p15:guide id="1" orient="horz" pos="2160">
           <p15:clr>
             <a:srgbClr val="FBAE40"/>
@@ -3219,25 +3219,6 @@
           </a:p>
         </p:txBody>
       </p:sp>
-      <p:sp>
-        <p:nvSpPr>
-          <p:cNvPr id="7" name="Subtitle 6"/>
-          <p:cNvSpPr>
-            <a:spLocks noGrp="1"/>
-          </p:cNvSpPr>
-          <p:nvPr>
-            <p:ph type="subTitle" idx="1"/>
-          </p:nvPr>
-        </p:nvSpPr>
-        <p:spPr/>
-        <p:txBody>
-          <a:bodyPr/>
-          <a:lstStyle/>
-          <a:p>
-            <a:endParaRPr lang="ru-RU"/>
-          </a:p>
-        </p:txBody>
-      </p:sp>
     </p:spTree>
     <p:extLst>
       <p:ext uri="{BB962C8B-B14F-4D97-AF65-F5344CB8AC3E}">
@@ -5209,6 +5190,13 @@
   <p:clrMapOvr>
     <a:masterClrMapping/>
   </p:clrMapOvr>
+  <p:timing>
+    <p:tnLst>
+      <p:par>
+        <p:cTn id="1" dur="indefinite" restart="never" nodeType="tmRoot"/>
+      </p:par>
+    </p:tnLst>
+  </p:timing>
 </p:sld>
 </file>
 
@@ -14317,7 +14305,7 @@
   <a:extraClrSchemeLst/>
   <a:extLst>
     <a:ext uri="{05A4C25C-085E-4340-85A3-A5531E510DB2}">
-      <thm15:themeFamily xmlns:thm15="http://schemas.microsoft.com/office/thememl/2012/main" name="Office Theme" id="{62F939B6-93AF-4DB8-9C6B-D6C7DFDC589F}" vid="{4A3C46E8-61CC-4603-A589-7422A47A8E4A}"/>
+      <thm15:themeFamily xmlns:thm15="http://schemas.microsoft.com/office/thememl/2012/main" xmlns="" name="Office Theme" id="{62F939B6-93AF-4DB8-9C6B-D6C7DFDC589F}" vid="{4A3C46E8-61CC-4603-A589-7422A47A8E4A}"/>
     </a:ext>
   </a:extLst>
 </a:theme>
@@ -14578,19 +14566,23 @@
   <a:extraClrSchemeLst/>
   <a:extLst>
     <a:ext uri="{05A4C25C-085E-4340-85A3-A5531E510DB2}">
-      <thm15:themeFamily xmlns:thm15="http://schemas.microsoft.com/office/thememl/2012/main" name="Office Theme" id="{62F939B6-93AF-4DB8-9C6B-D6C7DFDC589F}" vid="{4A3C46E8-61CC-4603-A589-7422A47A8E4A}"/>
+      <thm15:themeFamily xmlns:thm15="http://schemas.microsoft.com/office/thememl/2012/main" xmlns="" name="Office Theme" id="{62F939B6-93AF-4DB8-9C6B-D6C7DFDC589F}" vid="{4A3C46E8-61CC-4603-A589-7422A47A8E4A}"/>
     </a:ext>
   </a:extLst>
 </a:theme>
 </file>
 
 <file path=customXml/item1.xml><?xml version="1.0" encoding="utf-8"?>
-<?mso-contentType ?>
-<FormTemplates xmlns="http://schemas.microsoft.com/sharepoint/v3/contenttype/forms">
-  <Display>DocumentLibraryForm</Display>
-  <Edit>DocumentLibraryForm</Edit>
-  <New>DocumentLibraryForm</New>
-</FormTemplates>
+<p:properties xmlns:p="http://schemas.microsoft.com/office/2006/metadata/properties" xmlns:xsi="http://www.w3.org/2001/XMLSchema-instance" xmlns:pc="http://schemas.microsoft.com/office/infopath/2007/PartnerControls">
+  <documentManagement>
+    <TaxCatchAll xmlns="230e9df3-be65-4c73-a93b-d1236ebd677e"/>
+    <PublishingExpirationDate xmlns="http://schemas.microsoft.com/sharepoint/v3" xsi:nil="true"/>
+    <PublishingStartDate xmlns="http://schemas.microsoft.com/sharepoint/v3" xsi:nil="true"/>
+    <TaxKeywordTaxHTField xmlns="230e9df3-be65-4c73-a93b-d1236ebd677e">
+      <Terms xmlns="http://schemas.microsoft.com/office/infopath/2007/PartnerControls"/>
+    </TaxKeywordTaxHTField>
+  </documentManagement>
+</p:properties>
 </file>
 
 <file path=customXml/item2.xml><?xml version="1.0" encoding="utf-8"?>
@@ -14776,22 +14768,28 @@
 </file>
 
 <file path=customXml/item3.xml><?xml version="1.0" encoding="utf-8"?>
-<p:properties xmlns:p="http://schemas.microsoft.com/office/2006/metadata/properties" xmlns:xsi="http://www.w3.org/2001/XMLSchema-instance" xmlns:pc="http://schemas.microsoft.com/office/infopath/2007/PartnerControls">
-  <documentManagement>
-    <TaxCatchAll xmlns="230e9df3-be65-4c73-a93b-d1236ebd677e"/>
-    <PublishingExpirationDate xmlns="http://schemas.microsoft.com/sharepoint/v3" xsi:nil="true"/>
-    <PublishingStartDate xmlns="http://schemas.microsoft.com/sharepoint/v3" xsi:nil="true"/>
-    <TaxKeywordTaxHTField xmlns="230e9df3-be65-4c73-a93b-d1236ebd677e">
-      <Terms xmlns="http://schemas.microsoft.com/office/infopath/2007/PartnerControls"/>
-    </TaxKeywordTaxHTField>
-  </documentManagement>
-</p:properties>
+<?mso-contentType ?>
+<FormTemplates xmlns="http://schemas.microsoft.com/sharepoint/v3/contenttype/forms">
+  <Display>DocumentLibraryForm</Display>
+  <Edit>DocumentLibraryForm</Edit>
+  <New>DocumentLibraryForm</New>
+</FormTemplates>
 </file>
 
 <file path=customXml/itemProps1.xml><?xml version="1.0" encoding="utf-8"?>
-<ds:datastoreItem xmlns:ds="http://schemas.openxmlformats.org/officeDocument/2006/customXml" ds:itemID="{B0CA13EC-1D3C-4D6F-8D1C-E8A452CFC79A}">
+<ds:datastoreItem xmlns:ds="http://schemas.openxmlformats.org/officeDocument/2006/customXml" ds:itemID="{7025FDD9-4C58-4084-9F89-0E6ADD6FFF55}">
   <ds:schemaRefs>
-    <ds:schemaRef ds:uri="http://schemas.microsoft.com/sharepoint/v3/contenttype/forms"/>
+    <ds:schemaRef ds:uri="230e9df3-be65-4c73-a93b-d1236ebd677e"/>
+    <ds:schemaRef ds:uri="http://schemas.openxmlformats.org/package/2006/metadata/core-properties"/>
+    <ds:schemaRef ds:uri="http://purl.org/dc/elements/1.1/"/>
+    <ds:schemaRef ds:uri="http://schemas.microsoft.com/office/2006/metadata/properties"/>
+    <ds:schemaRef ds:uri="http://schemas.microsoft.com/office/infopath/2007/PartnerControls"/>
+    <ds:schemaRef ds:uri="27aa9422-7f1f-4c84-9cdf-302b1a67e513"/>
+    <ds:schemaRef ds:uri="http://schemas.microsoft.com/sharepoint/v3"/>
+    <ds:schemaRef ds:uri="http://schemas.microsoft.com/office/2006/documentManagement/types"/>
+    <ds:schemaRef ds:uri="http://purl.org/dc/dcmitype/"/>
+    <ds:schemaRef ds:uri="http://www.w3.org/XML/1998/namespace"/>
+    <ds:schemaRef ds:uri="http://purl.org/dc/terms/"/>
   </ds:schemaRefs>
 </ds:datastoreItem>
 </file>
@@ -14817,19 +14815,9 @@
 </file>
 
 <file path=customXml/itemProps3.xml><?xml version="1.0" encoding="utf-8"?>
-<ds:datastoreItem xmlns:ds="http://schemas.openxmlformats.org/officeDocument/2006/customXml" ds:itemID="{7025FDD9-4C58-4084-9F89-0E6ADD6FFF55}">
+<ds:datastoreItem xmlns:ds="http://schemas.openxmlformats.org/officeDocument/2006/customXml" ds:itemID="{B0CA13EC-1D3C-4D6F-8D1C-E8A452CFC79A}">
   <ds:schemaRefs>
-    <ds:schemaRef ds:uri="230e9df3-be65-4c73-a93b-d1236ebd677e"/>
-    <ds:schemaRef ds:uri="http://schemas.openxmlformats.org/package/2006/metadata/core-properties"/>
-    <ds:schemaRef ds:uri="http://purl.org/dc/elements/1.1/"/>
-    <ds:schemaRef ds:uri="http://schemas.microsoft.com/office/2006/metadata/properties"/>
-    <ds:schemaRef ds:uri="http://schemas.microsoft.com/office/infopath/2007/PartnerControls"/>
-    <ds:schemaRef ds:uri="27aa9422-7f1f-4c84-9cdf-302b1a67e513"/>
-    <ds:schemaRef ds:uri="http://schemas.microsoft.com/sharepoint/v3"/>
-    <ds:schemaRef ds:uri="http://schemas.microsoft.com/office/2006/documentManagement/types"/>
-    <ds:schemaRef ds:uri="http://purl.org/dc/dcmitype/"/>
-    <ds:schemaRef ds:uri="http://www.w3.org/XML/1998/namespace"/>
-    <ds:schemaRef ds:uri="http://purl.org/dc/terms/"/>
+    <ds:schemaRef ds:uri="http://schemas.microsoft.com/sharepoint/v3/contenttype/forms"/>
   </ds:schemaRefs>
 </ds:datastoreItem>
 </file>
--- a/week14/uploads.pptx
+++ b/week14/uploads.pptx
@@ -129,7 +129,7 @@
   </p:defaultTextStyle>
   <p:extLst>
     <p:ext uri="{EFAFB233-063F-42B5-8137-9DF3F51BA10A}">
-      <p15:sldGuideLst xmlns:p15="http://schemas.microsoft.com/office/powerpoint/2012/main" xmlns="">
+      <p15:sldGuideLst xmlns:p15="http://schemas.microsoft.com/office/powerpoint/2012/main">
         <p15:guide id="1" orient="horz" pos="2160">
           <p15:clr>
             <a:srgbClr val="A4A3A4"/>
@@ -143,7 +143,7 @@
       </p15:sldGuideLst>
     </p:ext>
     <p:ext uri="{2D200454-40CA-4A62-9FC3-DE9A4176ACB9}">
-      <p15:notesGuideLst xmlns:p15="http://schemas.microsoft.com/office/powerpoint/2012/main" xmlns=""/>
+      <p15:notesGuideLst xmlns:p15="http://schemas.microsoft.com/office/powerpoint/2012/main"/>
     </p:ext>
   </p:extLst>
 </p:presentation>
@@ -231,7 +231,7 @@
           <a:p>
             <a:fld id="{312E7B4A-039C-48A2-9B2C-AF16AA3873D8}" type="datetimeFigureOut">
               <a:rPr lang="en-US" smtClean="0"/>
-              <a:t>11/25/2016</a:t>
+              <a:t>4/18/2022</a:t>
             </a:fld>
             <a:endParaRPr lang="en-US"/>
           </a:p>
@@ -396,7 +396,7 @@
           <a:p>
             <a:fld id="{DA005A0C-54D9-45AA-87D4-C551D08DFCE1}" type="datetimeFigureOut">
               <a:rPr lang="en-US" smtClean="0"/>
-              <a:t>11/25/2016</a:t>
+              <a:t>4/18/2022</a:t>
             </a:fld>
             <a:endParaRPr lang="en-US"/>
           </a:p>
@@ -460,38 +460,37 @@
           <a:p>
             <a:pPr lvl="0"/>
             <a:r>
-              <a:rPr lang="en-US" smtClean="0"/>
+              <a:rPr lang="en-US"/>
               <a:t>Click to edit Master text styles</a:t>
             </a:r>
           </a:p>
           <a:p>
             <a:pPr lvl="1"/>
             <a:r>
-              <a:rPr lang="en-US" smtClean="0"/>
+              <a:rPr lang="en-US"/>
               <a:t>Second level</a:t>
             </a:r>
           </a:p>
           <a:p>
             <a:pPr lvl="2"/>
             <a:r>
-              <a:rPr lang="en-US" smtClean="0"/>
+              <a:rPr lang="en-US"/>
               <a:t>Third level</a:t>
             </a:r>
           </a:p>
           <a:p>
             <a:pPr lvl="3"/>
             <a:r>
-              <a:rPr lang="en-US" smtClean="0"/>
+              <a:rPr lang="en-US"/>
               <a:t>Fourth level</a:t>
             </a:r>
           </a:p>
           <a:p>
             <a:pPr lvl="4"/>
             <a:r>
-              <a:rPr lang="en-US" smtClean="0"/>
+              <a:rPr lang="en-US"/>
               <a:t>Fifth level</a:t>
             </a:r>
-            <a:endParaRPr lang="en-US"/>
           </a:p>
         </p:txBody>
       </p:sp>
@@ -897,10 +896,9 @@
           </a:lstStyle>
           <a:p>
             <a:r>
-              <a:rPr lang="en-US" dirty="0" smtClean="0"/>
+              <a:rPr lang="en-US" dirty="0"/>
               <a:t>Click to edit Master subtitle style</a:t>
             </a:r>
-            <a:endParaRPr lang="en-US" dirty="0"/>
           </a:p>
         </p:txBody>
       </p:sp>
@@ -955,10 +953,9 @@
           <a:p>
             <a:pPr lvl="0"/>
             <a:r>
-              <a:rPr lang="en-US" dirty="0" smtClean="0"/>
+              <a:rPr lang="en-US" dirty="0"/>
               <a:t>Course title style</a:t>
             </a:r>
-            <a:endParaRPr lang="en-US" dirty="0"/>
           </a:p>
         </p:txBody>
       </p:sp>
@@ -1088,7 +1085,7 @@
           <a:p>
             <a:pPr algn="l"/>
             <a:r>
-              <a:rPr lang="en-US" sz="1600" dirty="0" smtClean="0">
+              <a:rPr lang="en-US" sz="1600" dirty="0">
                 <a:solidFill>
                   <a:schemeClr val="tx1">
                     <a:lumMod val="75000"/>
@@ -1102,7 +1099,7 @@
               <a:t>Microsoft</a:t>
             </a:r>
             <a:r>
-              <a:rPr lang="en-US" sz="1600" baseline="0" dirty="0" smtClean="0">
+              <a:rPr lang="en-US" sz="1600" baseline="0" dirty="0">
                 <a:solidFill>
                   <a:schemeClr val="tx1">
                     <a:lumMod val="75000"/>
@@ -1115,7 +1112,7 @@
               </a:rPr>
               <a:t> Virtual Academy</a:t>
             </a:r>
-            <a:endParaRPr lang="en-US" sz="1600" dirty="0" smtClean="0">
+            <a:endParaRPr lang="en-US" sz="1600" dirty="0">
               <a:solidFill>
                 <a:schemeClr val="tx1">
                   <a:lumMod val="75000"/>
@@ -1139,16 +1136,9 @@
   <p:clrMapOvr>
     <a:masterClrMapping/>
   </p:clrMapOvr>
-  <p:timing>
-    <p:tnLst>
-      <p:par>
-        <p:cTn id="1" dur="indefinite" restart="never" nodeType="tmRoot"/>
-      </p:par>
-    </p:tnLst>
-  </p:timing>
   <p:extLst mod="1">
     <p:ext uri="{DCECCB84-F9BA-43D5-87BE-67443E8EF086}">
-      <p15:sldGuideLst xmlns:p15="http://schemas.microsoft.com/office/powerpoint/2012/main" xmlns="">
+      <p15:sldGuideLst xmlns:p15="http://schemas.microsoft.com/office/powerpoint/2012/main">
         <p15:guide id="1" orient="horz" pos="3792">
           <p15:clr>
             <a:srgbClr val="FBAE40"/>
@@ -1381,10 +1371,9 @@
           </a:lstStyle>
           <a:p>
             <a:r>
-              <a:rPr lang="en-US" smtClean="0"/>
+              <a:rPr lang="en-US"/>
               <a:t>Click to edit Master subtitle style</a:t>
             </a:r>
-            <a:endParaRPr lang="en-US"/>
           </a:p>
         </p:txBody>
       </p:sp>
@@ -1488,7 +1477,7 @@
           <a:p>
             <a:pPr lvl="0"/>
             <a:r>
-              <a:rPr lang="en-US" dirty="0" smtClean="0"/>
+              <a:rPr lang="en-US" dirty="0"/>
               <a:t>Module or Section transition style</a:t>
             </a:r>
           </a:p>
@@ -1620,10 +1609,9 @@
           </a:lstStyle>
           <a:p>
             <a:r>
-              <a:rPr lang="en-US" dirty="0" smtClean="0"/>
+              <a:rPr lang="en-US" dirty="0"/>
               <a:t>Click to edit Master subtitle style</a:t>
             </a:r>
-            <a:endParaRPr lang="en-US" dirty="0"/>
           </a:p>
         </p:txBody>
       </p:sp>
@@ -1637,16 +1625,9 @@
   <p:clrMapOvr>
     <a:masterClrMapping/>
   </p:clrMapOvr>
-  <p:timing>
-    <p:tnLst>
-      <p:par>
-        <p:cTn id="1" dur="indefinite" restart="never" nodeType="tmRoot"/>
-      </p:par>
-    </p:tnLst>
-  </p:timing>
   <p:extLst mod="1">
     <p:ext uri="{DCECCB84-F9BA-43D5-87BE-67443E8EF086}">
-      <p15:sldGuideLst xmlns:p15="http://schemas.microsoft.com/office/powerpoint/2012/main" xmlns="">
+      <p15:sldGuideLst xmlns:p15="http://schemas.microsoft.com/office/powerpoint/2012/main">
         <p15:guide id="1" orient="horz" pos="2160">
           <p15:clr>
             <a:srgbClr val="FBAE40"/>
@@ -1710,10 +1691,9 @@
           </a:lstStyle>
           <a:p>
             <a:r>
-              <a:rPr lang="en-US" dirty="0" smtClean="0"/>
+              <a:rPr lang="en-US" dirty="0"/>
               <a:t>Click to edit Master title style</a:t>
             </a:r>
-            <a:endParaRPr lang="en-US" dirty="0"/>
           </a:p>
         </p:txBody>
       </p:sp>
@@ -1741,7 +1721,7 @@
           <a:p>
             <a:pPr defTabSz="914088"/>
             <a:r>
-              <a:rPr lang="ru-RU" sz="6600" dirty="0" smtClean="0">
+              <a:rPr lang="ru-RU" sz="6600" dirty="0">
                 <a:solidFill>
                   <a:prstClr val="black"/>
                 </a:solidFill>
@@ -1814,13 +1794,6 @@
   <p:clrMapOvr>
     <a:masterClrMapping/>
   </p:clrMapOvr>
-  <p:timing>
-    <p:tnLst>
-      <p:par>
-        <p:cTn id="1" dur="indefinite" restart="never" nodeType="tmRoot"/>
-      </p:par>
-    </p:tnLst>
-  </p:timing>
 </p:sldLayout>
 </file>
 
@@ -1857,10 +1830,9 @@
           <a:lstStyle/>
           <a:p>
             <a:r>
-              <a:rPr lang="en-US" dirty="0" smtClean="0"/>
+              <a:rPr lang="en-US" dirty="0"/>
               <a:t>Click to edit Master title style</a:t>
             </a:r>
-            <a:endParaRPr lang="en-US" dirty="0"/>
           </a:p>
         </p:txBody>
       </p:sp>
@@ -1928,38 +1900,37 @@
           <a:p>
             <a:pPr lvl="0"/>
             <a:r>
-              <a:rPr lang="en-US" dirty="0" smtClean="0"/>
+              <a:rPr lang="en-US" dirty="0"/>
               <a:t>Click to edit Master text styles</a:t>
             </a:r>
           </a:p>
           <a:p>
             <a:pPr lvl="1"/>
             <a:r>
-              <a:rPr lang="en-US" dirty="0" smtClean="0"/>
+              <a:rPr lang="en-US" dirty="0"/>
               <a:t>Second level</a:t>
             </a:r>
           </a:p>
           <a:p>
             <a:pPr lvl="2"/>
             <a:r>
-              <a:rPr lang="en-US" dirty="0" smtClean="0"/>
+              <a:rPr lang="en-US" dirty="0"/>
               <a:t>Third level</a:t>
             </a:r>
           </a:p>
           <a:p>
             <a:pPr lvl="3"/>
             <a:r>
-              <a:rPr lang="en-US" dirty="0" smtClean="0"/>
+              <a:rPr lang="en-US" dirty="0"/>
               <a:t>Fourth level</a:t>
             </a:r>
           </a:p>
           <a:p>
             <a:pPr lvl="4"/>
             <a:r>
-              <a:rPr lang="en-US" dirty="0" smtClean="0"/>
+              <a:rPr lang="en-US" dirty="0"/>
               <a:t>Fifth level</a:t>
             </a:r>
-            <a:endParaRPr lang="en-US" dirty="0"/>
           </a:p>
         </p:txBody>
       </p:sp>
@@ -1973,13 +1944,6 @@
   <p:clrMapOvr>
     <a:masterClrMapping/>
   </p:clrMapOvr>
-  <p:timing>
-    <p:tnLst>
-      <p:par>
-        <p:cTn id="1" dur="indefinite" restart="never" nodeType="tmRoot"/>
-      </p:par>
-    </p:tnLst>
-  </p:timing>
 </p:sldLayout>
 </file>
 
@@ -2055,38 +2019,37 @@
           <a:p>
             <a:pPr lvl="0"/>
             <a:r>
-              <a:rPr lang="en-US" dirty="0" smtClean="0"/>
+              <a:rPr lang="en-US" dirty="0"/>
               <a:t>Click to edit Master text styles</a:t>
             </a:r>
           </a:p>
           <a:p>
             <a:pPr lvl="1"/>
             <a:r>
-              <a:rPr lang="en-US" dirty="0" smtClean="0"/>
+              <a:rPr lang="en-US" dirty="0"/>
               <a:t>Second level</a:t>
             </a:r>
           </a:p>
           <a:p>
             <a:pPr lvl="2"/>
             <a:r>
-              <a:rPr lang="en-US" dirty="0" smtClean="0"/>
+              <a:rPr lang="en-US" dirty="0"/>
               <a:t>Third level</a:t>
             </a:r>
           </a:p>
           <a:p>
             <a:pPr lvl="3"/>
             <a:r>
-              <a:rPr lang="en-US" dirty="0" smtClean="0"/>
+              <a:rPr lang="en-US" dirty="0"/>
               <a:t>Fourth level</a:t>
             </a:r>
           </a:p>
           <a:p>
             <a:pPr lvl="4"/>
             <a:r>
-              <a:rPr lang="en-US" dirty="0" smtClean="0"/>
+              <a:rPr lang="en-US" dirty="0"/>
               <a:t>Fifth level</a:t>
             </a:r>
-            <a:endParaRPr lang="en-US" dirty="0"/>
           </a:p>
         </p:txBody>
       </p:sp>
@@ -2145,38 +2108,37 @@
           <a:p>
             <a:pPr lvl="0"/>
             <a:r>
-              <a:rPr lang="en-US" dirty="0" smtClean="0"/>
+              <a:rPr lang="en-US" dirty="0"/>
               <a:t>Click to edit Master text styles</a:t>
             </a:r>
           </a:p>
           <a:p>
             <a:pPr lvl="1"/>
             <a:r>
-              <a:rPr lang="en-US" dirty="0" smtClean="0"/>
+              <a:rPr lang="en-US" dirty="0"/>
               <a:t>Second level</a:t>
             </a:r>
           </a:p>
           <a:p>
             <a:pPr lvl="2"/>
             <a:r>
-              <a:rPr lang="en-US" dirty="0" smtClean="0"/>
+              <a:rPr lang="en-US" dirty="0"/>
               <a:t>Third level</a:t>
             </a:r>
           </a:p>
           <a:p>
             <a:pPr lvl="3"/>
             <a:r>
-              <a:rPr lang="en-US" dirty="0" smtClean="0"/>
+              <a:rPr lang="en-US" dirty="0"/>
               <a:t>Fourth level</a:t>
             </a:r>
           </a:p>
           <a:p>
             <a:pPr lvl="4"/>
             <a:r>
-              <a:rPr lang="en-US" dirty="0" smtClean="0"/>
+              <a:rPr lang="en-US" dirty="0"/>
               <a:t>Fifth level</a:t>
             </a:r>
-            <a:endParaRPr lang="en-US" dirty="0"/>
           </a:p>
         </p:txBody>
       </p:sp>
@@ -2196,10 +2158,9 @@
           <a:lstStyle/>
           <a:p>
             <a:r>
-              <a:rPr lang="en-US" smtClean="0"/>
+              <a:rPr lang="en-US"/>
               <a:t>Click to edit Master title style</a:t>
             </a:r>
-            <a:endParaRPr lang="en-US"/>
           </a:p>
         </p:txBody>
       </p:sp>
@@ -2213,13 +2174,6 @@
   <p:clrMapOvr>
     <a:masterClrMapping/>
   </p:clrMapOvr>
-  <p:timing>
-    <p:tnLst>
-      <p:par>
-        <p:cTn id="1" dur="indefinite" restart="never" nodeType="tmRoot"/>
-      </p:par>
-    </p:tnLst>
-  </p:timing>
 </p:sldLayout>
 </file>
 
@@ -2312,7 +2266,7 @@
           <a:p>
             <a:pPr lvl="0"/>
             <a:r>
-              <a:rPr lang="en-US" dirty="0" smtClean="0"/>
+              <a:rPr lang="en-US" dirty="0"/>
               <a:t>Click to edit Master text styles</a:t>
             </a:r>
           </a:p>
@@ -2371,38 +2325,37 @@
           <a:p>
             <a:pPr lvl="0"/>
             <a:r>
-              <a:rPr lang="en-US" dirty="0" smtClean="0"/>
+              <a:rPr lang="en-US" dirty="0"/>
               <a:t>Click to edit Master text styles</a:t>
             </a:r>
           </a:p>
           <a:p>
             <a:pPr lvl="1"/>
             <a:r>
-              <a:rPr lang="en-US" dirty="0" smtClean="0"/>
+              <a:rPr lang="en-US" dirty="0"/>
               <a:t>Second level</a:t>
             </a:r>
           </a:p>
           <a:p>
             <a:pPr lvl="2"/>
             <a:r>
-              <a:rPr lang="en-US" dirty="0" smtClean="0"/>
+              <a:rPr lang="en-US" dirty="0"/>
               <a:t>Third level</a:t>
             </a:r>
           </a:p>
           <a:p>
             <a:pPr lvl="3"/>
             <a:r>
-              <a:rPr lang="en-US" dirty="0" smtClean="0"/>
+              <a:rPr lang="en-US" dirty="0"/>
               <a:t>Fourth level</a:t>
             </a:r>
           </a:p>
           <a:p>
             <a:pPr lvl="4"/>
             <a:r>
-              <a:rPr lang="en-US" dirty="0" smtClean="0"/>
+              <a:rPr lang="en-US" dirty="0"/>
               <a:t>Fifth level</a:t>
             </a:r>
-            <a:endParaRPr lang="en-US" dirty="0"/>
           </a:p>
         </p:txBody>
       </p:sp>
@@ -2478,7 +2431,7 @@
           <a:p>
             <a:pPr lvl="0"/>
             <a:r>
-              <a:rPr lang="en-US" dirty="0" smtClean="0"/>
+              <a:rPr lang="en-US" dirty="0"/>
               <a:t>Click to edit Master text styles</a:t>
             </a:r>
           </a:p>
@@ -2537,38 +2490,37 @@
           <a:p>
             <a:pPr lvl="0"/>
             <a:r>
-              <a:rPr lang="en-US" dirty="0" smtClean="0"/>
+              <a:rPr lang="en-US" dirty="0"/>
               <a:t>Click to edit Master text styles</a:t>
             </a:r>
           </a:p>
           <a:p>
             <a:pPr lvl="1"/>
             <a:r>
-              <a:rPr lang="en-US" dirty="0" smtClean="0"/>
+              <a:rPr lang="en-US" dirty="0"/>
               <a:t>Second level</a:t>
             </a:r>
           </a:p>
           <a:p>
             <a:pPr lvl="2"/>
             <a:r>
-              <a:rPr lang="en-US" dirty="0" smtClean="0"/>
+              <a:rPr lang="en-US" dirty="0"/>
               <a:t>Third level</a:t>
             </a:r>
           </a:p>
           <a:p>
             <a:pPr lvl="3"/>
             <a:r>
-              <a:rPr lang="en-US" dirty="0" smtClean="0"/>
+              <a:rPr lang="en-US" dirty="0"/>
               <a:t>Fourth level</a:t>
             </a:r>
           </a:p>
           <a:p>
             <a:pPr lvl="4"/>
             <a:r>
-              <a:rPr lang="en-US" dirty="0" smtClean="0"/>
+              <a:rPr lang="en-US" dirty="0"/>
               <a:t>Fifth level</a:t>
             </a:r>
-            <a:endParaRPr lang="en-US" dirty="0"/>
           </a:p>
         </p:txBody>
       </p:sp>
@@ -2588,10 +2540,9 @@
           <a:lstStyle/>
           <a:p>
             <a:r>
-              <a:rPr lang="en-US" smtClean="0"/>
+              <a:rPr lang="en-US"/>
               <a:t>Click to edit Master title style</a:t>
             </a:r>
-            <a:endParaRPr lang="en-US"/>
           </a:p>
         </p:txBody>
       </p:sp>
@@ -2605,13 +2556,6 @@
   <p:clrMapOvr>
     <a:masterClrMapping/>
   </p:clrMapOvr>
-  <p:timing>
-    <p:tnLst>
-      <p:par>
-        <p:cTn id="1" dur="indefinite" restart="never" nodeType="tmRoot"/>
-      </p:par>
-    </p:tnLst>
-  </p:timing>
 </p:sldLayout>
 </file>
 
@@ -2648,10 +2592,9 @@
           <a:lstStyle/>
           <a:p>
             <a:r>
-              <a:rPr lang="en-US" smtClean="0"/>
+              <a:rPr lang="en-US"/>
               <a:t>Click to edit Master title style</a:t>
             </a:r>
-            <a:endParaRPr lang="en-US"/>
           </a:p>
         </p:txBody>
       </p:sp>
@@ -2665,13 +2608,6 @@
   <p:clrMapOvr>
     <a:masterClrMapping/>
   </p:clrMapOvr>
-  <p:timing>
-    <p:tnLst>
-      <p:par>
-        <p:cTn id="1" dur="indefinite" restart="never" nodeType="tmRoot"/>
-      </p:par>
-    </p:tnLst>
-  </p:timing>
 </p:sldLayout>
 </file>
 
@@ -2702,13 +2638,6 @@
   <p:clrMapOvr>
     <a:masterClrMapping/>
   </p:clrMapOvr>
-  <p:timing>
-    <p:tnLst>
-      <p:par>
-        <p:cTn id="1" dur="indefinite" restart="never" nodeType="tmRoot"/>
-      </p:par>
-    </p:tnLst>
-  </p:timing>
 </p:sldLayout>
 </file>
 
@@ -2810,21 +2739,6 @@
   <p:clrMapOvr>
     <a:masterClrMapping/>
   </p:clrMapOvr>
-  <mc:AlternateContent xmlns:mc="http://schemas.openxmlformats.org/markup-compatibility/2006" xmlns:p14="http://schemas.microsoft.com/office/powerpoint/2010/main">
-    <mc:Choice Requires="p14">
-      <p:transition spd="slow" p14:dur="2000"/>
-    </mc:Choice>
-    <mc:Fallback xmlns="">
-      <p:transition spd="slow"/>
-    </mc:Fallback>
-  </mc:AlternateContent>
-  <p:timing>
-    <p:tnLst>
-      <p:par>
-        <p:cTn id="1" dur="indefinite" restart="never" nodeType="tmRoot"/>
-      </p:par>
-    </p:tnLst>
-  </p:timing>
 </p:sldLayout>
 </file>
 
@@ -2876,10 +2790,9 @@
           <a:lstStyle/>
           <a:p>
             <a:r>
-              <a:rPr lang="en-US" dirty="0" smtClean="0"/>
+              <a:rPr lang="en-US" dirty="0"/>
               <a:t>Click to edit Master title style</a:t>
             </a:r>
-            <a:endParaRPr lang="en-US" dirty="0"/>
           </a:p>
         </p:txBody>
       </p:sp>
@@ -2902,13 +2815,6 @@
     <p:sldLayoutId id="2147483668" r:id="rId8"/>
     <p:sldLayoutId id="2147483669" r:id="rId9"/>
   </p:sldLayoutIdLst>
-  <p:timing>
-    <p:tnLst>
-      <p:par>
-        <p:cTn id="1" dur="indefinite" restart="never" nodeType="tmRoot"/>
-      </p:par>
-    </p:tnLst>
-  </p:timing>
   <p:txStyles>
     <p:titleStyle>
       <a:lvl1pPr algn="l" defTabSz="914088" rtl="0" eaLnBrk="1" latinLnBrk="0" hangingPunct="1">
@@ -3206,16 +3112,23 @@
         </p:spPr>
         <p:txBody>
           <a:bodyPr>
-            <a:normAutofit/>
+            <a:normAutofit fontScale="77500" lnSpcReduction="20000"/>
           </a:bodyPr>
           <a:lstStyle/>
           <a:p>
             <a:pPr algn="ctr"/>
             <a:r>
-              <a:rPr lang="ru-RU" sz="6000" b="1" dirty="0" smtClean="0"/>
+              <a:rPr lang="en-US" sz="6000" b="1" dirty="0"/>
+              <a:t>Upload files</a:t>
+            </a:r>
+            <a:endParaRPr lang="ru-RU" sz="6000" b="1" dirty="0"/>
+          </a:p>
+          <a:p>
+            <a:pPr algn="ctr"/>
+            <a:r>
+              <a:rPr lang="ru-RU" sz="6000" b="1" dirty="0"/>
               <a:t>Загрузка файлов</a:t>
             </a:r>
-            <a:endParaRPr lang="ru-RU" sz="6000" b="1" dirty="0"/>
           </a:p>
         </p:txBody>
       </p:sp>
@@ -3229,13 +3142,6 @@
   <p:clrMapOvr>
     <a:masterClrMapping/>
   </p:clrMapOvr>
-  <p:timing>
-    <p:tnLst>
-      <p:par>
-        <p:cTn id="1" dur="indefinite" restart="never" nodeType="tmRoot"/>
-      </p:par>
-    </p:tnLst>
-  </p:timing>
 </p:sld>
 </file>
 
@@ -3272,10 +3178,9 @@
           <a:lstStyle/>
           <a:p>
             <a:r>
-              <a:rPr lang="ru-RU" dirty="0" smtClean="0"/>
+              <a:rPr lang="ru-RU" dirty="0"/>
               <a:t>Создание галереи изображений</a:t>
             </a:r>
-            <a:endParaRPr lang="ru-RU" dirty="0"/>
           </a:p>
         </p:txBody>
       </p:sp>
@@ -3289,13 +3194,6 @@
   <p:clrMapOvr>
     <a:masterClrMapping/>
   </p:clrMapOvr>
-  <p:timing>
-    <p:tnLst>
-      <p:par>
-        <p:cTn id="1" dur="indefinite" restart="never" nodeType="tmRoot"/>
-      </p:par>
-    </p:tnLst>
-  </p:timing>
 </p:sld>
 </file>
 
@@ -3360,77 +3258,28 @@
           <a:p>
             <a:r>
               <a:rPr lang="ru-RU" dirty="0"/>
-              <a:t>Б</a:t>
-            </a:r>
-            <a:r>
-              <a:rPr lang="ru-RU" dirty="0" smtClean="0"/>
-              <a:t>иблиотека </a:t>
-            </a:r>
+              <a:t>Библиотека easy-thumbnails позволяет создавать на основе графических изображений миниатюры. </a:t>
+            </a:r>
+          </a:p>
+          <a:p>
             <a:r>
               <a:rPr lang="ru-RU" dirty="0"/>
-              <a:t>easy-thumbnails позволяет создавать </a:t>
-            </a:r>
-            <a:r>
-              <a:rPr lang="ru-RU" dirty="0" smtClean="0"/>
-              <a:t>на основе </a:t>
-            </a:r>
+              <a:t>Эти миниатюры сохраняются ( кэшируются) в особой папке, чтобы исключить их повторное создание при следующем запросе.</a:t>
+            </a:r>
+          </a:p>
+          <a:p>
             <a:r>
               <a:rPr lang="ru-RU" dirty="0"/>
-              <a:t>графических изображений миниатюры. </a:t>
-            </a:r>
-            <a:endParaRPr lang="ru-RU" dirty="0" smtClean="0"/>
-          </a:p>
-          <a:p>
-            <a:r>
-              <a:rPr lang="ru-RU" dirty="0" smtClean="0"/>
-              <a:t>Эти </a:t>
-            </a:r>
-            <a:r>
-              <a:rPr lang="ru-RU" dirty="0"/>
-              <a:t>миниатюры </a:t>
-            </a:r>
-            <a:r>
-              <a:rPr lang="ru-RU" dirty="0" smtClean="0"/>
-              <a:t>сохраняются ( </a:t>
-            </a:r>
-            <a:r>
-              <a:rPr lang="ru-RU" dirty="0"/>
-              <a:t>кэшируются) в особой папке, чтобы исключить их повторное создание при </a:t>
-            </a:r>
-            <a:r>
-              <a:rPr lang="ru-RU" dirty="0" smtClean="0"/>
-              <a:t>следующем запросе.</a:t>
-            </a:r>
-          </a:p>
-          <a:p>
-            <a:r>
-              <a:rPr lang="ru-RU" dirty="0" smtClean="0"/>
-              <a:t>Библиотека </a:t>
-            </a:r>
-            <a:r>
-              <a:rPr lang="ru-RU" dirty="0"/>
-              <a:t>easy-thumbnails доступна по интернет-адресу </a:t>
-            </a:r>
-            <a:r>
-              <a:rPr lang="ru-RU" dirty="0" smtClean="0">
+              <a:t>Библиотека easy-thumbnails доступна по интернет-адресу </a:t>
+            </a:r>
+            <a:r>
+              <a:rPr lang="en-US" dirty="0">
                 <a:hlinkClick r:id="rId2"/>
               </a:rPr>
-              <a:t>https</a:t>
-            </a:r>
-            <a:r>
-              <a:rPr lang="ru-RU" dirty="0">
-                <a:hlinkClick r:id="rId2"/>
-              </a:rPr>
-              <a:t>://</a:t>
-            </a:r>
-            <a:r>
-              <a:rPr lang="ru-RU" dirty="0" smtClean="0">
-                <a:hlinkClick r:id="rId2"/>
-              </a:rPr>
-              <a:t>gitbub.com/SmileyCbris/easy-tbumbnails</a:t>
-            </a:r>
-            <a:r>
-              <a:rPr lang="ru-RU" dirty="0" smtClean="0"/>
+              <a:t>https://github.com/SmileyChris/easy-thumbnails</a:t>
+            </a:r>
+            <a:r>
+              <a:rPr lang="en-US" dirty="0"/>
               <a:t> </a:t>
             </a:r>
             <a:endParaRPr lang="ru-RU" dirty="0"/>
@@ -3682,11 +3531,11 @@
           <a:lstStyle/>
           <a:p>
             <a:r>
-              <a:rPr lang="ru-RU" dirty="0" smtClean="0"/>
+              <a:rPr lang="ru-RU" dirty="0"/>
               <a:t>Добавляем в список приложений (файл </a:t>
             </a:r>
             <a:r>
-              <a:rPr lang="en-US" dirty="0" smtClean="0"/>
+              <a:rPr lang="en-US" dirty="0"/>
               <a:t>settings.py)</a:t>
             </a:r>
           </a:p>
@@ -3766,7 +3615,7 @@
               <a:tabLst/>
             </a:pPr>
             <a:r>
-              <a:rPr kumimoji="0" lang="ru-RU" altLang="ru-RU" sz="2400" b="0" i="0" u="none" strike="noStrike" cap="none" normalizeH="0" baseline="0" dirty="0" smtClean="0">
+              <a:rPr kumimoji="0" lang="ru-RU" altLang="ru-RU" sz="2400" b="0" i="0" u="none" strike="noStrike" cap="none" normalizeH="0" baseline="0" dirty="0">
                 <a:ln>
                   <a:noFill/>
                 </a:ln>
@@ -3780,7 +3629,7 @@
               <a:t>INSTALLED_APPS = [</a:t>
             </a:r>
             <a:br>
-              <a:rPr kumimoji="0" lang="ru-RU" altLang="ru-RU" sz="2400" b="0" i="0" u="none" strike="noStrike" cap="none" normalizeH="0" baseline="0" dirty="0" smtClean="0">
+              <a:rPr kumimoji="0" lang="ru-RU" altLang="ru-RU" sz="2400" b="0" i="0" u="none" strike="noStrike" cap="none" normalizeH="0" baseline="0" dirty="0">
                 <a:ln>
                   <a:noFill/>
                 </a:ln>
@@ -3793,7 +3642,7 @@
               </a:rPr>
             </a:br>
             <a:r>
-              <a:rPr kumimoji="0" lang="ru-RU" altLang="ru-RU" sz="2400" b="0" i="0" u="none" strike="noStrike" cap="none" normalizeH="0" baseline="0" dirty="0" smtClean="0">
+              <a:rPr kumimoji="0" lang="ru-RU" altLang="ru-RU" sz="2400" b="0" i="0" u="none" strike="noStrike" cap="none" normalizeH="0" baseline="0" dirty="0">
                 <a:ln>
                   <a:noFill/>
                 </a:ln>
@@ -3807,7 +3656,7 @@
               <a:t>    </a:t>
             </a:r>
             <a:r>
-              <a:rPr kumimoji="0" lang="ru-RU" altLang="ru-RU" sz="2400" b="1" i="0" u="none" strike="noStrike" cap="none" normalizeH="0" baseline="0" dirty="0" smtClean="0">
+              <a:rPr kumimoji="0" lang="ru-RU" altLang="ru-RU" sz="2400" b="1" i="0" u="none" strike="noStrike" cap="none" normalizeH="0" baseline="0" dirty="0">
                 <a:ln>
                   <a:noFill/>
                 </a:ln>
@@ -3821,7 +3670,7 @@
               <a:t>'django.contrib.admin'</a:t>
             </a:r>
             <a:r>
-              <a:rPr kumimoji="0" lang="ru-RU" altLang="ru-RU" sz="2400" b="0" i="0" u="none" strike="noStrike" cap="none" normalizeH="0" baseline="0" dirty="0" smtClean="0">
+              <a:rPr kumimoji="0" lang="ru-RU" altLang="ru-RU" sz="2400" b="0" i="0" u="none" strike="noStrike" cap="none" normalizeH="0" baseline="0" dirty="0">
                 <a:ln>
                   <a:noFill/>
                 </a:ln>
@@ -3835,7 +3684,7 @@
               <a:t>,</a:t>
             </a:r>
             <a:br>
-              <a:rPr kumimoji="0" lang="ru-RU" altLang="ru-RU" sz="2400" b="0" i="0" u="none" strike="noStrike" cap="none" normalizeH="0" baseline="0" dirty="0" smtClean="0">
+              <a:rPr kumimoji="0" lang="ru-RU" altLang="ru-RU" sz="2400" b="0" i="0" u="none" strike="noStrike" cap="none" normalizeH="0" baseline="0" dirty="0">
                 <a:ln>
                   <a:noFill/>
                 </a:ln>
@@ -3848,7 +3697,7 @@
               </a:rPr>
             </a:br>
             <a:r>
-              <a:rPr kumimoji="0" lang="ru-RU" altLang="ru-RU" sz="2400" b="0" i="0" u="none" strike="noStrike" cap="none" normalizeH="0" baseline="0" dirty="0" smtClean="0">
+              <a:rPr kumimoji="0" lang="ru-RU" altLang="ru-RU" sz="2400" b="0" i="0" u="none" strike="noStrike" cap="none" normalizeH="0" baseline="0" dirty="0">
                 <a:ln>
                   <a:noFill/>
                 </a:ln>
@@ -3862,7 +3711,7 @@
               <a:t>    </a:t>
             </a:r>
             <a:r>
-              <a:rPr kumimoji="0" lang="ru-RU" altLang="ru-RU" sz="2400" b="1" i="0" u="none" strike="noStrike" cap="none" normalizeH="0" baseline="0" dirty="0" smtClean="0">
+              <a:rPr kumimoji="0" lang="ru-RU" altLang="ru-RU" sz="2400" b="1" i="0" u="none" strike="noStrike" cap="none" normalizeH="0" baseline="0" dirty="0">
                 <a:ln>
                   <a:noFill/>
                 </a:ln>
@@ -3876,7 +3725,7 @@
               <a:t>'django.contrib.auth'</a:t>
             </a:r>
             <a:r>
-              <a:rPr kumimoji="0" lang="ru-RU" altLang="ru-RU" sz="2400" b="0" i="0" u="none" strike="noStrike" cap="none" normalizeH="0" baseline="0" dirty="0" smtClean="0">
+              <a:rPr kumimoji="0" lang="ru-RU" altLang="ru-RU" sz="2400" b="0" i="0" u="none" strike="noStrike" cap="none" normalizeH="0" baseline="0" dirty="0">
                 <a:ln>
                   <a:noFill/>
                 </a:ln>
@@ -3890,7 +3739,7 @@
               <a:t>,</a:t>
             </a:r>
             <a:br>
-              <a:rPr kumimoji="0" lang="ru-RU" altLang="ru-RU" sz="2400" b="0" i="0" u="none" strike="noStrike" cap="none" normalizeH="0" baseline="0" dirty="0" smtClean="0">
+              <a:rPr kumimoji="0" lang="ru-RU" altLang="ru-RU" sz="2400" b="0" i="0" u="none" strike="noStrike" cap="none" normalizeH="0" baseline="0" dirty="0">
                 <a:ln>
                   <a:noFill/>
                 </a:ln>
@@ -3903,7 +3752,7 @@
               </a:rPr>
             </a:br>
             <a:r>
-              <a:rPr kumimoji="0" lang="ru-RU" altLang="ru-RU" sz="2400" b="0" i="0" u="none" strike="noStrike" cap="none" normalizeH="0" baseline="0" dirty="0" smtClean="0">
+              <a:rPr kumimoji="0" lang="ru-RU" altLang="ru-RU" sz="2400" b="0" i="0" u="none" strike="noStrike" cap="none" normalizeH="0" baseline="0" dirty="0">
                 <a:ln>
                   <a:noFill/>
                 </a:ln>
@@ -3917,7 +3766,7 @@
               <a:t>    </a:t>
             </a:r>
             <a:r>
-              <a:rPr kumimoji="0" lang="ru-RU" altLang="ru-RU" sz="2400" b="1" i="0" u="none" strike="noStrike" cap="none" normalizeH="0" baseline="0" dirty="0" smtClean="0">
+              <a:rPr kumimoji="0" lang="ru-RU" altLang="ru-RU" sz="2400" b="1" i="0" u="none" strike="noStrike" cap="none" normalizeH="0" baseline="0" dirty="0">
                 <a:ln>
                   <a:noFill/>
                 </a:ln>
@@ -3931,7 +3780,7 @@
               <a:t>'django.contrib.contenttypes'</a:t>
             </a:r>
             <a:r>
-              <a:rPr kumimoji="0" lang="ru-RU" altLang="ru-RU" sz="2400" b="0" i="0" u="none" strike="noStrike" cap="none" normalizeH="0" baseline="0" dirty="0" smtClean="0">
+              <a:rPr kumimoji="0" lang="ru-RU" altLang="ru-RU" sz="2400" b="0" i="0" u="none" strike="noStrike" cap="none" normalizeH="0" baseline="0" dirty="0">
                 <a:ln>
                   <a:noFill/>
                 </a:ln>
@@ -3945,7 +3794,7 @@
               <a:t>,</a:t>
             </a:r>
             <a:br>
-              <a:rPr kumimoji="0" lang="ru-RU" altLang="ru-RU" sz="2400" b="0" i="0" u="none" strike="noStrike" cap="none" normalizeH="0" baseline="0" dirty="0" smtClean="0">
+              <a:rPr kumimoji="0" lang="ru-RU" altLang="ru-RU" sz="2400" b="0" i="0" u="none" strike="noStrike" cap="none" normalizeH="0" baseline="0" dirty="0">
                 <a:ln>
                   <a:noFill/>
                 </a:ln>
@@ -3958,7 +3807,7 @@
               </a:rPr>
             </a:br>
             <a:r>
-              <a:rPr kumimoji="0" lang="ru-RU" altLang="ru-RU" sz="2400" b="0" i="0" u="none" strike="noStrike" cap="none" normalizeH="0" baseline="0" dirty="0" smtClean="0">
+              <a:rPr kumimoji="0" lang="ru-RU" altLang="ru-RU" sz="2400" b="0" i="0" u="none" strike="noStrike" cap="none" normalizeH="0" baseline="0" dirty="0">
                 <a:ln>
                   <a:noFill/>
                 </a:ln>
@@ -3972,7 +3821,7 @@
               <a:t>    </a:t>
             </a:r>
             <a:r>
-              <a:rPr kumimoji="0" lang="ru-RU" altLang="ru-RU" sz="2400" b="1" i="0" u="none" strike="noStrike" cap="none" normalizeH="0" baseline="0" dirty="0" smtClean="0">
+              <a:rPr kumimoji="0" lang="ru-RU" altLang="ru-RU" sz="2400" b="1" i="0" u="none" strike="noStrike" cap="none" normalizeH="0" baseline="0" dirty="0">
                 <a:ln>
                   <a:noFill/>
                 </a:ln>
@@ -3986,7 +3835,7 @@
               <a:t>'django.contrib.sessions'</a:t>
             </a:r>
             <a:r>
-              <a:rPr kumimoji="0" lang="ru-RU" altLang="ru-RU" sz="2400" b="0" i="0" u="none" strike="noStrike" cap="none" normalizeH="0" baseline="0" dirty="0" smtClean="0">
+              <a:rPr kumimoji="0" lang="ru-RU" altLang="ru-RU" sz="2400" b="0" i="0" u="none" strike="noStrike" cap="none" normalizeH="0" baseline="0" dirty="0">
                 <a:ln>
                   <a:noFill/>
                 </a:ln>
@@ -4000,7 +3849,7 @@
               <a:t>,</a:t>
             </a:r>
             <a:br>
-              <a:rPr kumimoji="0" lang="ru-RU" altLang="ru-RU" sz="2400" b="0" i="0" u="none" strike="noStrike" cap="none" normalizeH="0" baseline="0" dirty="0" smtClean="0">
+              <a:rPr kumimoji="0" lang="ru-RU" altLang="ru-RU" sz="2400" b="0" i="0" u="none" strike="noStrike" cap="none" normalizeH="0" baseline="0" dirty="0">
                 <a:ln>
                   <a:noFill/>
                 </a:ln>
@@ -4013,7 +3862,7 @@
               </a:rPr>
             </a:br>
             <a:r>
-              <a:rPr kumimoji="0" lang="ru-RU" altLang="ru-RU" sz="2400" b="0" i="0" u="none" strike="noStrike" cap="none" normalizeH="0" baseline="0" dirty="0" smtClean="0">
+              <a:rPr kumimoji="0" lang="ru-RU" altLang="ru-RU" sz="2400" b="0" i="0" u="none" strike="noStrike" cap="none" normalizeH="0" baseline="0" dirty="0">
                 <a:ln>
                   <a:noFill/>
                 </a:ln>
@@ -4027,7 +3876,7 @@
               <a:t>    </a:t>
             </a:r>
             <a:r>
-              <a:rPr kumimoji="0" lang="ru-RU" altLang="ru-RU" sz="2400" b="1" i="0" u="none" strike="noStrike" cap="none" normalizeH="0" baseline="0" dirty="0" smtClean="0">
+              <a:rPr kumimoji="0" lang="ru-RU" altLang="ru-RU" sz="2400" b="1" i="0" u="none" strike="noStrike" cap="none" normalizeH="0" baseline="0" dirty="0">
                 <a:ln>
                   <a:noFill/>
                 </a:ln>
@@ -4041,7 +3890,7 @@
               <a:t>'django.contrib.messages'</a:t>
             </a:r>
             <a:r>
-              <a:rPr kumimoji="0" lang="ru-RU" altLang="ru-RU" sz="2400" b="0" i="0" u="none" strike="noStrike" cap="none" normalizeH="0" baseline="0" dirty="0" smtClean="0">
+              <a:rPr kumimoji="0" lang="ru-RU" altLang="ru-RU" sz="2400" b="0" i="0" u="none" strike="noStrike" cap="none" normalizeH="0" baseline="0" dirty="0">
                 <a:ln>
                   <a:noFill/>
                 </a:ln>
@@ -4055,7 +3904,7 @@
               <a:t>,</a:t>
             </a:r>
             <a:br>
-              <a:rPr kumimoji="0" lang="ru-RU" altLang="ru-RU" sz="2400" b="0" i="0" u="none" strike="noStrike" cap="none" normalizeH="0" baseline="0" dirty="0" smtClean="0">
+              <a:rPr kumimoji="0" lang="ru-RU" altLang="ru-RU" sz="2400" b="0" i="0" u="none" strike="noStrike" cap="none" normalizeH="0" baseline="0" dirty="0">
                 <a:ln>
                   <a:noFill/>
                 </a:ln>
@@ -4068,7 +3917,7 @@
               </a:rPr>
             </a:br>
             <a:r>
-              <a:rPr kumimoji="0" lang="ru-RU" altLang="ru-RU" sz="2400" b="0" i="0" u="none" strike="noStrike" cap="none" normalizeH="0" baseline="0" dirty="0" smtClean="0">
+              <a:rPr kumimoji="0" lang="ru-RU" altLang="ru-RU" sz="2400" b="0" i="0" u="none" strike="noStrike" cap="none" normalizeH="0" baseline="0" dirty="0">
                 <a:ln>
                   <a:noFill/>
                 </a:ln>
@@ -4082,7 +3931,7 @@
               <a:t>    </a:t>
             </a:r>
             <a:r>
-              <a:rPr kumimoji="0" lang="ru-RU" altLang="ru-RU" sz="2400" b="1" i="0" u="none" strike="noStrike" cap="none" normalizeH="0" baseline="0" dirty="0" smtClean="0">
+              <a:rPr kumimoji="0" lang="ru-RU" altLang="ru-RU" sz="2400" b="1" i="0" u="none" strike="noStrike" cap="none" normalizeH="0" baseline="0" dirty="0">
                 <a:ln>
                   <a:noFill/>
                 </a:ln>
@@ -4096,7 +3945,7 @@
               <a:t>'django.contrib.staticfiles'</a:t>
             </a:r>
             <a:r>
-              <a:rPr kumimoji="0" lang="ru-RU" altLang="ru-RU" sz="2400" b="0" i="0" u="none" strike="noStrike" cap="none" normalizeH="0" baseline="0" dirty="0" smtClean="0">
+              <a:rPr kumimoji="0" lang="ru-RU" altLang="ru-RU" sz="2400" b="0" i="0" u="none" strike="noStrike" cap="none" normalizeH="0" baseline="0" dirty="0">
                 <a:ln>
                   <a:noFill/>
                 </a:ln>
@@ -4110,7 +3959,7 @@
               <a:t>,</a:t>
             </a:r>
             <a:br>
-              <a:rPr kumimoji="0" lang="ru-RU" altLang="ru-RU" sz="2400" b="0" i="0" u="none" strike="noStrike" cap="none" normalizeH="0" baseline="0" dirty="0" smtClean="0">
+              <a:rPr kumimoji="0" lang="ru-RU" altLang="ru-RU" sz="2400" b="0" i="0" u="none" strike="noStrike" cap="none" normalizeH="0" baseline="0" dirty="0">
                 <a:ln>
                   <a:noFill/>
                 </a:ln>
@@ -4123,7 +3972,7 @@
               </a:rPr>
             </a:br>
             <a:r>
-              <a:rPr kumimoji="0" lang="ru-RU" altLang="ru-RU" sz="2400" b="0" i="0" u="none" strike="noStrike" cap="none" normalizeH="0" baseline="0" dirty="0" smtClean="0">
+              <a:rPr kumimoji="0" lang="ru-RU" altLang="ru-RU" sz="2400" b="0" i="0" u="none" strike="noStrike" cap="none" normalizeH="0" baseline="0" dirty="0">
                 <a:ln>
                   <a:noFill/>
                 </a:ln>
@@ -4137,7 +3986,7 @@
               <a:t>    </a:t>
             </a:r>
             <a:r>
-              <a:rPr kumimoji="0" lang="ru-RU" altLang="ru-RU" sz="2400" b="1" i="0" u="none" strike="noStrike" cap="none" normalizeH="0" baseline="0" dirty="0" smtClean="0">
+              <a:rPr kumimoji="0" lang="ru-RU" altLang="ru-RU" sz="2400" b="1" i="0" u="none" strike="noStrike" cap="none" normalizeH="0" baseline="0" dirty="0">
                 <a:ln>
                   <a:noFill/>
                 </a:ln>
@@ -4151,7 +4000,7 @@
               <a:t>'blog'</a:t>
             </a:r>
             <a:r>
-              <a:rPr kumimoji="0" lang="ru-RU" altLang="ru-RU" sz="2400" b="0" i="0" u="none" strike="noStrike" cap="none" normalizeH="0" baseline="0" dirty="0" smtClean="0">
+              <a:rPr kumimoji="0" lang="ru-RU" altLang="ru-RU" sz="2400" b="0" i="0" u="none" strike="noStrike" cap="none" normalizeH="0" baseline="0" dirty="0">
                 <a:ln>
                   <a:noFill/>
                 </a:ln>
@@ -4165,7 +4014,7 @@
               <a:t>,</a:t>
             </a:r>
             <a:br>
-              <a:rPr kumimoji="0" lang="ru-RU" altLang="ru-RU" sz="2400" b="0" i="0" u="none" strike="noStrike" cap="none" normalizeH="0" baseline="0" dirty="0" smtClean="0">
+              <a:rPr kumimoji="0" lang="ru-RU" altLang="ru-RU" sz="2400" b="0" i="0" u="none" strike="noStrike" cap="none" normalizeH="0" baseline="0" dirty="0">
                 <a:ln>
                   <a:noFill/>
                 </a:ln>
@@ -4178,7 +4027,7 @@
               </a:rPr>
             </a:br>
             <a:r>
-              <a:rPr kumimoji="0" lang="ru-RU" altLang="ru-RU" sz="2400" b="0" i="0" u="none" strike="noStrike" cap="none" normalizeH="0" baseline="0" dirty="0" smtClean="0">
+              <a:rPr kumimoji="0" lang="ru-RU" altLang="ru-RU" sz="2400" b="0" i="0" u="none" strike="noStrike" cap="none" normalizeH="0" baseline="0" dirty="0">
                 <a:ln>
                   <a:noFill/>
                 </a:ln>
@@ -4192,7 +4041,7 @@
               <a:t>    </a:t>
             </a:r>
             <a:r>
-              <a:rPr kumimoji="0" lang="ru-RU" altLang="ru-RU" sz="2400" b="1" i="0" u="none" strike="noStrike" cap="none" normalizeH="0" baseline="0" dirty="0" smtClean="0">
+              <a:rPr kumimoji="0" lang="ru-RU" altLang="ru-RU" sz="2400" b="1" i="0" u="none" strike="noStrike" cap="none" normalizeH="0" baseline="0" dirty="0">
                 <a:ln>
                   <a:noFill/>
                 </a:ln>
@@ -4206,7 +4055,7 @@
               <a:t>'crispy_forms'</a:t>
             </a:r>
             <a:r>
-              <a:rPr kumimoji="0" lang="ru-RU" altLang="ru-RU" sz="2400" b="0" i="0" u="none" strike="noStrike" cap="none" normalizeH="0" baseline="0" dirty="0" smtClean="0">
+              <a:rPr kumimoji="0" lang="ru-RU" altLang="ru-RU" sz="2400" b="0" i="0" u="none" strike="noStrike" cap="none" normalizeH="0" baseline="0" dirty="0">
                 <a:ln>
                   <a:noFill/>
                 </a:ln>
@@ -4220,7 +4069,7 @@
               <a:t>,</a:t>
             </a:r>
             <a:br>
-              <a:rPr kumimoji="0" lang="ru-RU" altLang="ru-RU" sz="2400" b="0" i="0" u="none" strike="noStrike" cap="none" normalizeH="0" baseline="0" dirty="0" smtClean="0">
+              <a:rPr kumimoji="0" lang="ru-RU" altLang="ru-RU" sz="2400" b="0" i="0" u="none" strike="noStrike" cap="none" normalizeH="0" baseline="0" dirty="0">
                 <a:ln>
                   <a:noFill/>
                 </a:ln>
@@ -4233,7 +4082,7 @@
               </a:rPr>
             </a:br>
             <a:r>
-              <a:rPr kumimoji="0" lang="ru-RU" altLang="ru-RU" sz="2400" b="0" i="0" u="none" strike="noStrike" cap="none" normalizeH="0" baseline="0" dirty="0" smtClean="0">
+              <a:rPr kumimoji="0" lang="ru-RU" altLang="ru-RU" sz="2400" b="0" i="0" u="none" strike="noStrike" cap="none" normalizeH="0" baseline="0" dirty="0">
                 <a:ln>
                   <a:noFill/>
                 </a:ln>
@@ -4247,7 +4096,7 @@
               <a:t>    </a:t>
             </a:r>
             <a:r>
-              <a:rPr kumimoji="0" lang="ru-RU" altLang="ru-RU" sz="2400" b="1" i="0" u="none" strike="noStrike" cap="none" normalizeH="0" baseline="0" dirty="0" smtClean="0">
+              <a:rPr kumimoji="0" lang="ru-RU" altLang="ru-RU" sz="2400" b="1" i="0" u="none" strike="noStrike" cap="none" normalizeH="0" baseline="0" dirty="0">
                 <a:ln>
                   <a:noFill/>
                 </a:ln>
@@ -4261,7 +4110,7 @@
               <a:t>'easy_thumbnails'</a:t>
             </a:r>
             <a:br>
-              <a:rPr kumimoji="0" lang="ru-RU" altLang="ru-RU" sz="2400" b="1" i="0" u="none" strike="noStrike" cap="none" normalizeH="0" baseline="0" dirty="0" smtClean="0">
+              <a:rPr kumimoji="0" lang="ru-RU" altLang="ru-RU" sz="2400" b="1" i="0" u="none" strike="noStrike" cap="none" normalizeH="0" baseline="0" dirty="0">
                 <a:ln>
                   <a:noFill/>
                 </a:ln>
@@ -4274,7 +4123,7 @@
               </a:rPr>
             </a:br>
             <a:r>
-              <a:rPr kumimoji="0" lang="ru-RU" altLang="ru-RU" sz="2400" b="0" i="0" u="none" strike="noStrike" cap="none" normalizeH="0" baseline="0" dirty="0" smtClean="0">
+              <a:rPr kumimoji="0" lang="ru-RU" altLang="ru-RU" sz="2400" b="0" i="0" u="none" strike="noStrike" cap="none" normalizeH="0" baseline="0" dirty="0">
                 <a:ln>
                   <a:noFill/>
                 </a:ln>
@@ -4287,7 +4136,7 @@
               </a:rPr>
               <a:t>]</a:t>
             </a:r>
-            <a:endParaRPr kumimoji="0" lang="ru-RU" altLang="ru-RU" sz="4800" b="0" i="0" u="none" strike="noStrike" cap="none" normalizeH="0" baseline="0" dirty="0" smtClean="0">
+            <a:endParaRPr kumimoji="0" lang="ru-RU" altLang="ru-RU" sz="4800" b="0" i="0" u="none" strike="noStrike" cap="none" normalizeH="0" baseline="0" dirty="0">
               <a:ln>
                 <a:noFill/>
               </a:ln>
@@ -4585,35 +4434,31 @@
           <a:p>
             <a:r>
               <a:rPr lang="ru-RU" dirty="0"/>
-              <a:t>Перед тем как использовать их в коде шаблонов, нам следует загрузить </a:t>
-            </a:r>
-            <a:r>
-              <a:rPr lang="ru-RU" dirty="0" smtClean="0"/>
-              <a:t>модуль</a:t>
-            </a:r>
-            <a:r>
-              <a:rPr lang="en-US" dirty="0" smtClean="0"/>
+              <a:t>Перед тем как использовать их в коде шаблонов, нам следует загрузить модуль</a:t>
+            </a:r>
+            <a:r>
+              <a:rPr lang="en-US" dirty="0"/>
               <a:t> </a:t>
             </a:r>
             <a:r>
-              <a:rPr lang="ru-RU" dirty="0" smtClean="0"/>
+              <a:rPr lang="ru-RU" dirty="0"/>
               <a:t>thumЬnail шаблонизатора</a:t>
             </a:r>
-            <a:endParaRPr lang="en-US" dirty="0" smtClean="0"/>
-          </a:p>
-          <a:p>
             <a:endParaRPr lang="en-US" dirty="0"/>
           </a:p>
           <a:p>
-            <a:endParaRPr lang="en-US" dirty="0" smtClean="0"/>
-          </a:p>
-          <a:p>
-            <a:r>
-              <a:rPr lang="ru-RU" dirty="0" smtClean="0"/>
+            <a:endParaRPr lang="en-US" dirty="0"/>
+          </a:p>
+          <a:p>
+            <a:endParaRPr lang="en-US" dirty="0"/>
+          </a:p>
+          <a:p>
+            <a:r>
+              <a:rPr lang="ru-RU" dirty="0"/>
               <a:t>После этого можно выводить миниатюры используя тег </a:t>
             </a:r>
             <a:r>
-              <a:rPr lang="en-US" dirty="0" smtClean="0"/>
+              <a:rPr lang="en-US" dirty="0"/>
               <a:t>thumbnail:</a:t>
             </a:r>
             <a:endParaRPr lang="ru-RU" dirty="0"/>
@@ -4691,7 +4536,7 @@
               <a:tabLst/>
             </a:pPr>
             <a:r>
-              <a:rPr kumimoji="0" lang="ru-RU" altLang="ru-RU" sz="2800" b="0" i="0" u="none" strike="noStrike" cap="none" normalizeH="0" baseline="0" dirty="0" smtClean="0">
+              <a:rPr kumimoji="0" lang="ru-RU" altLang="ru-RU" sz="2800" b="0" i="0" u="none" strike="noStrike" cap="none" normalizeH="0" baseline="0" dirty="0">
                 <a:ln>
                   <a:noFill/>
                 </a:ln>
@@ -4705,7 +4550,7 @@
               <a:t>{% </a:t>
             </a:r>
             <a:r>
-              <a:rPr kumimoji="0" lang="ru-RU" altLang="ru-RU" sz="2800" b="1" i="0" u="none" strike="noStrike" cap="none" normalizeH="0" baseline="0" dirty="0" smtClean="0">
+              <a:rPr kumimoji="0" lang="ru-RU" altLang="ru-RU" sz="2800" b="1" i="0" u="none" strike="noStrike" cap="none" normalizeH="0" baseline="0" dirty="0">
                 <a:ln>
                   <a:noFill/>
                 </a:ln>
@@ -4719,7 +4564,7 @@
               <a:t>load </a:t>
             </a:r>
             <a:r>
-              <a:rPr kumimoji="0" lang="ru-RU" altLang="ru-RU" sz="2800" b="1" i="0" u="none" strike="noStrike" cap="none" normalizeH="0" baseline="0" dirty="0" smtClean="0">
+              <a:rPr kumimoji="0" lang="ru-RU" altLang="ru-RU" sz="2800" b="1" i="0" u="none" strike="noStrike" cap="none" normalizeH="0" baseline="0" dirty="0">
                 <a:ln>
                   <a:noFill/>
                 </a:ln>
@@ -4733,7 +4578,7 @@
               <a:t>thumbnail </a:t>
             </a:r>
             <a:r>
-              <a:rPr kumimoji="0" lang="ru-RU" altLang="ru-RU" sz="2800" b="0" i="0" u="none" strike="noStrike" cap="none" normalizeH="0" baseline="0" dirty="0" smtClean="0">
+              <a:rPr kumimoji="0" lang="ru-RU" altLang="ru-RU" sz="2800" b="0" i="0" u="none" strike="noStrike" cap="none" normalizeH="0" baseline="0" dirty="0">
                 <a:ln>
                   <a:noFill/>
                 </a:ln>
@@ -4746,7 +4591,7 @@
               </a:rPr>
               <a:t>%}</a:t>
             </a:r>
-            <a:endParaRPr kumimoji="0" lang="ru-RU" altLang="ru-RU" sz="5400" b="0" i="0" u="none" strike="noStrike" cap="none" normalizeH="0" baseline="0" dirty="0" smtClean="0">
+            <a:endParaRPr kumimoji="0" lang="ru-RU" altLang="ru-RU" sz="5400" b="0" i="0" u="none" strike="noStrike" cap="none" normalizeH="0" baseline="0" dirty="0">
               <a:ln>
                 <a:noFill/>
               </a:ln>
@@ -4830,7 +4675,7 @@
               <a:tabLst/>
             </a:pPr>
             <a:r>
-              <a:rPr kumimoji="0" lang="ru-RU" altLang="ru-RU" sz="2400" b="0" i="0" u="none" strike="noStrike" cap="none" normalizeH="0" baseline="0" dirty="0" smtClean="0">
+              <a:rPr kumimoji="0" lang="ru-RU" altLang="ru-RU" sz="2400" b="0" i="0" u="none" strike="noStrike" cap="none" normalizeH="0" baseline="0" dirty="0">
                 <a:ln>
                   <a:noFill/>
                 </a:ln>
@@ -4844,7 +4689,7 @@
               <a:t>&lt;</a:t>
             </a:r>
             <a:r>
-              <a:rPr kumimoji="0" lang="ru-RU" altLang="ru-RU" sz="2400" b="1" i="0" u="none" strike="noStrike" cap="none" normalizeH="0" baseline="0" dirty="0" smtClean="0">
+              <a:rPr kumimoji="0" lang="ru-RU" altLang="ru-RU" sz="2400" b="1" i="0" u="none" strike="noStrike" cap="none" normalizeH="0" baseline="0" dirty="0">
                 <a:ln>
                   <a:noFill/>
                 </a:ln>
@@ -4858,7 +4703,7 @@
               <a:t>img </a:t>
             </a:r>
             <a:r>
-              <a:rPr kumimoji="0" lang="en-US" altLang="ru-RU" sz="2400" b="1" i="0" u="none" strike="noStrike" cap="none" normalizeH="0" baseline="0" dirty="0" smtClean="0">
+              <a:rPr kumimoji="0" lang="en-US" altLang="ru-RU" sz="2400" b="1" i="0" u="none" strike="noStrike" cap="none" normalizeH="0" baseline="0" dirty="0">
                 <a:ln>
                   <a:noFill/>
                 </a:ln>
@@ -4872,7 +4717,7 @@
               <a:t> </a:t>
             </a:r>
             <a:r>
-              <a:rPr kumimoji="0" lang="ru-RU" altLang="ru-RU" sz="2400" b="1" i="0" u="none" strike="noStrike" cap="none" normalizeH="0" baseline="0" dirty="0" smtClean="0">
+              <a:rPr kumimoji="0" lang="ru-RU" altLang="ru-RU" sz="2400" b="1" i="0" u="none" strike="noStrike" cap="none" normalizeH="0" baseline="0" dirty="0">
                 <a:ln>
                   <a:noFill/>
                 </a:ln>
@@ -4886,7 +4731,7 @@
               <a:t>class=</a:t>
             </a:r>
             <a:r>
-              <a:rPr kumimoji="0" lang="ru-RU" altLang="ru-RU" sz="2400" b="1" i="0" u="none" strike="noStrike" cap="none" normalizeH="0" baseline="0" dirty="0" smtClean="0">
+              <a:rPr kumimoji="0" lang="ru-RU" altLang="ru-RU" sz="2400" b="1" i="0" u="none" strike="noStrike" cap="none" normalizeH="0" baseline="0" dirty="0">
                 <a:ln>
                   <a:noFill/>
                 </a:ln>
@@ -4900,7 +4745,7 @@
               <a:t>"img-responsive" </a:t>
             </a:r>
             <a:r>
-              <a:rPr kumimoji="0" lang="ru-RU" altLang="ru-RU" sz="2400" b="1" i="0" u="none" strike="noStrike" cap="none" normalizeH="0" baseline="0" dirty="0" smtClean="0">
+              <a:rPr kumimoji="0" lang="ru-RU" altLang="ru-RU" sz="2400" b="1" i="0" u="none" strike="noStrike" cap="none" normalizeH="0" baseline="0" dirty="0">
                 <a:ln>
                   <a:noFill/>
                 </a:ln>
@@ -4914,7 +4759,7 @@
               <a:t>src=</a:t>
             </a:r>
             <a:r>
-              <a:rPr kumimoji="0" lang="ru-RU" altLang="ru-RU" sz="2400" b="1" i="0" u="none" strike="noStrike" cap="none" normalizeH="0" baseline="0" dirty="0" smtClean="0">
+              <a:rPr kumimoji="0" lang="ru-RU" altLang="ru-RU" sz="2400" b="1" i="0" u="none" strike="noStrike" cap="none" normalizeH="0" baseline="0" dirty="0">
                 <a:ln>
                   <a:noFill/>
                 </a:ln>
@@ -4928,7 +4773,7 @@
               <a:t>"</a:t>
             </a:r>
             <a:r>
-              <a:rPr kumimoji="0" lang="ru-RU" altLang="ru-RU" sz="2400" b="0" i="0" u="none" strike="noStrike" cap="none" normalizeH="0" baseline="0" dirty="0" smtClean="0">
+              <a:rPr kumimoji="0" lang="ru-RU" altLang="ru-RU" sz="2400" b="0" i="0" u="none" strike="noStrike" cap="none" normalizeH="0" baseline="0" dirty="0">
                 <a:ln>
                   <a:noFill/>
                 </a:ln>
@@ -4942,7 +4787,7 @@
               <a:t>{% </a:t>
             </a:r>
             <a:r>
-              <a:rPr kumimoji="0" lang="ru-RU" altLang="ru-RU" sz="2400" b="1" i="0" u="none" strike="noStrike" cap="none" normalizeH="0" baseline="0" dirty="0" smtClean="0">
+              <a:rPr kumimoji="0" lang="ru-RU" altLang="ru-RU" sz="2400" b="1" i="0" u="none" strike="noStrike" cap="none" normalizeH="0" baseline="0" dirty="0">
                 <a:ln>
                   <a:noFill/>
                 </a:ln>
@@ -4956,7 +4801,7 @@
               <a:t>thumbnail </a:t>
             </a:r>
             <a:r>
-              <a:rPr kumimoji="0" lang="ru-RU" altLang="ru-RU" sz="2400" b="1" i="0" u="none" strike="noStrike" cap="none" normalizeH="0" baseline="0" dirty="0" smtClean="0">
+              <a:rPr kumimoji="0" lang="ru-RU" altLang="ru-RU" sz="2400" b="1" i="0" u="none" strike="noStrike" cap="none" normalizeH="0" baseline="0" dirty="0">
                 <a:ln>
                   <a:noFill/>
                 </a:ln>
@@ -4970,7 +4815,7 @@
               <a:t>photo</a:t>
             </a:r>
             <a:r>
-              <a:rPr kumimoji="0" lang="ru-RU" altLang="ru-RU" sz="2400" b="0" i="0" u="none" strike="noStrike" cap="none" normalizeH="0" baseline="0" dirty="0" smtClean="0">
+              <a:rPr kumimoji="0" lang="ru-RU" altLang="ru-RU" sz="2400" b="0" i="0" u="none" strike="noStrike" cap="none" normalizeH="0" baseline="0" dirty="0">
                 <a:ln>
                   <a:noFill/>
                 </a:ln>
@@ -4984,7 +4829,7 @@
               <a:t>.</a:t>
             </a:r>
             <a:r>
-              <a:rPr kumimoji="0" lang="ru-RU" altLang="ru-RU" sz="2400" b="1" i="0" u="none" strike="noStrike" cap="none" normalizeH="0" baseline="0" dirty="0" smtClean="0">
+              <a:rPr kumimoji="0" lang="ru-RU" altLang="ru-RU" sz="2400" b="1" i="0" u="none" strike="noStrike" cap="none" normalizeH="0" baseline="0" dirty="0">
                 <a:ln>
                   <a:noFill/>
                 </a:ln>
@@ -4998,7 +4843,7 @@
               <a:t>image 400x300 </a:t>
             </a:r>
             <a:r>
-              <a:rPr kumimoji="0" lang="ru-RU" altLang="ru-RU" sz="2400" b="0" i="0" u="none" strike="noStrike" cap="none" normalizeH="0" baseline="0" dirty="0" smtClean="0">
+              <a:rPr kumimoji="0" lang="ru-RU" altLang="ru-RU" sz="2400" b="0" i="0" u="none" strike="noStrike" cap="none" normalizeH="0" baseline="0" dirty="0">
                 <a:ln>
                   <a:noFill/>
                 </a:ln>
@@ -5012,7 +4857,7 @@
               <a:t>%}</a:t>
             </a:r>
             <a:r>
-              <a:rPr kumimoji="0" lang="ru-RU" altLang="ru-RU" sz="2400" b="1" i="0" u="none" strike="noStrike" cap="none" normalizeH="0" baseline="0" dirty="0" smtClean="0">
+              <a:rPr kumimoji="0" lang="ru-RU" altLang="ru-RU" sz="2400" b="1" i="0" u="none" strike="noStrike" cap="none" normalizeH="0" baseline="0" dirty="0">
                 <a:ln>
                   <a:noFill/>
                 </a:ln>
@@ -5026,7 +4871,7 @@
               <a:t>" </a:t>
             </a:r>
             <a:r>
-              <a:rPr kumimoji="0" lang="ru-RU" altLang="ru-RU" sz="2400" b="1" i="0" u="none" strike="noStrike" cap="none" normalizeH="0" baseline="0" dirty="0" smtClean="0">
+              <a:rPr kumimoji="0" lang="ru-RU" altLang="ru-RU" sz="2400" b="1" i="0" u="none" strike="noStrike" cap="none" normalizeH="0" baseline="0" dirty="0">
                 <a:ln>
                   <a:noFill/>
                 </a:ln>
@@ -5040,7 +4885,7 @@
               <a:t>alt=</a:t>
             </a:r>
             <a:r>
-              <a:rPr kumimoji="0" lang="ru-RU" altLang="ru-RU" sz="2400" b="1" i="0" u="none" strike="noStrike" cap="none" normalizeH="0" baseline="0" dirty="0" smtClean="0">
+              <a:rPr kumimoji="0" lang="ru-RU" altLang="ru-RU" sz="2400" b="1" i="0" u="none" strike="noStrike" cap="none" normalizeH="0" baseline="0" dirty="0">
                 <a:ln>
                   <a:noFill/>
                 </a:ln>
@@ -5054,7 +4899,7 @@
               <a:t>“</a:t>
             </a:r>
             <a:r>
-              <a:rPr kumimoji="0" lang="en-US" altLang="ru-RU" sz="2400" b="1" i="0" u="none" strike="noStrike" cap="none" normalizeH="0" baseline="0" dirty="0" smtClean="0">
+              <a:rPr kumimoji="0" lang="en-US" altLang="ru-RU" sz="2400" b="1" i="0" u="none" strike="noStrike" cap="none" normalizeH="0" baseline="0" dirty="0">
                 <a:ln>
                   <a:noFill/>
                 </a:ln>
@@ -5068,7 +4913,7 @@
               <a:t>photo</a:t>
             </a:r>
             <a:r>
-              <a:rPr kumimoji="0" lang="ru-RU" altLang="ru-RU" sz="2400" b="1" i="0" u="none" strike="noStrike" cap="none" normalizeH="0" baseline="0" dirty="0" smtClean="0">
+              <a:rPr kumimoji="0" lang="ru-RU" altLang="ru-RU" sz="2400" b="1" i="0" u="none" strike="noStrike" cap="none" normalizeH="0" baseline="0" dirty="0">
                 <a:ln>
                   <a:noFill/>
                 </a:ln>
@@ -5082,7 +4927,7 @@
               <a:t>"</a:t>
             </a:r>
             <a:r>
-              <a:rPr kumimoji="0" lang="ru-RU" altLang="ru-RU" sz="2400" b="0" i="0" u="none" strike="noStrike" cap="none" normalizeH="0" baseline="0" dirty="0" smtClean="0">
+              <a:rPr kumimoji="0" lang="ru-RU" altLang="ru-RU" sz="2400" b="0" i="0" u="none" strike="noStrike" cap="none" normalizeH="0" baseline="0" dirty="0">
                 <a:ln>
                   <a:noFill/>
                 </a:ln>
@@ -5095,7 +4940,7 @@
               </a:rPr>
               <a:t>&gt;</a:t>
             </a:r>
-            <a:endParaRPr kumimoji="0" lang="ru-RU" altLang="ru-RU" sz="4800" b="0" i="0" u="none" strike="noStrike" cap="none" normalizeH="0" baseline="0" dirty="0" smtClean="0">
+            <a:endParaRPr kumimoji="0" lang="ru-RU" altLang="ru-RU" sz="4800" b="0" i="0" u="none" strike="noStrike" cap="none" normalizeH="0" baseline="0" dirty="0">
               <a:ln>
                 <a:noFill/>
               </a:ln>
@@ -5118,13 +4963,6 @@
   <p:clrMapOvr>
     <a:masterClrMapping/>
   </p:clrMapOvr>
-  <p:timing>
-    <p:tnLst>
-      <p:par>
-        <p:cTn id="1" dur="indefinite" restart="never" nodeType="tmRoot"/>
-      </p:par>
-    </p:tnLst>
-  </p:timing>
 </p:sld>
 </file>
 
@@ -5173,7 +5011,7 @@
               <a:t>Отправка </a:t>
             </a:r>
             <a:r>
-              <a:rPr lang="en-US" sz="6000" dirty="0" smtClean="0"/>
+              <a:rPr lang="en-US" sz="6000" dirty="0"/>
               <a:t>email</a:t>
             </a:r>
             <a:endParaRPr lang="ru-RU" sz="6000" dirty="0"/>
@@ -5190,13 +5028,6 @@
   <p:clrMapOvr>
     <a:masterClrMapping/>
   </p:clrMapOvr>
-  <p:timing>
-    <p:tnLst>
-      <p:par>
-        <p:cTn id="1" dur="indefinite" restart="never" nodeType="tmRoot"/>
-      </p:par>
-    </p:tnLst>
-  </p:timing>
 </p:sld>
 </file>
 
@@ -5233,7 +5064,7 @@
           <a:lstStyle/>
           <a:p>
             <a:r>
-              <a:rPr lang="en-US" dirty="0" smtClean="0"/>
+              <a:rPr lang="en-US" dirty="0"/>
               <a:t>email</a:t>
             </a:r>
             <a:endParaRPr lang="ru-RU" dirty="0"/>
@@ -5256,44 +5087,23 @@
           <a:lstStyle/>
           <a:p>
             <a:r>
-              <a:rPr lang="ru-RU" dirty="0" smtClean="0"/>
-              <a:t>Python </a:t>
-            </a:r>
-            <a:r>
               <a:rPr lang="ru-RU" dirty="0"/>
-              <a:t>позволяет легко отправлять электронные письма с помощью модуля </a:t>
-            </a:r>
-            <a:r>
-              <a:rPr lang="ru-RU" dirty="0" smtClean="0"/>
-              <a:t>smtplib</a:t>
-            </a:r>
-            <a:endParaRPr lang="en-US" dirty="0" smtClean="0"/>
-          </a:p>
-          <a:p>
-            <a:r>
-              <a:rPr lang="ru-RU" dirty="0" smtClean="0"/>
-              <a:t>Но </a:t>
-            </a:r>
+              <a:t>Python позволяет легко отправлять электронные письма с помощью модуля smtplib</a:t>
+            </a:r>
+            <a:endParaRPr lang="en-US" dirty="0"/>
+          </a:p>
+          <a:p>
             <a:r>
               <a:rPr lang="ru-RU" dirty="0"/>
-              <a:t>Django предоставляет несколько дополнительных функций. </a:t>
-            </a:r>
-            <a:endParaRPr lang="ru-RU" dirty="0" smtClean="0"/>
-          </a:p>
-          <a:p>
-            <a:r>
-              <a:rPr lang="ru-RU" dirty="0" smtClean="0"/>
-              <a:t>Они </a:t>
-            </a:r>
+              <a:t>Но Django предоставляет несколько дополнительных функций. </a:t>
+            </a:r>
+          </a:p>
+          <a:p>
             <a:r>
               <a:rPr lang="ru-RU" dirty="0"/>
-              <a:t>позволяют быстро отправлять письма, легко отлаживать оправку при разработке, и предоставляют поддержку окружений, которые не могут использовать SMTP</a:t>
-            </a:r>
-            <a:r>
-              <a:rPr lang="ru-RU" dirty="0" smtClean="0"/>
-              <a:t>.</a:t>
-            </a:r>
-            <a:endParaRPr lang="en-US" dirty="0" smtClean="0"/>
+              <a:t>Они позволяют быстро отправлять письма, легко отлаживать оправку при разработке, и предоставляют поддержку окружений, которые не могут использовать SMTP.</a:t>
+            </a:r>
+            <a:endParaRPr lang="en-US" dirty="0"/>
           </a:p>
           <a:p>
             <a:r>
@@ -5575,11 +5385,11 @@
           <a:lstStyle/>
           <a:p>
             <a:r>
-              <a:rPr lang="ru-RU" dirty="0" smtClean="0"/>
+              <a:rPr lang="ru-RU" dirty="0"/>
               <a:t>Настройки </a:t>
             </a:r>
             <a:r>
-              <a:rPr lang="en-US" dirty="0" smtClean="0"/>
+              <a:rPr lang="en-US" dirty="0"/>
               <a:t>settings.py</a:t>
             </a:r>
             <a:endParaRPr lang="ru-RU" dirty="0"/>
@@ -5657,7 +5467,7 @@
               <a:tabLst/>
             </a:pPr>
             <a:r>
-              <a:rPr kumimoji="0" lang="ru-RU" altLang="ru-RU" sz="2400" b="0" i="1" u="none" strike="noStrike" cap="none" normalizeH="0" baseline="0" dirty="0" smtClean="0">
+              <a:rPr kumimoji="0" lang="ru-RU" altLang="ru-RU" sz="2400" b="0" i="1" u="none" strike="noStrike" cap="none" normalizeH="0" baseline="0" dirty="0">
                 <a:ln>
                   <a:noFill/>
                 </a:ln>
@@ -5671,7 +5481,7 @@
               <a:t># Configure email</a:t>
             </a:r>
             <a:br>
-              <a:rPr kumimoji="0" lang="ru-RU" altLang="ru-RU" sz="2400" b="0" i="1" u="none" strike="noStrike" cap="none" normalizeH="0" baseline="0" dirty="0" smtClean="0">
+              <a:rPr kumimoji="0" lang="ru-RU" altLang="ru-RU" sz="2400" b="0" i="1" u="none" strike="noStrike" cap="none" normalizeH="0" baseline="0" dirty="0">
                 <a:ln>
                   <a:noFill/>
                 </a:ln>
@@ -5684,7 +5494,7 @@
               </a:rPr>
             </a:br>
             <a:r>
-              <a:rPr kumimoji="0" lang="ru-RU" altLang="ru-RU" sz="2400" b="0" i="1" u="none" strike="noStrike" cap="none" normalizeH="0" baseline="0" dirty="0" smtClean="0">
+              <a:rPr kumimoji="0" lang="ru-RU" altLang="ru-RU" sz="2400" b="0" i="1" u="none" strike="noStrike" cap="none" normalizeH="0" baseline="0" dirty="0">
                 <a:ln>
                   <a:noFill/>
                 </a:ln>
@@ -5698,7 +5508,7 @@
               <a:t># </a:t>
             </a:r>
             <a:r>
-              <a:rPr kumimoji="0" lang="ru-RU" altLang="ru-RU" sz="2400" b="0" i="1" u="none" strike="noStrike" cap="none" normalizeH="0" baseline="0" dirty="0" smtClean="0">
+              <a:rPr kumimoji="0" lang="ru-RU" altLang="ru-RU" sz="2400" b="0" i="1" u="none" strike="noStrike" cap="none" normalizeH="0" baseline="0" dirty="0">
                 <a:ln>
                   <a:noFill/>
                 </a:ln>
@@ -5712,7 +5522,7 @@
               </a:rPr>
               <a:t>http://djbook.ru/rel1.9/topics/email.html</a:t>
             </a:r>
-            <a:endParaRPr kumimoji="0" lang="ru-RU" altLang="ru-RU" sz="2400" b="0" i="1" u="none" strike="noStrike" cap="none" normalizeH="0" baseline="0" dirty="0" smtClean="0">
+            <a:endParaRPr kumimoji="0" lang="ru-RU" altLang="ru-RU" sz="2400" b="0" i="1" u="none" strike="noStrike" cap="none" normalizeH="0" baseline="0" dirty="0">
               <a:ln>
                 <a:noFill/>
               </a:ln>
@@ -5741,7 +5551,7 @@
               <a:buNone/>
               <a:tabLst/>
             </a:pPr>
-            <a:endParaRPr kumimoji="0" lang="en-US" altLang="ru-RU" sz="2400" b="0" i="1" u="none" strike="noStrike" cap="none" normalizeH="0" baseline="0" dirty="0" smtClean="0">
+            <a:endParaRPr kumimoji="0" lang="en-US" altLang="ru-RU" sz="2400" b="0" i="1" u="none" strike="noStrike" cap="none" normalizeH="0" baseline="0" dirty="0">
               <a:ln>
                 <a:noFill/>
               </a:ln>
@@ -5770,8 +5580,8 @@
               <a:buNone/>
               <a:tabLst/>
             </a:pPr>
-            <a:r>
-              <a:rPr kumimoji="0" lang="ru-RU" altLang="ru-RU" sz="2400" b="0" i="1" u="none" strike="noStrike" cap="none" normalizeH="0" baseline="0" dirty="0" smtClean="0">
+            <a:br>
+              <a:rPr kumimoji="0" lang="ru-RU" altLang="ru-RU" sz="2400" b="0" i="1" u="none" strike="noStrike" cap="none" normalizeH="0" baseline="0" dirty="0">
                 <a:ln>
                   <a:noFill/>
                 </a:ln>
@@ -5782,15 +5592,42 @@
                 <a:latin typeface="Courier New" panose="02070309020205020404" pitchFamily="49" charset="0"/>
                 <a:cs typeface="Courier New" panose="02070309020205020404" pitchFamily="49" charset="0"/>
               </a:rPr>
-              <a:t/>
+            </a:br>
+            <a:r>
+              <a:rPr kumimoji="0" lang="ru-RU" altLang="ru-RU" sz="2400" b="0" i="0" u="none" strike="noStrike" cap="none" normalizeH="0" baseline="0" dirty="0">
+                <a:ln>
+                  <a:noFill/>
+                </a:ln>
+                <a:solidFill>
+                  <a:srgbClr val="000000"/>
+                </a:solidFill>
+                <a:effectLst/>
+                <a:latin typeface="Courier New" panose="02070309020205020404" pitchFamily="49" charset="0"/>
+                <a:cs typeface="Courier New" panose="02070309020205020404" pitchFamily="49" charset="0"/>
+              </a:rPr>
+              <a:t>EMAIL_BACKEND = </a:t>
+            </a:r>
+            <a:r>
+              <a:rPr kumimoji="0" lang="ru-RU" altLang="ru-RU" sz="2400" b="1" i="0" u="none" strike="noStrike" cap="none" normalizeH="0" baseline="0" dirty="0">
+                <a:ln>
+                  <a:noFill/>
+                </a:ln>
+                <a:solidFill>
+                  <a:srgbClr val="008080"/>
+                </a:solidFill>
+                <a:effectLst/>
+                <a:latin typeface="Courier New" panose="02070309020205020404" pitchFamily="49" charset="0"/>
+                <a:cs typeface="Courier New" panose="02070309020205020404" pitchFamily="49" charset="0"/>
+              </a:rPr>
+              <a:t>'django.core.mail.backends.smtp.EmailBackend'</a:t>
             </a:r>
             <a:br>
-              <a:rPr kumimoji="0" lang="ru-RU" altLang="ru-RU" sz="2400" b="0" i="1" u="none" strike="noStrike" cap="none" normalizeH="0" baseline="0" dirty="0" smtClean="0">
-                <a:ln>
-                  <a:noFill/>
-                </a:ln>
-                <a:solidFill>
-                  <a:srgbClr val="808080"/>
+              <a:rPr kumimoji="0" lang="ru-RU" altLang="ru-RU" sz="2400" b="1" i="0" u="none" strike="noStrike" cap="none" normalizeH="0" baseline="0" dirty="0">
+                <a:ln>
+                  <a:noFill/>
+                </a:ln>
+                <a:solidFill>
+                  <a:srgbClr val="008080"/>
                 </a:solidFill>
                 <a:effectLst/>
                 <a:latin typeface="Courier New" panose="02070309020205020404" pitchFamily="49" charset="0"/>
@@ -5798,21 +5635,62 @@
               </a:rPr>
             </a:br>
             <a:r>
-              <a:rPr kumimoji="0" lang="ru-RU" altLang="ru-RU" sz="2400" b="0" i="0" u="none" strike="noStrike" cap="none" normalizeH="0" baseline="0" dirty="0" smtClean="0">
-                <a:ln>
-                  <a:noFill/>
-                </a:ln>
-                <a:solidFill>
-                  <a:srgbClr val="000000"/>
-                </a:solidFill>
-                <a:effectLst/>
-                <a:latin typeface="Courier New" panose="02070309020205020404" pitchFamily="49" charset="0"/>
-                <a:cs typeface="Courier New" panose="02070309020205020404" pitchFamily="49" charset="0"/>
-              </a:rPr>
-              <a:t>EMAIL_BACKEND = </a:t>
-            </a:r>
-            <a:r>
-              <a:rPr kumimoji="0" lang="ru-RU" altLang="ru-RU" sz="2400" b="1" i="0" u="none" strike="noStrike" cap="none" normalizeH="0" baseline="0" dirty="0" smtClean="0">
+              <a:rPr kumimoji="0" lang="ru-RU" altLang="ru-RU" sz="2400" b="0" i="0" u="none" strike="noStrike" cap="none" normalizeH="0" baseline="0" dirty="0">
+                <a:ln>
+                  <a:noFill/>
+                </a:ln>
+                <a:solidFill>
+                  <a:srgbClr val="000000"/>
+                </a:solidFill>
+                <a:effectLst/>
+                <a:latin typeface="Courier New" panose="02070309020205020404" pitchFamily="49" charset="0"/>
+                <a:cs typeface="Courier New" panose="02070309020205020404" pitchFamily="49" charset="0"/>
+              </a:rPr>
+              <a:t>EMAIL_USE_TLS = </a:t>
+            </a:r>
+            <a:r>
+              <a:rPr kumimoji="0" lang="ru-RU" altLang="ru-RU" sz="2400" b="1" i="0" u="none" strike="noStrike" cap="none" normalizeH="0" baseline="0" dirty="0">
+                <a:ln>
+                  <a:noFill/>
+                </a:ln>
+                <a:solidFill>
+                  <a:srgbClr val="000080"/>
+                </a:solidFill>
+                <a:effectLst/>
+                <a:latin typeface="Courier New" panose="02070309020205020404" pitchFamily="49" charset="0"/>
+                <a:cs typeface="Courier New" panose="02070309020205020404" pitchFamily="49" charset="0"/>
+              </a:rPr>
+              <a:t>True</a:t>
+            </a:r>
+            <a:br>
+              <a:rPr kumimoji="0" lang="ru-RU" altLang="ru-RU" sz="2400" b="1" i="0" u="none" strike="noStrike" cap="none" normalizeH="0" baseline="0" dirty="0">
+                <a:ln>
+                  <a:noFill/>
+                </a:ln>
+                <a:solidFill>
+                  <a:srgbClr val="000080"/>
+                </a:solidFill>
+                <a:effectLst/>
+                <a:latin typeface="Courier New" panose="02070309020205020404" pitchFamily="49" charset="0"/>
+                <a:cs typeface="Courier New" panose="02070309020205020404" pitchFamily="49" charset="0"/>
+              </a:rPr>
+            </a:br>
+            <a:r>
+              <a:rPr kumimoji="0" lang="ru-RU" altLang="ru-RU" sz="2400" b="0" i="0" u="none" strike="noStrike" cap="none" normalizeH="0" baseline="0" dirty="0">
+                <a:ln>
+                  <a:noFill/>
+                </a:ln>
+                <a:solidFill>
+                  <a:srgbClr val="000000"/>
+                </a:solidFill>
+                <a:effectLst/>
+                <a:latin typeface="Courier New" panose="02070309020205020404" pitchFamily="49" charset="0"/>
+                <a:cs typeface="Courier New" panose="02070309020205020404" pitchFamily="49" charset="0"/>
+              </a:rPr>
+              <a:t>EMAIL_HOST=</a:t>
+            </a:r>
+            <a:r>
+              <a:rPr kumimoji="0" lang="ru-RU" altLang="ru-RU" sz="2400" b="1" i="0" u="none" strike="noStrike" cap="none" normalizeH="0" baseline="0" dirty="0">
                 <a:ln>
                   <a:noFill/>
                 </a:ln>
@@ -5823,10 +5701,10 @@
                 <a:latin typeface="Courier New" panose="02070309020205020404" pitchFamily="49" charset="0"/>
                 <a:cs typeface="Courier New" panose="02070309020205020404" pitchFamily="49" charset="0"/>
               </a:rPr>
-              <a:t>'django.core.mail.backends.smtp.EmailBackend'</a:t>
+              <a:t>'smtp.gmail.com'</a:t>
             </a:r>
             <a:br>
-              <a:rPr kumimoji="0" lang="ru-RU" altLang="ru-RU" sz="2400" b="1" i="0" u="none" strike="noStrike" cap="none" normalizeH="0" baseline="0" dirty="0" smtClean="0">
+              <a:rPr kumimoji="0" lang="ru-RU" altLang="ru-RU" sz="2400" b="1" i="0" u="none" strike="noStrike" cap="none" normalizeH="0" baseline="0" dirty="0">
                 <a:ln>
                   <a:noFill/>
                 </a:ln>
@@ -5839,40 +5717,40 @@
               </a:rPr>
             </a:br>
             <a:r>
-              <a:rPr kumimoji="0" lang="ru-RU" altLang="ru-RU" sz="2400" b="0" i="0" u="none" strike="noStrike" cap="none" normalizeH="0" baseline="0" dirty="0" smtClean="0">
-                <a:ln>
-                  <a:noFill/>
-                </a:ln>
-                <a:solidFill>
-                  <a:srgbClr val="000000"/>
-                </a:solidFill>
-                <a:effectLst/>
-                <a:latin typeface="Courier New" panose="02070309020205020404" pitchFamily="49" charset="0"/>
-                <a:cs typeface="Courier New" panose="02070309020205020404" pitchFamily="49" charset="0"/>
-              </a:rPr>
-              <a:t>EMAIL_USE_TLS = </a:t>
-            </a:r>
-            <a:r>
-              <a:rPr kumimoji="0" lang="ru-RU" altLang="ru-RU" sz="2400" b="1" i="0" u="none" strike="noStrike" cap="none" normalizeH="0" baseline="0" dirty="0" smtClean="0">
-                <a:ln>
-                  <a:noFill/>
-                </a:ln>
-                <a:solidFill>
-                  <a:srgbClr val="000080"/>
-                </a:solidFill>
-                <a:effectLst/>
-                <a:latin typeface="Courier New" panose="02070309020205020404" pitchFamily="49" charset="0"/>
-                <a:cs typeface="Courier New" panose="02070309020205020404" pitchFamily="49" charset="0"/>
-              </a:rPr>
-              <a:t>True</a:t>
+              <a:rPr kumimoji="0" lang="ru-RU" altLang="ru-RU" sz="2400" b="0" i="0" u="none" strike="noStrike" cap="none" normalizeH="0" baseline="0" dirty="0">
+                <a:ln>
+                  <a:noFill/>
+                </a:ln>
+                <a:solidFill>
+                  <a:srgbClr val="000000"/>
+                </a:solidFill>
+                <a:effectLst/>
+                <a:latin typeface="Courier New" panose="02070309020205020404" pitchFamily="49" charset="0"/>
+                <a:cs typeface="Courier New" panose="02070309020205020404" pitchFamily="49" charset="0"/>
+              </a:rPr>
+              <a:t>EMAIL_PORT=</a:t>
+            </a:r>
+            <a:r>
+              <a:rPr kumimoji="0" lang="ru-RU" altLang="ru-RU" sz="2400" b="0" i="0" u="none" strike="noStrike" cap="none" normalizeH="0" baseline="0" dirty="0">
+                <a:ln>
+                  <a:noFill/>
+                </a:ln>
+                <a:solidFill>
+                  <a:srgbClr val="0000FF"/>
+                </a:solidFill>
+                <a:effectLst/>
+                <a:latin typeface="Courier New" panose="02070309020205020404" pitchFamily="49" charset="0"/>
+                <a:cs typeface="Courier New" panose="02070309020205020404" pitchFamily="49" charset="0"/>
+              </a:rPr>
+              <a:t>587</a:t>
             </a:r>
             <a:br>
-              <a:rPr kumimoji="0" lang="ru-RU" altLang="ru-RU" sz="2400" b="1" i="0" u="none" strike="noStrike" cap="none" normalizeH="0" baseline="0" dirty="0" smtClean="0">
-                <a:ln>
-                  <a:noFill/>
-                </a:ln>
-                <a:solidFill>
-                  <a:srgbClr val="000080"/>
+              <a:rPr kumimoji="0" lang="ru-RU" altLang="ru-RU" sz="2400" b="0" i="0" u="none" strike="noStrike" cap="none" normalizeH="0" baseline="0" dirty="0">
+                <a:ln>
+                  <a:noFill/>
+                </a:ln>
+                <a:solidFill>
+                  <a:srgbClr val="0000FF"/>
                 </a:solidFill>
                 <a:effectLst/>
                 <a:latin typeface="Courier New" panose="02070309020205020404" pitchFamily="49" charset="0"/>
@@ -5880,21 +5758,21 @@
               </a:rPr>
             </a:br>
             <a:r>
-              <a:rPr kumimoji="0" lang="ru-RU" altLang="ru-RU" sz="2400" b="0" i="0" u="none" strike="noStrike" cap="none" normalizeH="0" baseline="0" dirty="0" smtClean="0">
-                <a:ln>
-                  <a:noFill/>
-                </a:ln>
-                <a:solidFill>
-                  <a:srgbClr val="000000"/>
-                </a:solidFill>
-                <a:effectLst/>
-                <a:latin typeface="Courier New" panose="02070309020205020404" pitchFamily="49" charset="0"/>
-                <a:cs typeface="Courier New" panose="02070309020205020404" pitchFamily="49" charset="0"/>
-              </a:rPr>
-              <a:t>EMAIL_HOST=</a:t>
-            </a:r>
-            <a:r>
-              <a:rPr kumimoji="0" lang="ru-RU" altLang="ru-RU" sz="2400" b="1" i="0" u="none" strike="noStrike" cap="none" normalizeH="0" baseline="0" dirty="0" smtClean="0">
+              <a:rPr kumimoji="0" lang="ru-RU" altLang="ru-RU" sz="2400" b="0" i="0" u="none" strike="noStrike" cap="none" normalizeH="0" baseline="0" dirty="0">
+                <a:ln>
+                  <a:noFill/>
+                </a:ln>
+                <a:solidFill>
+                  <a:srgbClr val="000000"/>
+                </a:solidFill>
+                <a:effectLst/>
+                <a:latin typeface="Courier New" panose="02070309020205020404" pitchFamily="49" charset="0"/>
+                <a:cs typeface="Courier New" panose="02070309020205020404" pitchFamily="49" charset="0"/>
+              </a:rPr>
+              <a:t>EMAIL_HOST_USER = </a:t>
+            </a:r>
+            <a:r>
+              <a:rPr kumimoji="0" lang="ru-RU" altLang="ru-RU" sz="2400" b="1" i="0" u="none" strike="noStrike" cap="none" normalizeH="0" baseline="0" dirty="0">
                 <a:ln>
                   <a:noFill/>
                 </a:ln>
@@ -5905,10 +5783,62 @@
                 <a:latin typeface="Courier New" panose="02070309020205020404" pitchFamily="49" charset="0"/>
                 <a:cs typeface="Courier New" panose="02070309020205020404" pitchFamily="49" charset="0"/>
               </a:rPr>
-              <a:t>'smtp.gmail.com'</a:t>
+              <a:t>‘</a:t>
+            </a:r>
+            <a:r>
+              <a:rPr lang="en-US" altLang="ru-RU" sz="2400" b="1" dirty="0">
+                <a:solidFill>
+                  <a:srgbClr val="008080"/>
+                </a:solidFill>
+                <a:latin typeface="Courier New" panose="02070309020205020404" pitchFamily="49" charset="0"/>
+                <a:cs typeface="Courier New" panose="02070309020205020404" pitchFamily="49" charset="0"/>
+              </a:rPr>
+              <a:t>name</a:t>
+            </a:r>
+            <a:r>
+              <a:rPr kumimoji="0" lang="ru-RU" altLang="ru-RU" sz="2400" b="1" i="0" u="none" strike="noStrike" cap="none" normalizeH="0" baseline="0" dirty="0">
+                <a:ln>
+                  <a:noFill/>
+                </a:ln>
+                <a:solidFill>
+                  <a:srgbClr val="008080"/>
+                </a:solidFill>
+                <a:effectLst/>
+                <a:latin typeface="Courier New" panose="02070309020205020404" pitchFamily="49" charset="0"/>
+                <a:cs typeface="Courier New" panose="02070309020205020404" pitchFamily="49" charset="0"/>
+              </a:rPr>
+              <a:t>@</a:t>
+            </a:r>
+            <a:r>
+              <a:rPr kumimoji="0" lang="en-US" altLang="ru-RU" sz="2400" b="1" i="0" u="none" strike="noStrike" cap="none" normalizeH="0" baseline="0" dirty="0">
+                <a:ln>
+                  <a:noFill/>
+                </a:ln>
+                <a:solidFill>
+                  <a:srgbClr val="008080"/>
+                </a:solidFill>
+                <a:effectLst/>
+                <a:latin typeface="Courier New" panose="02070309020205020404" pitchFamily="49" charset="0"/>
+                <a:cs typeface="Courier New" panose="02070309020205020404" pitchFamily="49" charset="0"/>
+              </a:rPr>
+              <a:t>domain</a:t>
+            </a:r>
+            <a:r>
+              <a:rPr kumimoji="0" lang="ru-RU" altLang="ru-RU" sz="2400" b="1" i="0" u="none" strike="noStrike" cap="none" normalizeH="0" baseline="0" dirty="0">
+                <a:ln>
+                  <a:noFill/>
+                </a:ln>
+                <a:solidFill>
+                  <a:srgbClr val="008080"/>
+                </a:solidFill>
+                <a:effectLst/>
+                <a:latin typeface="Courier New" panose="02070309020205020404" pitchFamily="49" charset="0"/>
+                <a:cs typeface="Courier New" panose="02070309020205020404" pitchFamily="49" charset="0"/>
+              </a:rPr>
+              <a:t>'</a:t>
             </a:r>
             <a:br>
-              <a:rPr kumimoji="0" lang="ru-RU" altLang="ru-RU" sz="2400" b="1" i="0" u="none" strike="noStrike" cap="none" normalizeH="0" baseline="0" dirty="0" smtClean="0">
+              <a:rPr kumimoji="0" lang="ru-RU" altLang="ru-RU" sz="2400" b="1" i="0" u="none" strike="noStrike" cap="none" normalizeH="0" baseline="0" dirty="0">
                 <a:ln>
                   <a:noFill/>
                 </a:ln>
@@ -5921,62 +5851,21 @@
               </a:rPr>
             </a:br>
             <a:r>
-              <a:rPr kumimoji="0" lang="ru-RU" altLang="ru-RU" sz="2400" b="0" i="0" u="none" strike="noStrike" cap="none" normalizeH="0" baseline="0" dirty="0" smtClean="0">
-                <a:ln>
-                  <a:noFill/>
-                </a:ln>
-                <a:solidFill>
-                  <a:srgbClr val="000000"/>
-                </a:solidFill>
-                <a:effectLst/>
-                <a:latin typeface="Courier New" panose="02070309020205020404" pitchFamily="49" charset="0"/>
-                <a:cs typeface="Courier New" panose="02070309020205020404" pitchFamily="49" charset="0"/>
-              </a:rPr>
-              <a:t>EMAIL_PORT=</a:t>
-            </a:r>
-            <a:r>
-              <a:rPr kumimoji="0" lang="ru-RU" altLang="ru-RU" sz="2400" b="0" i="0" u="none" strike="noStrike" cap="none" normalizeH="0" baseline="0" dirty="0" smtClean="0">
-                <a:ln>
-                  <a:noFill/>
-                </a:ln>
-                <a:solidFill>
-                  <a:srgbClr val="0000FF"/>
-                </a:solidFill>
-                <a:effectLst/>
-                <a:latin typeface="Courier New" panose="02070309020205020404" pitchFamily="49" charset="0"/>
-                <a:cs typeface="Courier New" panose="02070309020205020404" pitchFamily="49" charset="0"/>
-              </a:rPr>
-              <a:t>587</a:t>
-            </a:r>
-            <a:br>
-              <a:rPr kumimoji="0" lang="ru-RU" altLang="ru-RU" sz="2400" b="0" i="0" u="none" strike="noStrike" cap="none" normalizeH="0" baseline="0" dirty="0" smtClean="0">
-                <a:ln>
-                  <a:noFill/>
-                </a:ln>
-                <a:solidFill>
-                  <a:srgbClr val="0000FF"/>
-                </a:solidFill>
-                <a:effectLst/>
-                <a:latin typeface="Courier New" panose="02070309020205020404" pitchFamily="49" charset="0"/>
-                <a:cs typeface="Courier New" panose="02070309020205020404" pitchFamily="49" charset="0"/>
-              </a:rPr>
-            </a:br>
-            <a:r>
-              <a:rPr kumimoji="0" lang="ru-RU" altLang="ru-RU" sz="2400" b="0" i="0" u="none" strike="noStrike" cap="none" normalizeH="0" baseline="0" dirty="0" smtClean="0">
-                <a:ln>
-                  <a:noFill/>
-                </a:ln>
-                <a:solidFill>
-                  <a:srgbClr val="000000"/>
-                </a:solidFill>
-                <a:effectLst/>
-                <a:latin typeface="Courier New" panose="02070309020205020404" pitchFamily="49" charset="0"/>
-                <a:cs typeface="Courier New" panose="02070309020205020404" pitchFamily="49" charset="0"/>
-              </a:rPr>
-              <a:t>EMAIL_HOST_USER = </a:t>
-            </a:r>
-            <a:r>
-              <a:rPr kumimoji="0" lang="ru-RU" altLang="ru-RU" sz="2400" b="1" i="0" u="none" strike="noStrike" cap="none" normalizeH="0" baseline="0" dirty="0" smtClean="0">
+              <a:rPr kumimoji="0" lang="ru-RU" altLang="ru-RU" sz="2400" b="0" i="0" u="none" strike="noStrike" cap="none" normalizeH="0" baseline="0" dirty="0">
+                <a:ln>
+                  <a:noFill/>
+                </a:ln>
+                <a:solidFill>
+                  <a:srgbClr val="000000"/>
+                </a:solidFill>
+                <a:effectLst/>
+                <a:latin typeface="Courier New" panose="02070309020205020404" pitchFamily="49" charset="0"/>
+                <a:cs typeface="Courier New" panose="02070309020205020404" pitchFamily="49" charset="0"/>
+              </a:rPr>
+              <a:t>EMAIL_HOST_PASSWORD = </a:t>
+            </a:r>
+            <a:r>
+              <a:rPr kumimoji="0" lang="ru-RU" altLang="ru-RU" sz="2400" b="1" i="0" u="none" strike="noStrike" cap="none" normalizeH="0" baseline="0" dirty="0">
                 <a:ln>
                   <a:noFill/>
                 </a:ln>
@@ -5990,17 +5879,21 @@
               <a:t>‘</a:t>
             </a:r>
             <a:r>
-              <a:rPr lang="en-US" altLang="ru-RU" sz="2400" b="1" dirty="0" smtClean="0">
+              <a:rPr kumimoji="0" lang="en-US" altLang="ru-RU" sz="2400" b="1" i="0" u="none" strike="noStrike" cap="none" normalizeH="0" baseline="0">
+                <a:ln>
+                  <a:noFill/>
+                </a:ln>
                 <a:solidFill>
                   <a:srgbClr val="008080"/>
                 </a:solidFill>
-                <a:latin typeface="Courier New" panose="02070309020205020404" pitchFamily="49" charset="0"/>
-                <a:cs typeface="Courier New" panose="02070309020205020404" pitchFamily="49" charset="0"/>
-              </a:rPr>
-              <a:t>name</a:t>
-            </a:r>
-            <a:r>
-              <a:rPr kumimoji="0" lang="ru-RU" altLang="ru-RU" sz="2400" b="1" i="0" u="none" strike="noStrike" cap="none" normalizeH="0" baseline="0" dirty="0" smtClean="0">
+                <a:effectLst/>
+                <a:latin typeface="Courier New" panose="02070309020205020404" pitchFamily="49" charset="0"/>
+                <a:cs typeface="Courier New" panose="02070309020205020404" pitchFamily="49" charset="0"/>
+              </a:rPr>
+              <a:t>password</a:t>
+            </a:r>
+            <a:r>
+              <a:rPr kumimoji="0" lang="ru-RU" altLang="ru-RU" sz="2400" b="1" i="0" u="none" strike="noStrike" cap="none" normalizeH="0" baseline="0">
                 <a:ln>
                   <a:noFill/>
                 </a:ln>
@@ -6011,106 +5904,9 @@
                 <a:latin typeface="Courier New" panose="02070309020205020404" pitchFamily="49" charset="0"/>
                 <a:cs typeface="Courier New" panose="02070309020205020404" pitchFamily="49" charset="0"/>
               </a:rPr>
-              <a:t>@</a:t>
-            </a:r>
-            <a:r>
-              <a:rPr kumimoji="0" lang="en-US" altLang="ru-RU" sz="2400" b="1" i="0" u="none" strike="noStrike" cap="none" normalizeH="0" baseline="0" dirty="0" smtClean="0">
-                <a:ln>
-                  <a:noFill/>
-                </a:ln>
-                <a:solidFill>
-                  <a:srgbClr val="008080"/>
-                </a:solidFill>
-                <a:effectLst/>
-                <a:latin typeface="Courier New" panose="02070309020205020404" pitchFamily="49" charset="0"/>
-                <a:cs typeface="Courier New" panose="02070309020205020404" pitchFamily="49" charset="0"/>
-              </a:rPr>
-              <a:t>domain</a:t>
-            </a:r>
-            <a:r>
-              <a:rPr kumimoji="0" lang="ru-RU" altLang="ru-RU" sz="2400" b="1" i="0" u="none" strike="noStrike" cap="none" normalizeH="0" baseline="0" dirty="0" smtClean="0">
-                <a:ln>
-                  <a:noFill/>
-                </a:ln>
-                <a:solidFill>
-                  <a:srgbClr val="008080"/>
-                </a:solidFill>
-                <a:effectLst/>
-                <a:latin typeface="Courier New" panose="02070309020205020404" pitchFamily="49" charset="0"/>
-                <a:cs typeface="Courier New" panose="02070309020205020404" pitchFamily="49" charset="0"/>
-              </a:rPr>
               <a:t>'</a:t>
             </a:r>
-            <a:br>
-              <a:rPr kumimoji="0" lang="ru-RU" altLang="ru-RU" sz="2400" b="1" i="0" u="none" strike="noStrike" cap="none" normalizeH="0" baseline="0" dirty="0" smtClean="0">
-                <a:ln>
-                  <a:noFill/>
-                </a:ln>
-                <a:solidFill>
-                  <a:srgbClr val="008080"/>
-                </a:solidFill>
-                <a:effectLst/>
-                <a:latin typeface="Courier New" panose="02070309020205020404" pitchFamily="49" charset="0"/>
-                <a:cs typeface="Courier New" panose="02070309020205020404" pitchFamily="49" charset="0"/>
-              </a:rPr>
-            </a:br>
-            <a:r>
-              <a:rPr kumimoji="0" lang="ru-RU" altLang="ru-RU" sz="2400" b="0" i="0" u="none" strike="noStrike" cap="none" normalizeH="0" baseline="0" dirty="0" smtClean="0">
-                <a:ln>
-                  <a:noFill/>
-                </a:ln>
-                <a:solidFill>
-                  <a:srgbClr val="000000"/>
-                </a:solidFill>
-                <a:effectLst/>
-                <a:latin typeface="Courier New" panose="02070309020205020404" pitchFamily="49" charset="0"/>
-                <a:cs typeface="Courier New" panose="02070309020205020404" pitchFamily="49" charset="0"/>
-              </a:rPr>
-              <a:t>EMAIL_HOST_PASSWORD = </a:t>
-            </a:r>
-            <a:r>
-              <a:rPr kumimoji="0" lang="ru-RU" altLang="ru-RU" sz="2400" b="1" i="0" u="none" strike="noStrike" cap="none" normalizeH="0" baseline="0" dirty="0" smtClean="0">
-                <a:ln>
-                  <a:noFill/>
-                </a:ln>
-                <a:solidFill>
-                  <a:srgbClr val="008080"/>
-                </a:solidFill>
-                <a:effectLst/>
-                <a:latin typeface="Courier New" panose="02070309020205020404" pitchFamily="49" charset="0"/>
-                <a:cs typeface="Courier New" panose="02070309020205020404" pitchFamily="49" charset="0"/>
-              </a:rPr>
-              <a:t>‘</a:t>
-            </a:r>
-            <a:r>
-              <a:rPr kumimoji="0" lang="en-US" altLang="ru-RU" sz="2400" b="1" i="0" u="none" strike="noStrike" cap="none" normalizeH="0" baseline="0" smtClean="0">
-                <a:ln>
-                  <a:noFill/>
-                </a:ln>
-                <a:solidFill>
-                  <a:srgbClr val="008080"/>
-                </a:solidFill>
-                <a:effectLst/>
-                <a:latin typeface="Courier New" panose="02070309020205020404" pitchFamily="49" charset="0"/>
-                <a:cs typeface="Courier New" panose="02070309020205020404" pitchFamily="49" charset="0"/>
-              </a:rPr>
-              <a:t>password</a:t>
-            </a:r>
-            <a:r>
-              <a:rPr kumimoji="0" lang="ru-RU" altLang="ru-RU" sz="2400" b="1" i="0" u="none" strike="noStrike" cap="none" normalizeH="0" baseline="0" smtClean="0">
-                <a:ln>
-                  <a:noFill/>
-                </a:ln>
-                <a:solidFill>
-                  <a:srgbClr val="008080"/>
-                </a:solidFill>
-                <a:effectLst/>
-                <a:latin typeface="Courier New" panose="02070309020205020404" pitchFamily="49" charset="0"/>
-                <a:cs typeface="Courier New" panose="02070309020205020404" pitchFamily="49" charset="0"/>
-              </a:rPr>
-              <a:t>'</a:t>
-            </a:r>
-            <a:endParaRPr kumimoji="0" lang="ru-RU" altLang="ru-RU" sz="4800" b="0" i="0" u="none" strike="noStrike" cap="none" normalizeH="0" baseline="0" dirty="0" smtClean="0">
+            <a:endParaRPr kumimoji="0" lang="ru-RU" altLang="ru-RU" sz="4800" b="0" i="0" u="none" strike="noStrike" cap="none" normalizeH="0" baseline="0" dirty="0">
               <a:ln>
                 <a:noFill/>
               </a:ln>
@@ -6133,13 +5929,6 @@
   <p:clrMapOvr>
     <a:masterClrMapping/>
   </p:clrMapOvr>
-  <p:timing>
-    <p:tnLst>
-      <p:par>
-        <p:cTn id="1" dur="indefinite" restart="never" nodeType="tmRoot"/>
-      </p:par>
-    </p:tnLst>
-  </p:timing>
 </p:sld>
 </file>
 
@@ -6207,23 +5996,15 @@
             </a:pPr>
             <a:r>
               <a:rPr lang="ru-RU" dirty="0"/>
-              <a:t>Самый простой способ отправить письмо – </a:t>
-            </a:r>
-            <a:r>
-              <a:rPr lang="ru-RU" dirty="0" smtClean="0"/>
-              <a:t>использовать</a:t>
-            </a:r>
-            <a:r>
-              <a:rPr lang="en-US" dirty="0" smtClean="0"/>
+              <a:t>Самый простой способ отправить письмо – использовать</a:t>
+            </a:r>
+            <a:r>
+              <a:rPr lang="en-US" dirty="0"/>
               <a:t> </a:t>
             </a:r>
             <a:r>
-              <a:rPr lang="ru-RU" dirty="0" smtClean="0"/>
-              <a:t>функцию </a:t>
-            </a:r>
-            <a:r>
               <a:rPr lang="ru-RU" dirty="0"/>
-              <a:t>django.core.mail.send_mail().</a:t>
+              <a:t>функцию django.core.mail.send_mail().</a:t>
             </a:r>
           </a:p>
         </p:txBody>
@@ -6298,7 +6079,7 @@
               <a:t>, </a:t>
             </a:r>
             <a:r>
-              <a:rPr lang="en-US" sz="3200" dirty="0" err="1" smtClean="0">
+              <a:rPr lang="en-US" sz="3200" dirty="0" err="1">
                 <a:solidFill>
                   <a:srgbClr val="00B0F0"/>
                 </a:solidFill>
@@ -6306,7 +6087,7 @@
               <a:t>recipient_list</a:t>
             </a:r>
             <a:r>
-              <a:rPr lang="en-US" sz="3200" dirty="0" smtClean="0"/>
+              <a:rPr lang="en-US" sz="3200" dirty="0"/>
               <a:t>)</a:t>
             </a:r>
             <a:endParaRPr lang="ru-RU" sz="3200" dirty="0"/>
@@ -6335,7 +6116,7 @@
           <a:lstStyle/>
           <a:p>
             <a:r>
-              <a:rPr lang="en-US" sz="2800" dirty="0" smtClean="0">
+              <a:rPr lang="en-US" sz="2800" dirty="0">
                 <a:solidFill>
                   <a:srgbClr val="FF0000"/>
                 </a:solidFill>
@@ -6343,18 +6124,17 @@
               <a:t>subject</a:t>
             </a:r>
             <a:r>
-              <a:rPr lang="en-US" sz="2800" dirty="0" smtClean="0"/>
+              <a:rPr lang="en-US" sz="2800" dirty="0"/>
               <a:t> – </a:t>
             </a:r>
             <a:r>
-              <a:rPr lang="ru-RU" sz="2800" dirty="0" smtClean="0"/>
+              <a:rPr lang="ru-RU" sz="2800" dirty="0"/>
               <a:t>тема письма</a:t>
             </a:r>
-            <a:endParaRPr lang="ru-RU" sz="2800" dirty="0"/>
-          </a:p>
-          <a:p>
-            <a:r>
-              <a:rPr lang="en-US" sz="2800" dirty="0" smtClean="0">
+          </a:p>
+          <a:p>
+            <a:r>
+              <a:rPr lang="en-US" sz="2800" dirty="0">
                 <a:solidFill>
                   <a:srgbClr val="FFC000"/>
                 </a:solidFill>
@@ -6362,14 +6142,13 @@
               <a:t>message</a:t>
             </a:r>
             <a:r>
-              <a:rPr lang="ru-RU" sz="2800" dirty="0" smtClean="0"/>
+              <a:rPr lang="ru-RU" sz="2800" dirty="0"/>
               <a:t> – тело письма</a:t>
             </a:r>
-            <a:endParaRPr lang="ru-RU" sz="2800" dirty="0"/>
-          </a:p>
-          <a:p>
-            <a:r>
-              <a:rPr lang="en-US" sz="2800" dirty="0" err="1" smtClean="0">
+          </a:p>
+          <a:p>
+            <a:r>
+              <a:rPr lang="en-US" sz="2800" dirty="0" err="1">
                 <a:solidFill>
                   <a:srgbClr val="00B050"/>
                 </a:solidFill>
@@ -6377,14 +6156,13 @@
               <a:t>from_email</a:t>
             </a:r>
             <a:r>
-              <a:rPr lang="ru-RU" sz="2800" dirty="0" smtClean="0"/>
+              <a:rPr lang="ru-RU" sz="2800" dirty="0"/>
               <a:t> – отправитель </a:t>
             </a:r>
-            <a:endParaRPr lang="ru-RU" sz="2800" dirty="0"/>
-          </a:p>
-          <a:p>
-            <a:r>
-              <a:rPr lang="en-US" sz="2800" dirty="0" err="1" smtClean="0">
+          </a:p>
+          <a:p>
+            <a:r>
+              <a:rPr lang="en-US" sz="2800" dirty="0" err="1">
                 <a:solidFill>
                   <a:srgbClr val="00B0F0"/>
                 </a:solidFill>
@@ -6392,11 +6170,11 @@
               <a:t>recipient_list</a:t>
             </a:r>
             <a:r>
-              <a:rPr lang="ru-RU" sz="2800" dirty="0" smtClean="0"/>
+              <a:rPr lang="ru-RU" sz="2800" dirty="0"/>
               <a:t> -</a:t>
             </a:r>
             <a:r>
-              <a:rPr lang="en-US" sz="2800" dirty="0" smtClean="0"/>
+              <a:rPr lang="en-US" sz="2800" dirty="0"/>
               <a:t> </a:t>
             </a:r>
             <a:r>
@@ -6849,10 +6627,9 @@
           <a:lstStyle/>
           <a:p>
             <a:r>
-              <a:rPr lang="ru-RU" dirty="0" smtClean="0"/>
+              <a:rPr lang="ru-RU" dirty="0"/>
               <a:t>Пример</a:t>
             </a:r>
-            <a:endParaRPr lang="ru-RU" dirty="0"/>
           </a:p>
         </p:txBody>
       </p:sp>
@@ -6946,7 +6723,7 @@
               <a:tabLst/>
             </a:pPr>
             <a:r>
-              <a:rPr kumimoji="0" lang="ru-RU" altLang="ru-RU" sz="2400" b="1" i="0" u="none" strike="noStrike" cap="none" normalizeH="0" baseline="0" dirty="0" smtClean="0">
+              <a:rPr kumimoji="0" lang="ru-RU" altLang="ru-RU" sz="2400" b="1" i="0" u="none" strike="noStrike" cap="none" normalizeH="0" baseline="0" dirty="0">
                 <a:ln>
                   <a:noFill/>
                 </a:ln>
@@ -6960,7 +6737,7 @@
               <a:t>from </a:t>
             </a:r>
             <a:r>
-              <a:rPr kumimoji="0" lang="ru-RU" altLang="ru-RU" sz="2400" b="0" i="0" u="none" strike="noStrike" cap="none" normalizeH="0" baseline="0" dirty="0" smtClean="0">
+              <a:rPr kumimoji="0" lang="ru-RU" altLang="ru-RU" sz="2400" b="0" i="0" u="none" strike="noStrike" cap="none" normalizeH="0" baseline="0" dirty="0">
                 <a:ln>
                   <a:noFill/>
                 </a:ln>
@@ -6974,7 +6751,7 @@
               <a:t>django.core.mail </a:t>
             </a:r>
             <a:r>
-              <a:rPr kumimoji="0" lang="ru-RU" altLang="ru-RU" sz="2400" b="1" i="0" u="none" strike="noStrike" cap="none" normalizeH="0" baseline="0" dirty="0" smtClean="0">
+              <a:rPr kumimoji="0" lang="ru-RU" altLang="ru-RU" sz="2400" b="1" i="0" u="none" strike="noStrike" cap="none" normalizeH="0" baseline="0" dirty="0">
                 <a:ln>
                   <a:noFill/>
                 </a:ln>
@@ -6988,7 +6765,7 @@
               <a:t>import </a:t>
             </a:r>
             <a:r>
-              <a:rPr kumimoji="0" lang="ru-RU" altLang="ru-RU" sz="2400" b="0" i="0" u="none" strike="noStrike" cap="none" normalizeH="0" baseline="0" dirty="0" smtClean="0">
+              <a:rPr kumimoji="0" lang="ru-RU" altLang="ru-RU" sz="2400" b="0" i="0" u="none" strike="noStrike" cap="none" normalizeH="0" baseline="0" dirty="0">
                 <a:ln>
                   <a:noFill/>
                 </a:ln>
@@ -7002,7 +6779,7 @@
               <a:t>send_mail</a:t>
             </a:r>
             <a:br>
-              <a:rPr kumimoji="0" lang="ru-RU" altLang="ru-RU" sz="2400" b="0" i="0" u="none" strike="noStrike" cap="none" normalizeH="0" baseline="0" dirty="0" smtClean="0">
+              <a:rPr kumimoji="0" lang="ru-RU" altLang="ru-RU" sz="2400" b="0" i="0" u="none" strike="noStrike" cap="none" normalizeH="0" baseline="0" dirty="0">
                 <a:ln>
                   <a:noFill/>
                 </a:ln>
@@ -7014,22 +6791,8 @@
                 <a:cs typeface="Courier New" panose="02070309020205020404" pitchFamily="49" charset="0"/>
               </a:rPr>
             </a:br>
-            <a:r>
-              <a:rPr kumimoji="0" lang="ru-RU" altLang="ru-RU" sz="2400" b="0" i="0" u="none" strike="noStrike" cap="none" normalizeH="0" baseline="0" dirty="0" smtClean="0">
-                <a:ln>
-                  <a:noFill/>
-                </a:ln>
-                <a:solidFill>
-                  <a:srgbClr val="000000"/>
-                </a:solidFill>
-                <a:effectLst/>
-                <a:latin typeface="Courier New" panose="02070309020205020404" pitchFamily="49" charset="0"/>
-                <a:cs typeface="Courier New" panose="02070309020205020404" pitchFamily="49" charset="0"/>
-              </a:rPr>
-              <a:t/>
-            </a:r>
             <a:br>
-              <a:rPr kumimoji="0" lang="ru-RU" altLang="ru-RU" sz="2400" b="0" i="0" u="none" strike="noStrike" cap="none" normalizeH="0" baseline="0" dirty="0" smtClean="0">
+              <a:rPr kumimoji="0" lang="ru-RU" altLang="ru-RU" sz="2400" b="0" i="0" u="none" strike="noStrike" cap="none" normalizeH="0" baseline="0" dirty="0">
                 <a:ln>
                   <a:noFill/>
                 </a:ln>
@@ -7042,7 +6805,7 @@
               </a:rPr>
             </a:br>
             <a:r>
-              <a:rPr kumimoji="0" lang="ru-RU" altLang="ru-RU" sz="2400" b="0" i="0" u="none" strike="noStrike" cap="none" normalizeH="0" baseline="0" dirty="0" smtClean="0">
+              <a:rPr kumimoji="0" lang="ru-RU" altLang="ru-RU" sz="2400" b="0" i="0" u="none" strike="noStrike" cap="none" normalizeH="0" baseline="0" dirty="0">
                 <a:ln>
                   <a:noFill/>
                 </a:ln>
@@ -7056,7 +6819,7 @@
               <a:t>send_mail(</a:t>
             </a:r>
             <a:r>
-              <a:rPr kumimoji="0" lang="ru-RU" altLang="ru-RU" sz="2400" b="1" i="0" u="none" strike="noStrike" cap="none" normalizeH="0" baseline="0" dirty="0" smtClean="0">
+              <a:rPr kumimoji="0" lang="ru-RU" altLang="ru-RU" sz="2400" b="1" i="0" u="none" strike="noStrike" cap="none" normalizeH="0" baseline="0" dirty="0">
                 <a:ln>
                   <a:noFill/>
                 </a:ln>
@@ -7070,7 +6833,7 @@
               <a:t>'Subject here'</a:t>
             </a:r>
             <a:r>
-              <a:rPr kumimoji="0" lang="ru-RU" altLang="ru-RU" sz="2400" b="0" i="0" u="none" strike="noStrike" cap="none" normalizeH="0" baseline="0" dirty="0" smtClean="0">
+              <a:rPr kumimoji="0" lang="ru-RU" altLang="ru-RU" sz="2400" b="0" i="0" u="none" strike="noStrike" cap="none" normalizeH="0" baseline="0" dirty="0">
                 <a:ln>
                   <a:noFill/>
                 </a:ln>
@@ -7084,7 +6847,7 @@
               <a:t>, </a:t>
             </a:r>
             <a:r>
-              <a:rPr kumimoji="0" lang="ru-RU" altLang="ru-RU" sz="2400" b="1" i="0" u="none" strike="noStrike" cap="none" normalizeH="0" baseline="0" dirty="0" smtClean="0">
+              <a:rPr kumimoji="0" lang="ru-RU" altLang="ru-RU" sz="2400" b="1" i="0" u="none" strike="noStrike" cap="none" normalizeH="0" baseline="0" dirty="0">
                 <a:ln>
                   <a:noFill/>
                 </a:ln>
@@ -7098,7 +6861,7 @@
               <a:t>'Here is the message.'</a:t>
             </a:r>
             <a:r>
-              <a:rPr kumimoji="0" lang="ru-RU" altLang="ru-RU" sz="2400" b="0" i="0" u="none" strike="noStrike" cap="none" normalizeH="0" baseline="0" dirty="0" smtClean="0">
+              <a:rPr kumimoji="0" lang="ru-RU" altLang="ru-RU" sz="2400" b="0" i="0" u="none" strike="noStrike" cap="none" normalizeH="0" baseline="0" dirty="0">
                 <a:ln>
                   <a:noFill/>
                 </a:ln>
@@ -7137,20 +6900,10 @@
                 <a:latin typeface="Courier New" panose="02070309020205020404" pitchFamily="49" charset="0"/>
                 <a:cs typeface="Courier New" panose="02070309020205020404" pitchFamily="49" charset="0"/>
               </a:rPr>
-              <a:t>	</a:t>
-            </a:r>
-            <a:r>
-              <a:rPr lang="ru-RU" altLang="ru-RU" sz="2400" dirty="0" smtClean="0">
-                <a:solidFill>
-                  <a:srgbClr val="000000"/>
-                </a:solidFill>
-                <a:latin typeface="Courier New" panose="02070309020205020404" pitchFamily="49" charset="0"/>
-                <a:cs typeface="Courier New" panose="02070309020205020404" pitchFamily="49" charset="0"/>
-              </a:rPr>
-              <a:t>	</a:t>
-            </a:r>
-            <a:r>
-              <a:rPr kumimoji="0" lang="ru-RU" altLang="ru-RU" sz="2400" b="0" i="0" u="none" strike="noStrike" cap="none" normalizeH="0" baseline="0" dirty="0" smtClean="0">
+              <a:t>		</a:t>
+            </a:r>
+            <a:r>
+              <a:rPr kumimoji="0" lang="ru-RU" altLang="ru-RU" sz="2400" b="0" i="0" u="none" strike="noStrike" cap="none" normalizeH="0" baseline="0" dirty="0">
                 <a:ln>
                   <a:noFill/>
                 </a:ln>
@@ -7164,7 +6917,7 @@
               <a:t> </a:t>
             </a:r>
             <a:r>
-              <a:rPr kumimoji="0" lang="ru-RU" altLang="ru-RU" sz="2400" b="1" i="0" u="none" strike="noStrike" cap="none" normalizeH="0" baseline="0" dirty="0" smtClean="0">
+              <a:rPr kumimoji="0" lang="ru-RU" altLang="ru-RU" sz="2400" b="1" i="0" u="none" strike="noStrike" cap="none" normalizeH="0" baseline="0" dirty="0">
                 <a:ln>
                   <a:noFill/>
                 </a:ln>
@@ -7178,7 +6931,7 @@
               <a:t>'from@example.com'</a:t>
             </a:r>
             <a:r>
-              <a:rPr kumimoji="0" lang="ru-RU" altLang="ru-RU" sz="2400" b="0" i="0" u="none" strike="noStrike" cap="none" normalizeH="0" baseline="0" dirty="0" smtClean="0">
+              <a:rPr kumimoji="0" lang="ru-RU" altLang="ru-RU" sz="2400" b="0" i="0" u="none" strike="noStrike" cap="none" normalizeH="0" baseline="0" dirty="0">
                 <a:ln>
                   <a:noFill/>
                 </a:ln>
@@ -7192,7 +6945,7 @@
               <a:t>, [</a:t>
             </a:r>
             <a:r>
-              <a:rPr kumimoji="0" lang="ru-RU" altLang="ru-RU" sz="2400" b="1" i="0" u="none" strike="noStrike" cap="none" normalizeH="0" baseline="0" dirty="0" smtClean="0">
+              <a:rPr kumimoji="0" lang="ru-RU" altLang="ru-RU" sz="2400" b="1" i="0" u="none" strike="noStrike" cap="none" normalizeH="0" baseline="0" dirty="0">
                 <a:ln>
                   <a:noFill/>
                 </a:ln>
@@ -7206,7 +6959,7 @@
               <a:t>'to@example.com'</a:t>
             </a:r>
             <a:r>
-              <a:rPr kumimoji="0" lang="ru-RU" altLang="ru-RU" sz="2400" b="0" i="0" u="none" strike="noStrike" cap="none" normalizeH="0" baseline="0" dirty="0" smtClean="0">
+              <a:rPr kumimoji="0" lang="ru-RU" altLang="ru-RU" sz="2400" b="0" i="0" u="none" strike="noStrike" cap="none" normalizeH="0" baseline="0" dirty="0">
                 <a:ln>
                   <a:noFill/>
                 </a:ln>
@@ -7219,7 +6972,7 @@
               </a:rPr>
               <a:t>])</a:t>
             </a:r>
-            <a:endParaRPr kumimoji="0" lang="ru-RU" altLang="ru-RU" sz="4800" b="0" i="0" u="none" strike="noStrike" cap="none" normalizeH="0" baseline="0" dirty="0" smtClean="0">
+            <a:endParaRPr kumimoji="0" lang="ru-RU" altLang="ru-RU" sz="4800" b="0" i="0" u="none" strike="noStrike" cap="none" normalizeH="0" baseline="0" dirty="0">
               <a:ln>
                 <a:noFill/>
               </a:ln>
@@ -7242,13 +6995,6 @@
   <p:clrMapOvr>
     <a:masterClrMapping/>
   </p:clrMapOvr>
-  <p:timing>
-    <p:tnLst>
-      <p:par>
-        <p:cTn id="1" dur="indefinite" restart="never" nodeType="tmRoot"/>
-      </p:par>
-    </p:tnLst>
-  </p:timing>
 </p:sld>
 </file>
 
@@ -7286,14 +7032,10 @@
           <a:p>
             <a:r>
               <a:rPr lang="ru-RU" dirty="0"/>
-              <a:t>Необходимые </a:t>
-            </a:r>
-            <a:r>
-              <a:rPr lang="ru-RU" dirty="0" smtClean="0"/>
-              <a:t>настройки </a:t>
-            </a:r>
-            <a:r>
-              <a:rPr lang="en-US" dirty="0" smtClean="0"/>
+              <a:t>Необходимые настройки </a:t>
+            </a:r>
+            <a:r>
+              <a:rPr lang="en-US" dirty="0"/>
               <a:t>settings.py</a:t>
             </a:r>
             <a:endParaRPr lang="ru-RU" dirty="0"/>
@@ -7330,31 +7072,15 @@
             </a:r>
             <a:r>
               <a:rPr lang="ru-RU" dirty="0"/>
-              <a:t>ООТ задает полный путь к папке, </a:t>
-            </a:r>
-            <a:r>
-              <a:rPr lang="ru-RU" dirty="0" smtClean="0"/>
-              <a:t>где </a:t>
+              <a:t>ООТ задает полный путь к папке, где будут храниться выгруженные</a:t>
+            </a:r>
+            <a:r>
+              <a:rPr lang="en-US" dirty="0"/>
+              <a:t> </a:t>
             </a:r>
             <a:r>
               <a:rPr lang="ru-RU" dirty="0"/>
-              <a:t>будут храниться </a:t>
-            </a:r>
-            <a:r>
-              <a:rPr lang="ru-RU" dirty="0" smtClean="0"/>
-              <a:t>выгруженные</a:t>
-            </a:r>
-            <a:r>
-              <a:rPr lang="en-US" dirty="0" smtClean="0"/>
-              <a:t> </a:t>
-            </a:r>
-            <a:r>
-              <a:rPr lang="ru-RU" dirty="0" smtClean="0"/>
-              <a:t>на </a:t>
-            </a:r>
-            <a:r>
-              <a:rPr lang="ru-RU" dirty="0"/>
-              <a:t>сайт файлы, в виде строки:</a:t>
+              <a:t>на сайт файлы, в виде строки:</a:t>
             </a:r>
           </a:p>
           <a:p>
@@ -7362,12 +7088,8 @@
               <a:buNone/>
             </a:pPr>
             <a:r>
-              <a:rPr lang="en-US" dirty="0" smtClean="0"/>
-              <a:t>MEDIA_ROOT </a:t>
-            </a:r>
-            <a:r>
               <a:rPr lang="en-US" dirty="0"/>
-              <a:t>= </a:t>
+              <a:t>MEDIA_ROOT = </a:t>
             </a:r>
             <a:r>
               <a:rPr lang="en-US" dirty="0" err="1"/>
@@ -7375,11 +7097,7 @@
             </a:r>
             <a:r>
               <a:rPr lang="en-US" dirty="0"/>
-              <a:t>(BASE_DIR, 'uploads</a:t>
-            </a:r>
-            <a:r>
-              <a:rPr lang="en-US" dirty="0" smtClean="0"/>
-              <a:t>')</a:t>
+              <a:t>(BASE_DIR, 'uploads')</a:t>
             </a:r>
           </a:p>
           <a:p>
@@ -7387,44 +7105,28 @@
               <a:rPr lang="ru-RU" dirty="0"/>
               <a:t>И не забудем создать эту папку, поскольку Django за нас этого не сделает</a:t>
             </a:r>
-            <a:endParaRPr lang="en-US" dirty="0" smtClean="0"/>
+            <a:endParaRPr lang="en-US" dirty="0"/>
           </a:p>
           <a:p>
             <a:r>
               <a:rPr lang="ru-RU" dirty="0"/>
-              <a:t>Переменная </a:t>
-            </a:r>
-            <a:r>
-              <a:rPr lang="ru-RU" dirty="0" smtClean="0"/>
-              <a:t>МEDIA</a:t>
-            </a:r>
-            <a:r>
-              <a:rPr lang="en-US" dirty="0" smtClean="0"/>
+              <a:t>Переменная МEDIA</a:t>
+            </a:r>
+            <a:r>
+              <a:rPr lang="en-US" dirty="0"/>
               <a:t>_</a:t>
             </a:r>
             <a:r>
-              <a:rPr lang="ru-RU" dirty="0" smtClean="0"/>
-              <a:t>URL </a:t>
-            </a:r>
-            <a:r>
               <a:rPr lang="ru-RU" dirty="0"/>
-              <a:t>задает префикс для формирования интернет-адреса всех </a:t>
-            </a:r>
-            <a:r>
-              <a:rPr lang="ru-RU" dirty="0" smtClean="0"/>
-              <a:t>выгруженных</a:t>
-            </a:r>
-            <a:r>
-              <a:rPr lang="en-US" dirty="0" smtClean="0"/>
+              <a:t>URL задает префикс для формирования интернет-адреса всех выгруженных</a:t>
+            </a:r>
+            <a:r>
+              <a:rPr lang="en-US" dirty="0"/>
               <a:t> </a:t>
             </a:r>
             <a:r>
-              <a:rPr lang="ru-RU" dirty="0" smtClean="0"/>
-              <a:t>файлов</a:t>
-            </a:r>
-            <a:r>
               <a:rPr lang="ru-RU" dirty="0"/>
-              <a:t>, также в виде строки:</a:t>
+              <a:t>файлов, также в виде строки:</a:t>
             </a:r>
           </a:p>
           <a:p>
@@ -7436,12 +7138,8 @@
               <a:t>M</a:t>
             </a:r>
             <a:r>
-              <a:rPr lang="ru-RU" dirty="0" smtClean="0"/>
-              <a:t>EDIA </a:t>
-            </a:r>
-            <a:r>
               <a:rPr lang="ru-RU" dirty="0"/>
-              <a:t>URL = '/media/'</a:t>
+              <a:t>EDIA URL = '/media/'</a:t>
             </a:r>
           </a:p>
         </p:txBody>
@@ -7744,14 +7442,10 @@
           <a:p>
             <a:r>
               <a:rPr lang="ru-RU" dirty="0"/>
-              <a:t>Необходимые </a:t>
-            </a:r>
-            <a:r>
-              <a:rPr lang="ru-RU" dirty="0" smtClean="0"/>
-              <a:t>настройки</a:t>
-            </a:r>
-            <a:r>
-              <a:rPr lang="en-US" dirty="0" smtClean="0"/>
+              <a:t>Необходимые настройки</a:t>
+            </a:r>
+            <a:r>
+              <a:rPr lang="en-US" dirty="0"/>
               <a:t> urls.py</a:t>
             </a:r>
             <a:endParaRPr lang="ru-RU" dirty="0"/>
@@ -7817,23 +7511,15 @@
             </a:r>
             <a:r>
               <a:rPr lang="ru-RU" dirty="0"/>
-              <a:t>папку к </a:t>
-            </a:r>
-            <a:r>
-              <a:rPr lang="ru-RU" dirty="0" smtClean="0"/>
-              <a:t>заданному</a:t>
-            </a:r>
-            <a:r>
-              <a:rPr lang="en-US" dirty="0" smtClean="0"/>
+              <a:t>папку к заданному</a:t>
+            </a:r>
+            <a:r>
+              <a:rPr lang="en-US" dirty="0"/>
               <a:t> </a:t>
             </a:r>
             <a:r>
-              <a:rPr lang="ru-RU" dirty="0" smtClean="0"/>
-              <a:t>в </a:t>
-            </a:r>
-            <a:r>
               <a:rPr lang="ru-RU" dirty="0"/>
-              <a:t>переменной </a:t>
+              <a:t>в переменной </a:t>
             </a:r>
             <a:r>
               <a:rPr lang="ru-RU" b="1" kern="1200" dirty="0">
@@ -7872,62 +7558,37 @@
               <a:rPr lang="ru-RU" dirty="0"/>
               <a:t>префиксу интернет-адресов. </a:t>
             </a:r>
-            <a:endParaRPr lang="en-US" dirty="0" smtClean="0"/>
-          </a:p>
-          <a:p>
-            <a:r>
-              <a:rPr lang="ru-RU" dirty="0" smtClean="0"/>
-              <a:t>Это </a:t>
-            </a:r>
+            <a:endParaRPr lang="en-US" dirty="0"/>
+          </a:p>
+          <a:p>
             <a:r>
               <a:rPr lang="ru-RU" dirty="0"/>
-              <a:t>нужно для того, </a:t>
-            </a:r>
-            <a:r>
-              <a:rPr lang="ru-RU" dirty="0" smtClean="0"/>
-              <a:t>чтобы</a:t>
-            </a:r>
-            <a:r>
-              <a:rPr lang="en-US" dirty="0" smtClean="0"/>
+              <a:t>Это нужно для того, чтобы</a:t>
+            </a:r>
+            <a:r>
+              <a:rPr lang="en-US" dirty="0"/>
               <a:t> </a:t>
             </a:r>
             <a:r>
-              <a:rPr lang="ru-RU" dirty="0" smtClean="0"/>
-              <a:t>встроенный </a:t>
-            </a:r>
-            <a:r>
               <a:rPr lang="ru-RU" dirty="0"/>
-              <a:t>отладочный </a:t>
-            </a:r>
-            <a:r>
-              <a:rPr lang="ru-RU" dirty="0" smtClean="0"/>
-              <a:t>Wе</a:t>
-            </a:r>
-            <a:r>
-              <a:rPr lang="en-US" dirty="0" smtClean="0"/>
+              <a:t>встроенный отладочный Wе</a:t>
+            </a:r>
+            <a:r>
+              <a:rPr lang="en-US" dirty="0"/>
               <a:t>b</a:t>
             </a:r>
             <a:r>
-              <a:rPr lang="ru-RU" dirty="0" smtClean="0"/>
-              <a:t>-сервер </a:t>
-            </a:r>
-            <a:r>
               <a:rPr lang="ru-RU" dirty="0"/>
-              <a:t>Django смог обработать запросы на </a:t>
-            </a:r>
-            <a:r>
-              <a:rPr lang="ru-RU" dirty="0" smtClean="0"/>
-              <a:t>загрузку</a:t>
-            </a:r>
-            <a:r>
-              <a:rPr lang="en-US" dirty="0" smtClean="0"/>
+              <a:t>-сервер Django смог обработать запросы на загрузку</a:t>
+            </a:r>
+            <a:r>
+              <a:rPr lang="en-US" dirty="0"/>
               <a:t> </a:t>
             </a:r>
             <a:r>
-              <a:rPr lang="ru-RU" dirty="0" smtClean="0"/>
+              <a:rPr lang="ru-RU" dirty="0"/>
               <a:t>выгруженных файлов</a:t>
             </a:r>
-            <a:endParaRPr lang="ru-RU" dirty="0"/>
           </a:p>
         </p:txBody>
       </p:sp>
@@ -8002,7 +7663,7 @@
               <a:tabLst/>
             </a:pPr>
             <a:r>
-              <a:rPr kumimoji="0" lang="ru-RU" altLang="ru-RU" sz="2000" b="1" i="0" u="none" strike="noStrike" cap="none" normalizeH="0" baseline="0" dirty="0" smtClean="0">
+              <a:rPr kumimoji="0" lang="ru-RU" altLang="ru-RU" sz="2000" b="1" i="0" u="none" strike="noStrike" cap="none" normalizeH="0" baseline="0" dirty="0">
                 <a:ln>
                   <a:noFill/>
                 </a:ln>
@@ -8016,7 +7677,7 @@
               <a:t>from </a:t>
             </a:r>
             <a:r>
-              <a:rPr kumimoji="0" lang="ru-RU" altLang="ru-RU" sz="2000" b="0" i="0" u="none" strike="noStrike" cap="none" normalizeH="0" baseline="0" dirty="0" smtClean="0">
+              <a:rPr kumimoji="0" lang="ru-RU" altLang="ru-RU" sz="2000" b="0" i="0" u="none" strike="noStrike" cap="none" normalizeH="0" baseline="0" dirty="0">
                 <a:ln>
                   <a:noFill/>
                 </a:ln>
@@ -8030,7 +7691,7 @@
               <a:t>django.conf </a:t>
             </a:r>
             <a:r>
-              <a:rPr kumimoji="0" lang="ru-RU" altLang="ru-RU" sz="2000" b="1" i="0" u="none" strike="noStrike" cap="none" normalizeH="0" baseline="0" dirty="0" smtClean="0">
+              <a:rPr kumimoji="0" lang="ru-RU" altLang="ru-RU" sz="2000" b="1" i="0" u="none" strike="noStrike" cap="none" normalizeH="0" baseline="0" dirty="0">
                 <a:ln>
                   <a:noFill/>
                 </a:ln>
@@ -8044,7 +7705,7 @@
               <a:t>import </a:t>
             </a:r>
             <a:r>
-              <a:rPr kumimoji="0" lang="ru-RU" altLang="ru-RU" sz="2000" b="0" i="0" u="none" strike="noStrike" cap="none" normalizeH="0" baseline="0" dirty="0" smtClean="0">
+              <a:rPr kumimoji="0" lang="ru-RU" altLang="ru-RU" sz="2000" b="0" i="0" u="none" strike="noStrike" cap="none" normalizeH="0" baseline="0" dirty="0">
                 <a:ln>
                   <a:noFill/>
                 </a:ln>
@@ -8058,7 +7719,7 @@
               <a:t>settings</a:t>
             </a:r>
             <a:br>
-              <a:rPr kumimoji="0" lang="ru-RU" altLang="ru-RU" sz="2000" b="0" i="0" u="none" strike="noStrike" cap="none" normalizeH="0" baseline="0" dirty="0" smtClean="0">
+              <a:rPr kumimoji="0" lang="ru-RU" altLang="ru-RU" sz="2000" b="0" i="0" u="none" strike="noStrike" cap="none" normalizeH="0" baseline="0" dirty="0">
                 <a:ln>
                   <a:noFill/>
                 </a:ln>
@@ -8071,7 +7732,7 @@
               </a:rPr>
             </a:br>
             <a:r>
-              <a:rPr kumimoji="0" lang="ru-RU" altLang="ru-RU" sz="2000" b="1" i="0" u="none" strike="noStrike" cap="none" normalizeH="0" baseline="0" dirty="0" smtClean="0">
+              <a:rPr kumimoji="0" lang="ru-RU" altLang="ru-RU" sz="2000" b="1" i="0" u="none" strike="noStrike" cap="none" normalizeH="0" baseline="0" dirty="0">
                 <a:ln>
                   <a:noFill/>
                 </a:ln>
@@ -8085,7 +7746,7 @@
               <a:t>from </a:t>
             </a:r>
             <a:r>
-              <a:rPr kumimoji="0" lang="ru-RU" altLang="ru-RU" sz="2000" b="0" i="0" u="none" strike="noStrike" cap="none" normalizeH="0" baseline="0" dirty="0" smtClean="0">
+              <a:rPr kumimoji="0" lang="ru-RU" altLang="ru-RU" sz="2000" b="0" i="0" u="none" strike="noStrike" cap="none" normalizeH="0" baseline="0" dirty="0">
                 <a:ln>
                   <a:noFill/>
                 </a:ln>
@@ -8099,7 +7760,7 @@
               <a:t>django.conf.urls.static </a:t>
             </a:r>
             <a:r>
-              <a:rPr kumimoji="0" lang="ru-RU" altLang="ru-RU" sz="2000" b="1" i="0" u="none" strike="noStrike" cap="none" normalizeH="0" baseline="0" dirty="0" smtClean="0">
+              <a:rPr kumimoji="0" lang="ru-RU" altLang="ru-RU" sz="2000" b="1" i="0" u="none" strike="noStrike" cap="none" normalizeH="0" baseline="0" dirty="0">
                 <a:ln>
                   <a:noFill/>
                 </a:ln>
@@ -8113,7 +7774,7 @@
               <a:t>import </a:t>
             </a:r>
             <a:r>
-              <a:rPr kumimoji="0" lang="ru-RU" altLang="ru-RU" sz="2000" b="0" i="0" u="none" strike="noStrike" cap="none" normalizeH="0" baseline="0" dirty="0" smtClean="0">
+              <a:rPr kumimoji="0" lang="ru-RU" altLang="ru-RU" sz="2000" b="0" i="0" u="none" strike="noStrike" cap="none" normalizeH="0" baseline="0" dirty="0">
                 <a:ln>
                   <a:noFill/>
                 </a:ln>
@@ -8127,7 +7788,7 @@
               <a:t>static</a:t>
             </a:r>
             <a:br>
-              <a:rPr kumimoji="0" lang="ru-RU" altLang="ru-RU" sz="2000" b="0" i="0" u="none" strike="noStrike" cap="none" normalizeH="0" baseline="0" dirty="0" smtClean="0">
+              <a:rPr kumimoji="0" lang="ru-RU" altLang="ru-RU" sz="2000" b="0" i="0" u="none" strike="noStrike" cap="none" normalizeH="0" baseline="0" dirty="0">
                 <a:ln>
                   <a:noFill/>
                 </a:ln>
@@ -8139,22 +7800,8 @@
                 <a:cs typeface="Courier New" panose="02070309020205020404" pitchFamily="49" charset="0"/>
               </a:rPr>
             </a:br>
-            <a:r>
-              <a:rPr kumimoji="0" lang="ru-RU" altLang="ru-RU" sz="2000" b="0" i="0" u="none" strike="noStrike" cap="none" normalizeH="0" baseline="0" dirty="0" smtClean="0">
-                <a:ln>
-                  <a:noFill/>
-                </a:ln>
-                <a:solidFill>
-                  <a:srgbClr val="000000"/>
-                </a:solidFill>
-                <a:effectLst/>
-                <a:latin typeface="Courier New" panose="02070309020205020404" pitchFamily="49" charset="0"/>
-                <a:cs typeface="Courier New" panose="02070309020205020404" pitchFamily="49" charset="0"/>
-              </a:rPr>
-              <a:t/>
-            </a:r>
             <a:br>
-              <a:rPr kumimoji="0" lang="ru-RU" altLang="ru-RU" sz="2000" b="0" i="0" u="none" strike="noStrike" cap="none" normalizeH="0" baseline="0" dirty="0" smtClean="0">
+              <a:rPr kumimoji="0" lang="ru-RU" altLang="ru-RU" sz="2000" b="0" i="0" u="none" strike="noStrike" cap="none" normalizeH="0" baseline="0" dirty="0">
                 <a:ln>
                   <a:noFill/>
                 </a:ln>
@@ -8167,7 +7814,7 @@
               </a:rPr>
             </a:br>
             <a:r>
-              <a:rPr kumimoji="0" lang="ru-RU" altLang="ru-RU" sz="2000" b="0" i="0" u="none" strike="noStrike" cap="none" normalizeH="0" baseline="0" dirty="0" smtClean="0">
+              <a:rPr kumimoji="0" lang="ru-RU" altLang="ru-RU" sz="2000" b="0" i="0" u="none" strike="noStrike" cap="none" normalizeH="0" baseline="0" dirty="0">
                 <a:ln>
                   <a:noFill/>
                 </a:ln>
@@ -8199,7 +7846,7 @@
               <a:tabLst/>
             </a:pPr>
             <a:r>
-              <a:rPr lang="ru-RU" altLang="ru-RU" sz="2000" dirty="0" smtClean="0">
+              <a:rPr lang="ru-RU" altLang="ru-RU" sz="2000" dirty="0">
                 <a:solidFill>
                   <a:srgbClr val="000000"/>
                 </a:solidFill>
@@ -8209,7 +7856,7 @@
               <a:t>    ...</a:t>
             </a:r>
             <a:r>
-              <a:rPr kumimoji="0" lang="ru-RU" altLang="ru-RU" sz="2000" b="0" i="0" u="none" strike="noStrike" cap="none" normalizeH="0" baseline="0" dirty="0" smtClean="0">
+              <a:rPr kumimoji="0" lang="ru-RU" altLang="ru-RU" sz="2000" b="0" i="0" u="none" strike="noStrike" cap="none" normalizeH="0" baseline="0" dirty="0">
                 <a:ln>
                   <a:noFill/>
                 </a:ln>
@@ -8223,7 +7870,7 @@
               <a:t>,</a:t>
             </a:r>
             <a:br>
-              <a:rPr kumimoji="0" lang="ru-RU" altLang="ru-RU" sz="2000" b="0" i="0" u="none" strike="noStrike" cap="none" normalizeH="0" baseline="0" dirty="0" smtClean="0">
+              <a:rPr kumimoji="0" lang="ru-RU" altLang="ru-RU" sz="2000" b="0" i="0" u="none" strike="noStrike" cap="none" normalizeH="0" baseline="0" dirty="0">
                 <a:ln>
                   <a:noFill/>
                 </a:ln>
@@ -8236,7 +7883,7 @@
               </a:rPr>
             </a:br>
             <a:r>
-              <a:rPr kumimoji="0" lang="ru-RU" altLang="ru-RU" sz="2000" b="0" i="0" u="none" strike="noStrike" cap="none" normalizeH="0" baseline="0" dirty="0" smtClean="0">
+              <a:rPr kumimoji="0" lang="ru-RU" altLang="ru-RU" sz="2000" b="0" i="0" u="none" strike="noStrike" cap="none" normalizeH="0" baseline="0" dirty="0">
                 <a:ln>
                   <a:noFill/>
                 </a:ln>
@@ -8249,7 +7896,7 @@
               </a:rPr>
               <a:t>]</a:t>
             </a:r>
-            <a:endParaRPr kumimoji="0" lang="en-US" altLang="ru-RU" sz="2000" b="0" i="0" u="none" strike="noStrike" cap="none" normalizeH="0" baseline="0" dirty="0" smtClean="0">
+            <a:endParaRPr kumimoji="0" lang="en-US" altLang="ru-RU" sz="2000" b="0" i="0" u="none" strike="noStrike" cap="none" normalizeH="0" baseline="0" dirty="0">
               <a:ln>
                 <a:noFill/>
               </a:ln>
@@ -8279,7 +7926,7 @@
               <a:tabLst/>
             </a:pPr>
             <a:r>
-              <a:rPr kumimoji="0" lang="ru-RU" altLang="ru-RU" sz="2000" b="0" i="0" u="none" strike="noStrike" cap="none" normalizeH="0" baseline="0" dirty="0" smtClean="0">
+              <a:rPr kumimoji="0" lang="ru-RU" altLang="ru-RU" sz="2000" b="0" i="0" u="none" strike="noStrike" cap="none" normalizeH="0" baseline="0" dirty="0">
                 <a:ln>
                   <a:noFill/>
                 </a:ln>
@@ -8293,7 +7940,7 @@
               <a:t>+ static(settings.MEDIA_URL, </a:t>
             </a:r>
             <a:r>
-              <a:rPr kumimoji="0" lang="ru-RU" altLang="ru-RU" sz="2000" b="0" i="0" u="none" strike="noStrike" cap="none" normalizeH="0" baseline="0" dirty="0" smtClean="0">
+              <a:rPr kumimoji="0" lang="ru-RU" altLang="ru-RU" sz="2000" b="0" i="0" u="none" strike="noStrike" cap="none" normalizeH="0" baseline="0" dirty="0">
                 <a:ln>
                   <a:noFill/>
                 </a:ln>
@@ -8307,7 +7954,7 @@
               <a:t>document_root </a:t>
             </a:r>
             <a:r>
-              <a:rPr kumimoji="0" lang="ru-RU" altLang="ru-RU" sz="2000" b="0" i="0" u="none" strike="noStrike" cap="none" normalizeH="0" baseline="0" dirty="0" smtClean="0">
+              <a:rPr kumimoji="0" lang="ru-RU" altLang="ru-RU" sz="2000" b="0" i="0" u="none" strike="noStrike" cap="none" normalizeH="0" baseline="0" dirty="0">
                 <a:ln>
                   <a:noFill/>
                 </a:ln>
@@ -8320,7 +7967,7 @@
               </a:rPr>
               <a:t>= settings.MEDIA_ROOT)</a:t>
             </a:r>
-            <a:endParaRPr kumimoji="0" lang="ru-RU" altLang="ru-RU" sz="4400" b="0" i="0" u="none" strike="noStrike" cap="none" normalizeH="0" baseline="0" dirty="0" smtClean="0">
+            <a:endParaRPr kumimoji="0" lang="ru-RU" altLang="ru-RU" sz="4400" b="0" i="0" u="none" strike="noStrike" cap="none" normalizeH="0" baseline="0" dirty="0">
               <a:ln>
                 <a:noFill/>
               </a:ln>
@@ -8902,13 +8549,9 @@
           <a:p>
             <a:r>
               <a:rPr lang="ru-RU" dirty="0"/>
-              <a:t>Django предлагает нам хранить файлы прямо в модели</a:t>
-            </a:r>
-            <a:r>
-              <a:rPr lang="ru-RU" dirty="0" smtClean="0"/>
-              <a:t>.</a:t>
-            </a:r>
-            <a:endParaRPr lang="en-US" dirty="0" smtClean="0"/>
+              <a:t>Django предлагает нам хранить файлы прямо в модели.</a:t>
+            </a:r>
+            <a:endParaRPr lang="en-US" dirty="0"/>
           </a:p>
           <a:p>
             <a:r>
@@ -8919,29 +8562,17 @@
           <a:p>
             <a:pPr lvl="1"/>
             <a:r>
-              <a:rPr lang="ru-RU" dirty="0" smtClean="0"/>
-              <a:t>FileField </a:t>
-            </a:r>
-            <a:r>
               <a:rPr lang="ru-RU" dirty="0"/>
-              <a:t>- хранит файл любого типа;</a:t>
+              <a:t>FileField - хранит файл любого типа;</a:t>
             </a:r>
           </a:p>
           <a:p>
             <a:pPr lvl="1"/>
             <a:r>
-              <a:rPr lang="ru-RU" dirty="0" smtClean="0"/>
-              <a:t>ImageField </a:t>
-            </a:r>
-            <a:r>
               <a:rPr lang="ru-RU" dirty="0"/>
-              <a:t>- хранит графический файл</a:t>
-            </a:r>
-            <a:r>
-              <a:rPr lang="ru-RU" dirty="0" smtClean="0"/>
-              <a:t>.</a:t>
-            </a:r>
-            <a:endParaRPr lang="en-US" dirty="0" smtClean="0"/>
+              <a:t>ImageField - хранит графический файл.</a:t>
+            </a:r>
+            <a:endParaRPr lang="en-US" dirty="0"/>
           </a:p>
           <a:p>
             <a:r>
@@ -8976,18 +8607,14 @@
             </a:r>
             <a:r>
               <a:rPr lang="ru-RU" dirty="0"/>
-              <a:t> принимают обязательный </a:t>
-            </a:r>
-            <a:r>
-              <a:rPr lang="ru-RU" dirty="0" smtClean="0"/>
-              <a:t>именованный</a:t>
-            </a:r>
-            <a:r>
-              <a:rPr lang="en-US" dirty="0" smtClean="0"/>
+              <a:t> принимают обязательный именованный</a:t>
+            </a:r>
+            <a:r>
+              <a:rPr lang="en-US" dirty="0"/>
               <a:t> </a:t>
             </a:r>
             <a:r>
-              <a:rPr lang="ru-RU" dirty="0" smtClean="0"/>
+              <a:rPr lang="ru-RU" dirty="0"/>
               <a:t>параметр </a:t>
             </a:r>
             <a:r>
@@ -9005,32 +8632,20 @@
               <a:rPr lang="ru-RU" dirty="0"/>
               <a:t>. </a:t>
             </a:r>
-            <a:endParaRPr lang="en-US" dirty="0" smtClean="0"/>
-          </a:p>
-          <a:p>
-            <a:r>
-              <a:rPr lang="ru-RU" dirty="0" smtClean="0"/>
-              <a:t>Он </a:t>
-            </a:r>
+            <a:endParaRPr lang="en-US" dirty="0"/>
+          </a:p>
+          <a:p>
             <a:r>
               <a:rPr lang="ru-RU" dirty="0"/>
-              <a:t>задает папку, где физически размещаются </a:t>
-            </a:r>
-            <a:r>
-              <a:rPr lang="ru-RU" dirty="0" smtClean="0"/>
-              <a:t>хранящиеся</a:t>
-            </a:r>
-            <a:r>
-              <a:rPr lang="en-US" dirty="0" smtClean="0"/>
+              <a:t>Он задает папку, где физически размещаются хранящиеся</a:t>
+            </a:r>
+            <a:r>
+              <a:rPr lang="en-US" dirty="0"/>
               <a:t> </a:t>
             </a:r>
             <a:r>
-              <a:rPr lang="ru-RU" dirty="0" smtClean="0"/>
-              <a:t>в </a:t>
-            </a:r>
-            <a:r>
               <a:rPr lang="ru-RU" dirty="0"/>
-              <a:t>данном поле файлы</a:t>
+              <a:t>в данном поле файлы</a:t>
             </a:r>
           </a:p>
         </p:txBody>
@@ -9463,18 +9078,14 @@
             </a:r>
             <a:r>
               <a:rPr lang="ru-RU" dirty="0"/>
-              <a:t>, представляет </a:t>
-            </a:r>
-            <a:r>
-              <a:rPr lang="ru-RU" dirty="0" smtClean="0"/>
-              <a:t>собой</a:t>
-            </a:r>
-            <a:r>
-              <a:rPr lang="en-US" dirty="0" smtClean="0"/>
+              <a:t>, представляет собой</a:t>
+            </a:r>
+            <a:r>
+              <a:rPr lang="en-US" dirty="0"/>
               <a:t> </a:t>
             </a:r>
             <a:r>
-              <a:rPr lang="ru-RU" dirty="0" smtClean="0"/>
+              <a:rPr lang="ru-RU" dirty="0"/>
               <a:t>объект класса </a:t>
             </a:r>
             <a:r>
@@ -9489,14 +9100,14 @@
               <a:t>FieldFile</a:t>
             </a:r>
             <a:r>
-              <a:rPr lang="ru-RU" dirty="0" smtClean="0"/>
+              <a:rPr lang="ru-RU" dirty="0"/>
               <a:t>.</a:t>
             </a:r>
-            <a:endParaRPr lang="en-US" dirty="0" smtClean="0"/>
-          </a:p>
-          <a:p>
-            <a:r>
-              <a:rPr lang="ru-RU" dirty="0" smtClean="0"/>
+            <a:endParaRPr lang="en-US" dirty="0"/>
+          </a:p>
+          <a:p>
+            <a:r>
+              <a:rPr lang="ru-RU" dirty="0"/>
               <a:t>Атрибуты классов:</a:t>
             </a:r>
           </a:p>
@@ -9515,11 +9126,7 @@
             </a:r>
             <a:r>
               <a:rPr lang="ru-RU" dirty="0"/>
-              <a:t> - путь к файлу относительно папки, чей путь указан в </a:t>
-            </a:r>
-            <a:r>
-              <a:rPr lang="ru-RU" dirty="0" smtClean="0"/>
-              <a:t>переменной </a:t>
+              <a:t> - путь к файлу относительно папки, чей путь указан в переменной </a:t>
             </a:r>
             <a:r>
               <a:rPr lang="ru-RU" sz="3200" b="1" kern="1200" dirty="0">
@@ -9566,7 +9173,7 @@
               <a:t>size</a:t>
             </a:r>
             <a:r>
-              <a:rPr lang="en-US" dirty="0" smtClean="0"/>
+              <a:rPr lang="en-US" dirty="0"/>
               <a:t>-pa</a:t>
             </a:r>
             <a:r>
@@ -9596,16 +9203,12 @@
               <a:t>url</a:t>
             </a:r>
             <a:r>
-              <a:rPr lang="en-US" dirty="0" smtClean="0"/>
+              <a:rPr lang="en-US" dirty="0"/>
               <a:t>-</a:t>
             </a:r>
             <a:r>
               <a:rPr lang="ru-RU" dirty="0"/>
-              <a:t>интернет-адрес файла</a:t>
-            </a:r>
-            <a:r>
-              <a:rPr lang="ru-RU" dirty="0" smtClean="0"/>
-              <a:t>;</a:t>
+              <a:t>интернет-адрес файла;</a:t>
             </a:r>
           </a:p>
           <a:p>
@@ -9622,12 +9225,8 @@
               <a:t>width</a:t>
             </a:r>
             <a:r>
-              <a:rPr lang="ru-RU" dirty="0" smtClean="0"/>
-              <a:t> </a:t>
-            </a:r>
-            <a:r>
               <a:rPr lang="ru-RU" dirty="0"/>
-              <a:t>- ширина графического изображения в пикселах;</a:t>
+              <a:t> - ширина графического изображения в пикселах;</a:t>
             </a:r>
           </a:p>
           <a:p>
@@ -9644,12 +9243,8 @@
               <a:t>height</a:t>
             </a:r>
             <a:r>
-              <a:rPr lang="ru-RU" dirty="0" smtClean="0"/>
-              <a:t> </a:t>
-            </a:r>
-            <a:r>
               <a:rPr lang="ru-RU" dirty="0"/>
-              <a:t>- высота графического изображения в пикселах.</a:t>
+              <a:t> - высота графического изображения в пикселах.</a:t>
             </a:r>
           </a:p>
         </p:txBody>
@@ -10073,18 +9668,17 @@
           <a:lstStyle/>
           <a:p>
             <a:r>
-              <a:rPr lang="ru-RU" dirty="0" smtClean="0"/>
+              <a:rPr lang="ru-RU" dirty="0"/>
               <a:t>Создание модели</a:t>
             </a:r>
             <a:r>
-              <a:rPr lang="en-US" dirty="0" smtClean="0"/>
+              <a:rPr lang="en-US" dirty="0"/>
               <a:t> </a:t>
             </a:r>
             <a:r>
-              <a:rPr lang="ru-RU" dirty="0" smtClean="0"/>
+              <a:rPr lang="ru-RU" dirty="0"/>
               <a:t>и формы</a:t>
             </a:r>
-            <a:endParaRPr lang="ru-RU" dirty="0"/>
           </a:p>
         </p:txBody>
       </p:sp>
@@ -10109,7 +9703,7 @@
           <a:lstStyle/>
           <a:p>
             <a:r>
-              <a:rPr lang="ru-RU" dirty="0" smtClean="0"/>
+              <a:rPr lang="ru-RU" dirty="0"/>
               <a:t>Модель</a:t>
             </a:r>
           </a:p>
@@ -10117,14 +9711,13 @@
             <a:endParaRPr lang="ru-RU" dirty="0"/>
           </a:p>
           <a:p>
-            <a:endParaRPr lang="ru-RU" dirty="0" smtClean="0"/>
-          </a:p>
-          <a:p>
-            <a:r>
-              <a:rPr lang="ru-RU" dirty="0" smtClean="0"/>
+            <a:endParaRPr lang="ru-RU" dirty="0"/>
+          </a:p>
+          <a:p>
+            <a:r>
+              <a:rPr lang="ru-RU" dirty="0"/>
               <a:t>Форма</a:t>
             </a:r>
-            <a:endParaRPr lang="ru-RU" dirty="0"/>
           </a:p>
         </p:txBody>
       </p:sp>
@@ -10198,22 +9791,8 @@
               <a:buNone/>
               <a:tabLst/>
             </a:pPr>
-            <a:r>
-              <a:rPr kumimoji="0" lang="ru-RU" altLang="ru-RU" sz="2000" b="0" i="0" u="none" strike="noStrike" cap="none" normalizeH="0" baseline="0" dirty="0" smtClean="0">
-                <a:ln>
-                  <a:noFill/>
-                </a:ln>
-                <a:solidFill>
-                  <a:srgbClr val="000000"/>
-                </a:solidFill>
-                <a:effectLst/>
-                <a:latin typeface="Courier New" panose="02070309020205020404" pitchFamily="49" charset="0"/>
-                <a:cs typeface="Courier New" panose="02070309020205020404" pitchFamily="49" charset="0"/>
-              </a:rPr>
-              <a:t/>
-            </a:r>
             <a:br>
-              <a:rPr kumimoji="0" lang="ru-RU" altLang="ru-RU" sz="2000" b="0" i="0" u="none" strike="noStrike" cap="none" normalizeH="0" baseline="0" dirty="0" smtClean="0">
+              <a:rPr kumimoji="0" lang="ru-RU" altLang="ru-RU" sz="2000" b="0" i="0" u="none" strike="noStrike" cap="none" normalizeH="0" baseline="0" dirty="0">
                 <a:ln>
                   <a:noFill/>
                 </a:ln>
@@ -10226,7 +9805,7 @@
               </a:rPr>
             </a:br>
             <a:r>
-              <a:rPr kumimoji="0" lang="ru-RU" altLang="ru-RU" sz="2000" b="1" i="0" u="none" strike="noStrike" cap="none" normalizeH="0" baseline="0" dirty="0" smtClean="0">
+              <a:rPr kumimoji="0" lang="ru-RU" altLang="ru-RU" sz="2000" b="1" i="0" u="none" strike="noStrike" cap="none" normalizeH="0" baseline="0" dirty="0">
                 <a:ln>
                   <a:noFill/>
                 </a:ln>
@@ -10240,7 +9819,7 @@
               <a:t>class </a:t>
             </a:r>
             <a:r>
-              <a:rPr kumimoji="0" lang="ru-RU" altLang="ru-RU" sz="2000" b="0" i="0" u="none" strike="noStrike" cap="none" normalizeH="0" baseline="0" dirty="0" smtClean="0">
+              <a:rPr kumimoji="0" lang="ru-RU" altLang="ru-RU" sz="2000" b="0" i="0" u="none" strike="noStrike" cap="none" normalizeH="0" baseline="0" dirty="0">
                 <a:ln>
                   <a:noFill/>
                 </a:ln>
@@ -10254,7 +9833,7 @@
               <a:t>Photo(models.Model):</a:t>
             </a:r>
             <a:br>
-              <a:rPr kumimoji="0" lang="ru-RU" altLang="ru-RU" sz="2000" b="0" i="0" u="none" strike="noStrike" cap="none" normalizeH="0" baseline="0" dirty="0" smtClean="0">
+              <a:rPr kumimoji="0" lang="ru-RU" altLang="ru-RU" sz="2000" b="0" i="0" u="none" strike="noStrike" cap="none" normalizeH="0" baseline="0" dirty="0">
                 <a:ln>
                   <a:noFill/>
                 </a:ln>
@@ -10267,7 +9846,7 @@
               </a:rPr>
             </a:br>
             <a:r>
-              <a:rPr kumimoji="0" lang="ru-RU" altLang="ru-RU" sz="2000" b="0" i="0" u="none" strike="noStrike" cap="none" normalizeH="0" baseline="0" dirty="0" smtClean="0">
+              <a:rPr kumimoji="0" lang="ru-RU" altLang="ru-RU" sz="2000" b="0" i="0" u="none" strike="noStrike" cap="none" normalizeH="0" baseline="0" dirty="0">
                 <a:ln>
                   <a:noFill/>
                 </a:ln>
@@ -10281,7 +9860,7 @@
               <a:t>    image = models.ImageField(</a:t>
             </a:r>
             <a:r>
-              <a:rPr kumimoji="0" lang="ru-RU" altLang="ru-RU" sz="2000" b="0" i="0" u="none" strike="noStrike" cap="none" normalizeH="0" baseline="0" dirty="0" smtClean="0">
+              <a:rPr kumimoji="0" lang="ru-RU" altLang="ru-RU" sz="2000" b="0" i="0" u="none" strike="noStrike" cap="none" normalizeH="0" baseline="0" dirty="0">
                 <a:ln>
                   <a:noFill/>
                 </a:ln>
@@ -10295,7 +9874,7 @@
               <a:t>upload_to</a:t>
             </a:r>
             <a:r>
-              <a:rPr kumimoji="0" lang="ru-RU" altLang="ru-RU" sz="2000" b="0" i="0" u="none" strike="noStrike" cap="none" normalizeH="0" baseline="0" dirty="0" smtClean="0">
+              <a:rPr kumimoji="0" lang="ru-RU" altLang="ru-RU" sz="2000" b="0" i="0" u="none" strike="noStrike" cap="none" normalizeH="0" baseline="0" dirty="0">
                 <a:ln>
                   <a:noFill/>
                 </a:ln>
@@ -10309,7 +9888,7 @@
               <a:t>=</a:t>
             </a:r>
             <a:r>
-              <a:rPr kumimoji="0" lang="ru-RU" altLang="ru-RU" sz="2000" b="1" i="0" u="none" strike="noStrike" cap="none" normalizeH="0" baseline="0" dirty="0" smtClean="0">
+              <a:rPr kumimoji="0" lang="ru-RU" altLang="ru-RU" sz="2000" b="1" i="0" u="none" strike="noStrike" cap="none" normalizeH="0" baseline="0" dirty="0">
                 <a:ln>
                   <a:noFill/>
                 </a:ln>
@@ -10323,7 +9902,7 @@
               <a:t>"photos"</a:t>
             </a:r>
             <a:r>
-              <a:rPr kumimoji="0" lang="ru-RU" altLang="ru-RU" sz="2000" b="0" i="0" u="none" strike="noStrike" cap="none" normalizeH="0" baseline="0" dirty="0" smtClean="0">
+              <a:rPr kumimoji="0" lang="ru-RU" altLang="ru-RU" sz="2000" b="0" i="0" u="none" strike="noStrike" cap="none" normalizeH="0" baseline="0" dirty="0">
                 <a:ln>
                   <a:noFill/>
                 </a:ln>
@@ -10337,7 +9916,7 @@
               <a:t>)</a:t>
             </a:r>
             <a:br>
-              <a:rPr kumimoji="0" lang="ru-RU" altLang="ru-RU" sz="2000" b="0" i="0" u="none" strike="noStrike" cap="none" normalizeH="0" baseline="0" dirty="0" smtClean="0">
+              <a:rPr kumimoji="0" lang="ru-RU" altLang="ru-RU" sz="2000" b="0" i="0" u="none" strike="noStrike" cap="none" normalizeH="0" baseline="0" dirty="0">
                 <a:ln>
                   <a:noFill/>
                 </a:ln>
@@ -10349,7 +9928,7 @@
                 <a:cs typeface="Courier New" panose="02070309020205020404" pitchFamily="49" charset="0"/>
               </a:rPr>
             </a:br>
-            <a:endParaRPr kumimoji="0" lang="ru-RU" altLang="ru-RU" sz="4400" b="0" i="0" u="none" strike="noStrike" cap="none" normalizeH="0" baseline="0" dirty="0" smtClean="0">
+            <a:endParaRPr kumimoji="0" lang="ru-RU" altLang="ru-RU" sz="4400" b="0" i="0" u="none" strike="noStrike" cap="none" normalizeH="0" baseline="0" dirty="0">
               <a:ln>
                 <a:noFill/>
               </a:ln>
@@ -10433,7 +10012,7 @@
               <a:tabLst/>
             </a:pPr>
             <a:r>
-              <a:rPr kumimoji="0" lang="ru-RU" altLang="ru-RU" sz="2000" b="1" i="0" u="none" strike="noStrike" cap="none" normalizeH="0" baseline="0" dirty="0" smtClean="0">
+              <a:rPr kumimoji="0" lang="ru-RU" altLang="ru-RU" sz="2000" b="1" i="0" u="none" strike="noStrike" cap="none" normalizeH="0" baseline="0" dirty="0">
                 <a:ln>
                   <a:noFill/>
                 </a:ln>
@@ -10447,7 +10026,7 @@
               <a:t>class </a:t>
             </a:r>
             <a:r>
-              <a:rPr kumimoji="0" lang="ru-RU" altLang="ru-RU" sz="2000" b="0" i="0" u="none" strike="noStrike" cap="none" normalizeH="0" baseline="0" dirty="0" smtClean="0">
+              <a:rPr kumimoji="0" lang="ru-RU" altLang="ru-RU" sz="2000" b="0" i="0" u="none" strike="noStrike" cap="none" normalizeH="0" baseline="0" dirty="0">
                 <a:ln>
                   <a:noFill/>
                 </a:ln>
@@ -10461,7 +10040,7 @@
               <a:t>PhotoForm(forms.ModelForm):</a:t>
             </a:r>
             <a:br>
-              <a:rPr kumimoji="0" lang="ru-RU" altLang="ru-RU" sz="2000" b="0" i="0" u="none" strike="noStrike" cap="none" normalizeH="0" baseline="0" dirty="0" smtClean="0">
+              <a:rPr kumimoji="0" lang="ru-RU" altLang="ru-RU" sz="2000" b="0" i="0" u="none" strike="noStrike" cap="none" normalizeH="0" baseline="0" dirty="0">
                 <a:ln>
                   <a:noFill/>
                 </a:ln>
@@ -10473,22 +10052,8 @@
                 <a:cs typeface="Courier New" panose="02070309020205020404" pitchFamily="49" charset="0"/>
               </a:rPr>
             </a:br>
-            <a:r>
-              <a:rPr kumimoji="0" lang="ru-RU" altLang="ru-RU" sz="2000" b="0" i="0" u="none" strike="noStrike" cap="none" normalizeH="0" baseline="0" dirty="0" smtClean="0">
-                <a:ln>
-                  <a:noFill/>
-                </a:ln>
-                <a:solidFill>
-                  <a:srgbClr val="000000"/>
-                </a:solidFill>
-                <a:effectLst/>
-                <a:latin typeface="Courier New" panose="02070309020205020404" pitchFamily="49" charset="0"/>
-                <a:cs typeface="Courier New" panose="02070309020205020404" pitchFamily="49" charset="0"/>
-              </a:rPr>
-              <a:t/>
-            </a:r>
             <a:br>
-              <a:rPr kumimoji="0" lang="ru-RU" altLang="ru-RU" sz="2000" b="0" i="0" u="none" strike="noStrike" cap="none" normalizeH="0" baseline="0" dirty="0" smtClean="0">
+              <a:rPr kumimoji="0" lang="ru-RU" altLang="ru-RU" sz="2000" b="0" i="0" u="none" strike="noStrike" cap="none" normalizeH="0" baseline="0" dirty="0">
                 <a:ln>
                   <a:noFill/>
                 </a:ln>
@@ -10501,7 +10066,7 @@
               </a:rPr>
             </a:br>
             <a:r>
-              <a:rPr kumimoji="0" lang="ru-RU" altLang="ru-RU" sz="2000" b="0" i="0" u="none" strike="noStrike" cap="none" normalizeH="0" baseline="0" dirty="0" smtClean="0">
+              <a:rPr kumimoji="0" lang="ru-RU" altLang="ru-RU" sz="2000" b="0" i="0" u="none" strike="noStrike" cap="none" normalizeH="0" baseline="0" dirty="0">
                 <a:ln>
                   <a:noFill/>
                 </a:ln>
@@ -10515,7 +10080,7 @@
               <a:t>    image = forms.ImageField(</a:t>
             </a:r>
             <a:r>
-              <a:rPr kumimoji="0" lang="ru-RU" altLang="ru-RU" sz="2000" b="0" i="0" u="none" strike="noStrike" cap="none" normalizeH="0" baseline="0" dirty="0" smtClean="0">
+              <a:rPr kumimoji="0" lang="ru-RU" altLang="ru-RU" sz="2000" b="0" i="0" u="none" strike="noStrike" cap="none" normalizeH="0" baseline="0" dirty="0">
                 <a:ln>
                   <a:noFill/>
                 </a:ln>
@@ -10529,7 +10094,7 @@
               <a:t>label</a:t>
             </a:r>
             <a:r>
-              <a:rPr kumimoji="0" lang="ru-RU" altLang="ru-RU" sz="2000" b="0" i="0" u="none" strike="noStrike" cap="none" normalizeH="0" baseline="0" dirty="0" smtClean="0">
+              <a:rPr kumimoji="0" lang="ru-RU" altLang="ru-RU" sz="2000" b="0" i="0" u="none" strike="noStrike" cap="none" normalizeH="0" baseline="0" dirty="0">
                 <a:ln>
                   <a:noFill/>
                 </a:ln>
@@ -10543,7 +10108,7 @@
               <a:t>=</a:t>
             </a:r>
             <a:r>
-              <a:rPr kumimoji="0" lang="ru-RU" altLang="ru-RU" sz="2000" b="1" i="0" u="none" strike="noStrike" cap="none" normalizeH="0" baseline="0" dirty="0" smtClean="0">
+              <a:rPr kumimoji="0" lang="ru-RU" altLang="ru-RU" sz="2000" b="1" i="0" u="none" strike="noStrike" cap="none" normalizeH="0" baseline="0" dirty="0">
                 <a:ln>
                   <a:noFill/>
                 </a:ln>
@@ -10557,7 +10122,7 @@
               <a:t>"Photo"</a:t>
             </a:r>
             <a:r>
-              <a:rPr kumimoji="0" lang="ru-RU" altLang="ru-RU" sz="2000" b="0" i="0" u="none" strike="noStrike" cap="none" normalizeH="0" baseline="0" dirty="0" smtClean="0">
+              <a:rPr kumimoji="0" lang="ru-RU" altLang="ru-RU" sz="2000" b="0" i="0" u="none" strike="noStrike" cap="none" normalizeH="0" baseline="0" dirty="0">
                 <a:ln>
                   <a:noFill/>
                 </a:ln>
@@ -10571,7 +10136,7 @@
               <a:t>, </a:t>
             </a:r>
             <a:r>
-              <a:rPr kumimoji="0" lang="ru-RU" altLang="ru-RU" sz="2000" b="0" i="0" u="none" strike="noStrike" cap="none" normalizeH="0" baseline="0" dirty="0" smtClean="0">
+              <a:rPr kumimoji="0" lang="ru-RU" altLang="ru-RU" sz="2000" b="0" i="0" u="none" strike="noStrike" cap="none" normalizeH="0" baseline="0" dirty="0">
                 <a:ln>
                   <a:noFill/>
                 </a:ln>
@@ -10585,7 +10150,7 @@
               <a:t>error_messages</a:t>
             </a:r>
             <a:r>
-              <a:rPr kumimoji="0" lang="ru-RU" altLang="ru-RU" sz="2000" b="0" i="0" u="none" strike="noStrike" cap="none" normalizeH="0" baseline="0" dirty="0" smtClean="0">
+              <a:rPr kumimoji="0" lang="ru-RU" altLang="ru-RU" sz="2000" b="0" i="0" u="none" strike="noStrike" cap="none" normalizeH="0" baseline="0" dirty="0">
                 <a:ln>
                   <a:noFill/>
                 </a:ln>
@@ -10599,7 +10164,7 @@
               <a:t>={</a:t>
             </a:r>
             <a:br>
-              <a:rPr kumimoji="0" lang="ru-RU" altLang="ru-RU" sz="2000" b="0" i="0" u="none" strike="noStrike" cap="none" normalizeH="0" baseline="0" dirty="0" smtClean="0">
+              <a:rPr kumimoji="0" lang="ru-RU" altLang="ru-RU" sz="2000" b="0" i="0" u="none" strike="noStrike" cap="none" normalizeH="0" baseline="0" dirty="0">
                 <a:ln>
                   <a:noFill/>
                 </a:ln>
@@ -10612,7 +10177,7 @@
               </a:rPr>
             </a:br>
             <a:r>
-              <a:rPr kumimoji="0" lang="ru-RU" altLang="ru-RU" sz="2000" b="0" i="0" u="none" strike="noStrike" cap="none" normalizeH="0" baseline="0" dirty="0" smtClean="0">
+              <a:rPr kumimoji="0" lang="ru-RU" altLang="ru-RU" sz="2000" b="0" i="0" u="none" strike="noStrike" cap="none" normalizeH="0" baseline="0" dirty="0">
                 <a:ln>
                   <a:noFill/>
                 </a:ln>
@@ -10626,7 +10191,7 @@
               <a:t>        </a:t>
             </a:r>
             <a:r>
-              <a:rPr kumimoji="0" lang="ru-RU" altLang="ru-RU" sz="2000" b="1" i="0" u="none" strike="noStrike" cap="none" normalizeH="0" baseline="0" dirty="0" smtClean="0">
+              <a:rPr kumimoji="0" lang="ru-RU" altLang="ru-RU" sz="2000" b="1" i="0" u="none" strike="noStrike" cap="none" normalizeH="0" baseline="0" dirty="0">
                 <a:ln>
                   <a:noFill/>
                 </a:ln>
@@ -10640,7 +10205,7 @@
               <a:t>"required"</a:t>
             </a:r>
             <a:r>
-              <a:rPr kumimoji="0" lang="ru-RU" altLang="ru-RU" sz="2000" b="0" i="0" u="none" strike="noStrike" cap="none" normalizeH="0" baseline="0" dirty="0" smtClean="0">
+              <a:rPr kumimoji="0" lang="ru-RU" altLang="ru-RU" sz="2000" b="0" i="0" u="none" strike="noStrike" cap="none" normalizeH="0" baseline="0" dirty="0">
                 <a:ln>
                   <a:noFill/>
                 </a:ln>
@@ -10654,7 +10219,7 @@
               <a:t>: </a:t>
             </a:r>
             <a:r>
-              <a:rPr kumimoji="0" lang="ru-RU" altLang="ru-RU" sz="2000" b="1" i="0" u="none" strike="noStrike" cap="none" normalizeH="0" baseline="0" dirty="0" smtClean="0">
+              <a:rPr kumimoji="0" lang="ru-RU" altLang="ru-RU" sz="2000" b="1" i="0" u="none" strike="noStrike" cap="none" normalizeH="0" baseline="0" dirty="0">
                 <a:ln>
                   <a:noFill/>
                 </a:ln>
@@ -10668,7 +10233,7 @@
               <a:t>"It is required field"</a:t>
             </a:r>
             <a:r>
-              <a:rPr kumimoji="0" lang="ru-RU" altLang="ru-RU" sz="2000" b="0" i="0" u="none" strike="noStrike" cap="none" normalizeH="0" baseline="0" dirty="0" smtClean="0">
+              <a:rPr kumimoji="0" lang="ru-RU" altLang="ru-RU" sz="2000" b="0" i="0" u="none" strike="noStrike" cap="none" normalizeH="0" baseline="0" dirty="0">
                 <a:ln>
                   <a:noFill/>
                 </a:ln>
@@ -10682,7 +10247,7 @@
               <a:t>,</a:t>
             </a:r>
             <a:br>
-              <a:rPr kumimoji="0" lang="ru-RU" altLang="ru-RU" sz="2000" b="0" i="0" u="none" strike="noStrike" cap="none" normalizeH="0" baseline="0" dirty="0" smtClean="0">
+              <a:rPr kumimoji="0" lang="ru-RU" altLang="ru-RU" sz="2000" b="0" i="0" u="none" strike="noStrike" cap="none" normalizeH="0" baseline="0" dirty="0">
                 <a:ln>
                   <a:noFill/>
                 </a:ln>
@@ -10695,7 +10260,7 @@
               </a:rPr>
             </a:br>
             <a:r>
-              <a:rPr kumimoji="0" lang="ru-RU" altLang="ru-RU" sz="2000" b="0" i="0" u="none" strike="noStrike" cap="none" normalizeH="0" baseline="0" dirty="0" smtClean="0">
+              <a:rPr kumimoji="0" lang="ru-RU" altLang="ru-RU" sz="2000" b="0" i="0" u="none" strike="noStrike" cap="none" normalizeH="0" baseline="0" dirty="0">
                 <a:ln>
                   <a:noFill/>
                 </a:ln>
@@ -10709,7 +10274,7 @@
               <a:t>        </a:t>
             </a:r>
             <a:r>
-              <a:rPr kumimoji="0" lang="ru-RU" altLang="ru-RU" sz="2000" b="1" i="0" u="none" strike="noStrike" cap="none" normalizeH="0" baseline="0" dirty="0" smtClean="0">
+              <a:rPr kumimoji="0" lang="ru-RU" altLang="ru-RU" sz="2000" b="1" i="0" u="none" strike="noStrike" cap="none" normalizeH="0" baseline="0" dirty="0">
                 <a:ln>
                   <a:noFill/>
                 </a:ln>
@@ -10723,7 +10288,7 @@
               <a:t>"invalid_image"</a:t>
             </a:r>
             <a:r>
-              <a:rPr kumimoji="0" lang="ru-RU" altLang="ru-RU" sz="2000" b="0" i="0" u="none" strike="noStrike" cap="none" normalizeH="0" baseline="0" dirty="0" smtClean="0">
+              <a:rPr kumimoji="0" lang="ru-RU" altLang="ru-RU" sz="2000" b="0" i="0" u="none" strike="noStrike" cap="none" normalizeH="0" baseline="0" dirty="0">
                 <a:ln>
                   <a:noFill/>
                 </a:ln>
@@ -10737,7 +10302,7 @@
               <a:t>: </a:t>
             </a:r>
             <a:r>
-              <a:rPr kumimoji="0" lang="ru-RU" altLang="ru-RU" sz="2000" b="1" i="0" u="none" strike="noStrike" cap="none" normalizeH="0" baseline="0" dirty="0" smtClean="0">
+              <a:rPr kumimoji="0" lang="ru-RU" altLang="ru-RU" sz="2000" b="1" i="0" u="none" strike="noStrike" cap="none" normalizeH="0" baseline="0" dirty="0">
                 <a:ln>
                   <a:noFill/>
                 </a:ln>
@@ -10751,7 +10316,7 @@
               <a:t>"It is wrong image format"</a:t>
             </a:r>
             <a:br>
-              <a:rPr kumimoji="0" lang="ru-RU" altLang="ru-RU" sz="2000" b="1" i="0" u="none" strike="noStrike" cap="none" normalizeH="0" baseline="0" dirty="0" smtClean="0">
+              <a:rPr kumimoji="0" lang="ru-RU" altLang="ru-RU" sz="2000" b="1" i="0" u="none" strike="noStrike" cap="none" normalizeH="0" baseline="0" dirty="0">
                 <a:ln>
                   <a:noFill/>
                 </a:ln>
@@ -10764,7 +10329,7 @@
               </a:rPr>
             </a:br>
             <a:r>
-              <a:rPr kumimoji="0" lang="ru-RU" altLang="ru-RU" sz="2000" b="1" i="0" u="none" strike="noStrike" cap="none" normalizeH="0" baseline="0" dirty="0" smtClean="0">
+              <a:rPr kumimoji="0" lang="ru-RU" altLang="ru-RU" sz="2000" b="1" i="0" u="none" strike="noStrike" cap="none" normalizeH="0" baseline="0" dirty="0">
                 <a:ln>
                   <a:noFill/>
                 </a:ln>
@@ -10778,7 +10343,7 @@
               <a:t>    </a:t>
             </a:r>
             <a:r>
-              <a:rPr kumimoji="0" lang="ru-RU" altLang="ru-RU" sz="2000" b="0" i="0" u="none" strike="noStrike" cap="none" normalizeH="0" baseline="0" dirty="0" smtClean="0">
+              <a:rPr kumimoji="0" lang="ru-RU" altLang="ru-RU" sz="2000" b="0" i="0" u="none" strike="noStrike" cap="none" normalizeH="0" baseline="0" dirty="0">
                 <a:ln>
                   <a:noFill/>
                 </a:ln>
@@ -10792,7 +10357,7 @@
               <a:t>})</a:t>
             </a:r>
             <a:br>
-              <a:rPr kumimoji="0" lang="ru-RU" altLang="ru-RU" sz="2000" b="0" i="0" u="none" strike="noStrike" cap="none" normalizeH="0" baseline="0" dirty="0" smtClean="0">
+              <a:rPr kumimoji="0" lang="ru-RU" altLang="ru-RU" sz="2000" b="0" i="0" u="none" strike="noStrike" cap="none" normalizeH="0" baseline="0" dirty="0">
                 <a:ln>
                   <a:noFill/>
                 </a:ln>
@@ -10804,22 +10369,8 @@
                 <a:cs typeface="Courier New" panose="02070309020205020404" pitchFamily="49" charset="0"/>
               </a:rPr>
             </a:br>
-            <a:r>
-              <a:rPr kumimoji="0" lang="ru-RU" altLang="ru-RU" sz="2000" b="0" i="0" u="none" strike="noStrike" cap="none" normalizeH="0" baseline="0" dirty="0" smtClean="0">
-                <a:ln>
-                  <a:noFill/>
-                </a:ln>
-                <a:solidFill>
-                  <a:srgbClr val="000000"/>
-                </a:solidFill>
-                <a:effectLst/>
-                <a:latin typeface="Courier New" panose="02070309020205020404" pitchFamily="49" charset="0"/>
-                <a:cs typeface="Courier New" panose="02070309020205020404" pitchFamily="49" charset="0"/>
-              </a:rPr>
-              <a:t/>
-            </a:r>
             <a:br>
-              <a:rPr kumimoji="0" lang="ru-RU" altLang="ru-RU" sz="2000" b="0" i="0" u="none" strike="noStrike" cap="none" normalizeH="0" baseline="0" dirty="0" smtClean="0">
+              <a:rPr kumimoji="0" lang="ru-RU" altLang="ru-RU" sz="2000" b="0" i="0" u="none" strike="noStrike" cap="none" normalizeH="0" baseline="0" dirty="0">
                 <a:ln>
                   <a:noFill/>
                 </a:ln>
@@ -10832,7 +10383,7 @@
               </a:rPr>
             </a:br>
             <a:r>
-              <a:rPr kumimoji="0" lang="ru-RU" altLang="ru-RU" sz="2000" b="0" i="0" u="none" strike="noStrike" cap="none" normalizeH="0" baseline="0" dirty="0" smtClean="0">
+              <a:rPr kumimoji="0" lang="ru-RU" altLang="ru-RU" sz="2000" b="0" i="0" u="none" strike="noStrike" cap="none" normalizeH="0" baseline="0" dirty="0">
                 <a:ln>
                   <a:noFill/>
                 </a:ln>
@@ -10846,7 +10397,7 @@
               <a:t>    </a:t>
             </a:r>
             <a:r>
-              <a:rPr kumimoji="0" lang="ru-RU" altLang="ru-RU" sz="2000" b="1" i="0" u="none" strike="noStrike" cap="none" normalizeH="0" baseline="0" dirty="0" smtClean="0">
+              <a:rPr kumimoji="0" lang="ru-RU" altLang="ru-RU" sz="2000" b="1" i="0" u="none" strike="noStrike" cap="none" normalizeH="0" baseline="0" dirty="0">
                 <a:ln>
                   <a:noFill/>
                 </a:ln>
@@ -10860,7 +10411,7 @@
               <a:t>class </a:t>
             </a:r>
             <a:r>
-              <a:rPr kumimoji="0" lang="ru-RU" altLang="ru-RU" sz="2000" b="0" i="0" u="none" strike="noStrike" cap="none" normalizeH="0" baseline="0" dirty="0" smtClean="0">
+              <a:rPr kumimoji="0" lang="ru-RU" altLang="ru-RU" sz="2000" b="0" i="0" u="none" strike="noStrike" cap="none" normalizeH="0" baseline="0" dirty="0">
                 <a:ln>
                   <a:noFill/>
                 </a:ln>
@@ -10874,7 +10425,7 @@
               <a:t>Meta:</a:t>
             </a:r>
             <a:br>
-              <a:rPr kumimoji="0" lang="ru-RU" altLang="ru-RU" sz="2000" b="0" i="0" u="none" strike="noStrike" cap="none" normalizeH="0" baseline="0" dirty="0" smtClean="0">
+              <a:rPr kumimoji="0" lang="ru-RU" altLang="ru-RU" sz="2000" b="0" i="0" u="none" strike="noStrike" cap="none" normalizeH="0" baseline="0" dirty="0">
                 <a:ln>
                   <a:noFill/>
                 </a:ln>
@@ -10887,7 +10438,7 @@
               </a:rPr>
             </a:br>
             <a:r>
-              <a:rPr kumimoji="0" lang="ru-RU" altLang="ru-RU" sz="2000" b="0" i="0" u="none" strike="noStrike" cap="none" normalizeH="0" baseline="0" dirty="0" smtClean="0">
+              <a:rPr kumimoji="0" lang="ru-RU" altLang="ru-RU" sz="2000" b="0" i="0" u="none" strike="noStrike" cap="none" normalizeH="0" baseline="0" dirty="0">
                 <a:ln>
                   <a:noFill/>
                 </a:ln>
@@ -10901,7 +10452,7 @@
               <a:t>        model = Photo</a:t>
             </a:r>
             <a:br>
-              <a:rPr kumimoji="0" lang="ru-RU" altLang="ru-RU" sz="2000" b="0" i="0" u="none" strike="noStrike" cap="none" normalizeH="0" baseline="0" dirty="0" smtClean="0">
+              <a:rPr kumimoji="0" lang="ru-RU" altLang="ru-RU" sz="2000" b="0" i="0" u="none" strike="noStrike" cap="none" normalizeH="0" baseline="0" dirty="0">
                 <a:ln>
                   <a:noFill/>
                 </a:ln>
@@ -10914,7 +10465,7 @@
               </a:rPr>
             </a:br>
             <a:r>
-              <a:rPr kumimoji="0" lang="ru-RU" altLang="ru-RU" sz="2000" b="0" i="0" u="none" strike="noStrike" cap="none" normalizeH="0" baseline="0" dirty="0" smtClean="0">
+              <a:rPr kumimoji="0" lang="ru-RU" altLang="ru-RU" sz="2000" b="0" i="0" u="none" strike="noStrike" cap="none" normalizeH="0" baseline="0" dirty="0">
                 <a:ln>
                   <a:noFill/>
                 </a:ln>
@@ -10928,7 +10479,7 @@
               <a:t>        fields= [</a:t>
             </a:r>
             <a:r>
-              <a:rPr kumimoji="0" lang="ru-RU" altLang="ru-RU" sz="2000" b="1" i="0" u="none" strike="noStrike" cap="none" normalizeH="0" baseline="0" dirty="0" smtClean="0">
+              <a:rPr kumimoji="0" lang="ru-RU" altLang="ru-RU" sz="2000" b="1" i="0" u="none" strike="noStrike" cap="none" normalizeH="0" baseline="0" dirty="0">
                 <a:ln>
                   <a:noFill/>
                 </a:ln>
@@ -10942,7 +10493,7 @@
               <a:t>'image'</a:t>
             </a:r>
             <a:r>
-              <a:rPr kumimoji="0" lang="ru-RU" altLang="ru-RU" sz="2000" b="0" i="0" u="none" strike="noStrike" cap="none" normalizeH="0" baseline="0" dirty="0" smtClean="0">
+              <a:rPr kumimoji="0" lang="ru-RU" altLang="ru-RU" sz="2000" b="0" i="0" u="none" strike="noStrike" cap="none" normalizeH="0" baseline="0" dirty="0">
                 <a:ln>
                   <a:noFill/>
                 </a:ln>
@@ -10955,7 +10506,7 @@
               </a:rPr>
               <a:t>, ]</a:t>
             </a:r>
-            <a:endParaRPr kumimoji="0" lang="ru-RU" altLang="ru-RU" sz="4400" b="0" i="0" u="none" strike="noStrike" cap="none" normalizeH="0" baseline="0" dirty="0" smtClean="0">
+            <a:endParaRPr kumimoji="0" lang="ru-RU" altLang="ru-RU" sz="4400" b="0" i="0" u="none" strike="noStrike" cap="none" normalizeH="0" baseline="0" dirty="0">
               <a:ln>
                 <a:noFill/>
               </a:ln>
@@ -11356,23 +10907,15 @@
           <a:p>
             <a:r>
               <a:rPr lang="ru-RU" dirty="0"/>
-              <a:t>Чтобы форма могла успешно отправить файл, нам следует явно указать для нее </a:t>
-            </a:r>
-            <a:r>
-              <a:rPr lang="ru-RU" dirty="0" smtClean="0"/>
-              <a:t>метод</a:t>
-            </a:r>
-            <a:r>
-              <a:rPr lang="en-US" dirty="0" smtClean="0"/>
+              <a:t>Чтобы форма могла успешно отправить файл, нам следует явно указать для нее метод</a:t>
+            </a:r>
+            <a:r>
+              <a:rPr lang="en-US" dirty="0"/>
               <a:t> </a:t>
             </a:r>
             <a:r>
-              <a:rPr lang="ru-RU" dirty="0" smtClean="0"/>
-              <a:t>кодирования </a:t>
-            </a:r>
-            <a:r>
               <a:rPr lang="ru-RU" dirty="0"/>
-              <a:t>данных </a:t>
+              <a:t>кодирования данных </a:t>
             </a:r>
             <a:r>
               <a:rPr lang="ru-RU" b="1" kern="1200" dirty="0">
@@ -11485,7 +11028,7 @@
               <a:tabLst/>
             </a:pPr>
             <a:r>
-              <a:rPr kumimoji="0" lang="ru-RU" altLang="ru-RU" sz="2000" b="0" i="0" u="none" strike="noStrike" cap="none" normalizeH="0" baseline="0" dirty="0" smtClean="0">
+              <a:rPr kumimoji="0" lang="ru-RU" altLang="ru-RU" sz="2000" b="0" i="0" u="none" strike="noStrike" cap="none" normalizeH="0" baseline="0" dirty="0">
                 <a:ln>
                   <a:noFill/>
                 </a:ln>
@@ -11499,7 +11042,7 @@
               <a:t>&lt;</a:t>
             </a:r>
             <a:r>
-              <a:rPr kumimoji="0" lang="ru-RU" altLang="ru-RU" sz="2000" b="1" i="0" u="none" strike="noStrike" cap="none" normalizeH="0" baseline="0" dirty="0" smtClean="0">
+              <a:rPr kumimoji="0" lang="ru-RU" altLang="ru-RU" sz="2000" b="1" i="0" u="none" strike="noStrike" cap="none" normalizeH="0" baseline="0" dirty="0">
                 <a:ln>
                   <a:noFill/>
                 </a:ln>
@@ -11513,7 +11056,7 @@
               <a:t>form </a:t>
             </a:r>
             <a:r>
-              <a:rPr kumimoji="0" lang="ru-RU" altLang="ru-RU" sz="2000" b="1" i="0" u="none" strike="noStrike" cap="none" normalizeH="0" baseline="0" dirty="0" smtClean="0">
+              <a:rPr kumimoji="0" lang="ru-RU" altLang="ru-RU" sz="2000" b="1" i="0" u="none" strike="noStrike" cap="none" normalizeH="0" baseline="0" dirty="0">
                 <a:ln>
                   <a:noFill/>
                 </a:ln>
@@ -11527,7 +11070,7 @@
               <a:t>enctype=</a:t>
             </a:r>
             <a:r>
-              <a:rPr kumimoji="0" lang="ru-RU" altLang="ru-RU" sz="2000" b="1" i="0" u="none" strike="noStrike" cap="none" normalizeH="0" baseline="0" dirty="0" smtClean="0">
+              <a:rPr kumimoji="0" lang="ru-RU" altLang="ru-RU" sz="2000" b="1" i="0" u="none" strike="noStrike" cap="none" normalizeH="0" baseline="0" dirty="0">
                 <a:ln>
                   <a:noFill/>
                 </a:ln>
@@ -11541,7 +11084,7 @@
               <a:t>"multipart/form-data" </a:t>
             </a:r>
             <a:r>
-              <a:rPr kumimoji="0" lang="ru-RU" altLang="ru-RU" sz="2000" b="1" i="0" u="none" strike="noStrike" cap="none" normalizeH="0" baseline="0" dirty="0" smtClean="0">
+              <a:rPr kumimoji="0" lang="ru-RU" altLang="ru-RU" sz="2000" b="1" i="0" u="none" strike="noStrike" cap="none" normalizeH="0" baseline="0" dirty="0">
                 <a:ln>
                   <a:noFill/>
                 </a:ln>
@@ -11555,7 +11098,7 @@
               <a:t>action=</a:t>
             </a:r>
             <a:r>
-              <a:rPr kumimoji="0" lang="ru-RU" altLang="ru-RU" sz="2000" b="1" i="0" u="none" strike="noStrike" cap="none" normalizeH="0" baseline="0" dirty="0" smtClean="0">
+              <a:rPr kumimoji="0" lang="ru-RU" altLang="ru-RU" sz="2000" b="1" i="0" u="none" strike="noStrike" cap="none" normalizeH="0" baseline="0" dirty="0">
                 <a:ln>
                   <a:noFill/>
                 </a:ln>
@@ -11569,7 +11112,7 @@
               <a:t>"</a:t>
             </a:r>
             <a:r>
-              <a:rPr kumimoji="0" lang="ru-RU" altLang="ru-RU" sz="2000" b="0" i="0" u="none" strike="noStrike" cap="none" normalizeH="0" baseline="0" dirty="0" smtClean="0">
+              <a:rPr kumimoji="0" lang="ru-RU" altLang="ru-RU" sz="2000" b="0" i="0" u="none" strike="noStrike" cap="none" normalizeH="0" baseline="0" dirty="0">
                 <a:ln>
                   <a:noFill/>
                 </a:ln>
@@ -11583,7 +11126,7 @@
               <a:t>{% </a:t>
             </a:r>
             <a:r>
-              <a:rPr kumimoji="0" lang="ru-RU" altLang="ru-RU" sz="2000" b="1" i="0" u="none" strike="noStrike" cap="none" normalizeH="0" baseline="0" dirty="0" smtClean="0">
+              <a:rPr kumimoji="0" lang="ru-RU" altLang="ru-RU" sz="2000" b="1" i="0" u="none" strike="noStrike" cap="none" normalizeH="0" baseline="0" dirty="0">
                 <a:ln>
                   <a:noFill/>
                 </a:ln>
@@ -11597,7 +11140,7 @@
               <a:t>url </a:t>
             </a:r>
             <a:r>
-              <a:rPr kumimoji="0" lang="ru-RU" altLang="ru-RU" sz="2000" b="1" i="0" u="none" strike="noStrike" cap="none" normalizeH="0" baseline="0" dirty="0" smtClean="0">
+              <a:rPr kumimoji="0" lang="ru-RU" altLang="ru-RU" sz="2000" b="1" i="0" u="none" strike="noStrike" cap="none" normalizeH="0" baseline="0" dirty="0">
                 <a:ln>
                   <a:noFill/>
                 </a:ln>
@@ -11611,7 +11154,7 @@
               <a:t>"gallery" </a:t>
             </a:r>
             <a:r>
-              <a:rPr kumimoji="0" lang="ru-RU" altLang="ru-RU" sz="2000" b="0" i="0" u="none" strike="noStrike" cap="none" normalizeH="0" baseline="0" dirty="0" smtClean="0">
+              <a:rPr kumimoji="0" lang="ru-RU" altLang="ru-RU" sz="2000" b="0" i="0" u="none" strike="noStrike" cap="none" normalizeH="0" baseline="0" dirty="0">
                 <a:ln>
                   <a:noFill/>
                 </a:ln>
@@ -11625,7 +11168,7 @@
               <a:t>%}</a:t>
             </a:r>
             <a:r>
-              <a:rPr kumimoji="0" lang="ru-RU" altLang="ru-RU" sz="2000" b="1" i="0" u="none" strike="noStrike" cap="none" normalizeH="0" baseline="0" dirty="0" smtClean="0">
+              <a:rPr kumimoji="0" lang="ru-RU" altLang="ru-RU" sz="2000" b="1" i="0" u="none" strike="noStrike" cap="none" normalizeH="0" baseline="0" dirty="0">
                 <a:ln>
                   <a:noFill/>
                 </a:ln>
@@ -11639,7 +11182,7 @@
               <a:t>" </a:t>
             </a:r>
             <a:r>
-              <a:rPr kumimoji="0" lang="en-US" altLang="ru-RU" sz="2000" b="1" i="0" u="none" strike="noStrike" cap="none" normalizeH="0" baseline="0" dirty="0" smtClean="0">
+              <a:rPr kumimoji="0" lang="en-US" altLang="ru-RU" sz="2000" b="1" i="0" u="none" strike="noStrike" cap="none" normalizeH="0" baseline="0" dirty="0">
                 <a:ln>
                   <a:noFill/>
                 </a:ln>
@@ -11653,7 +11196,7 @@
               <a:t>	</a:t>
             </a:r>
             <a:r>
-              <a:rPr kumimoji="0" lang="ru-RU" altLang="ru-RU" sz="2000" b="1" i="0" u="none" strike="noStrike" cap="none" normalizeH="0" baseline="0" dirty="0" smtClean="0">
+              <a:rPr kumimoji="0" lang="ru-RU" altLang="ru-RU" sz="2000" b="1" i="0" u="none" strike="noStrike" cap="none" normalizeH="0" baseline="0" dirty="0">
                 <a:ln>
                   <a:noFill/>
                 </a:ln>
@@ -11667,7 +11210,7 @@
               <a:t>method=</a:t>
             </a:r>
             <a:r>
-              <a:rPr kumimoji="0" lang="ru-RU" altLang="ru-RU" sz="2000" b="1" i="0" u="none" strike="noStrike" cap="none" normalizeH="0" baseline="0" dirty="0" smtClean="0">
+              <a:rPr kumimoji="0" lang="ru-RU" altLang="ru-RU" sz="2000" b="1" i="0" u="none" strike="noStrike" cap="none" normalizeH="0" baseline="0" dirty="0">
                 <a:ln>
                   <a:noFill/>
                 </a:ln>
@@ -11681,7 +11224,7 @@
               <a:t>"post"</a:t>
             </a:r>
             <a:r>
-              <a:rPr kumimoji="0" lang="ru-RU" altLang="ru-RU" sz="2000" b="0" i="0" u="none" strike="noStrike" cap="none" normalizeH="0" baseline="0" dirty="0" smtClean="0">
+              <a:rPr kumimoji="0" lang="ru-RU" altLang="ru-RU" sz="2000" b="0" i="0" u="none" strike="noStrike" cap="none" normalizeH="0" baseline="0" dirty="0">
                 <a:ln>
                   <a:noFill/>
                 </a:ln>
@@ -11695,7 +11238,7 @@
               <a:t>&gt;</a:t>
             </a:r>
             <a:br>
-              <a:rPr kumimoji="0" lang="ru-RU" altLang="ru-RU" sz="2000" b="0" i="0" u="none" strike="noStrike" cap="none" normalizeH="0" baseline="0" dirty="0" smtClean="0">
+              <a:rPr kumimoji="0" lang="ru-RU" altLang="ru-RU" sz="2000" b="0" i="0" u="none" strike="noStrike" cap="none" normalizeH="0" baseline="0" dirty="0">
                 <a:ln>
                   <a:noFill/>
                 </a:ln>
@@ -11708,7 +11251,7 @@
               </a:rPr>
             </a:br>
             <a:r>
-              <a:rPr kumimoji="0" lang="ru-RU" altLang="ru-RU" sz="2000" b="0" i="0" u="none" strike="noStrike" cap="none" normalizeH="0" baseline="0" dirty="0" smtClean="0">
+              <a:rPr kumimoji="0" lang="ru-RU" altLang="ru-RU" sz="2000" b="0" i="0" u="none" strike="noStrike" cap="none" normalizeH="0" baseline="0" dirty="0">
                 <a:ln>
                   <a:noFill/>
                 </a:ln>
@@ -11722,7 +11265,7 @@
               <a:t>    {% </a:t>
             </a:r>
             <a:r>
-              <a:rPr kumimoji="0" lang="ru-RU" altLang="ru-RU" sz="2000" b="1" i="0" u="none" strike="noStrike" cap="none" normalizeH="0" baseline="0" dirty="0" smtClean="0">
+              <a:rPr kumimoji="0" lang="ru-RU" altLang="ru-RU" sz="2000" b="1" i="0" u="none" strike="noStrike" cap="none" normalizeH="0" baseline="0" dirty="0">
                 <a:ln>
                   <a:noFill/>
                 </a:ln>
@@ -11736,7 +11279,7 @@
               <a:t>csrf_token </a:t>
             </a:r>
             <a:r>
-              <a:rPr kumimoji="0" lang="ru-RU" altLang="ru-RU" sz="2000" b="0" i="0" u="none" strike="noStrike" cap="none" normalizeH="0" baseline="0" dirty="0" smtClean="0">
+              <a:rPr kumimoji="0" lang="ru-RU" altLang="ru-RU" sz="2000" b="0" i="0" u="none" strike="noStrike" cap="none" normalizeH="0" baseline="0" dirty="0">
                 <a:ln>
                   <a:noFill/>
                 </a:ln>
@@ -11750,7 +11293,7 @@
               <a:t>%}</a:t>
             </a:r>
             <a:br>
-              <a:rPr kumimoji="0" lang="ru-RU" altLang="ru-RU" sz="2000" b="0" i="0" u="none" strike="noStrike" cap="none" normalizeH="0" baseline="0" dirty="0" smtClean="0">
+              <a:rPr kumimoji="0" lang="ru-RU" altLang="ru-RU" sz="2000" b="0" i="0" u="none" strike="noStrike" cap="none" normalizeH="0" baseline="0" dirty="0">
                 <a:ln>
                   <a:noFill/>
                 </a:ln>
@@ -11763,7 +11306,7 @@
               </a:rPr>
             </a:br>
             <a:r>
-              <a:rPr kumimoji="0" lang="ru-RU" altLang="ru-RU" sz="2000" b="0" i="0" u="none" strike="noStrike" cap="none" normalizeH="0" baseline="0" dirty="0" smtClean="0">
+              <a:rPr kumimoji="0" lang="ru-RU" altLang="ru-RU" sz="2000" b="0" i="0" u="none" strike="noStrike" cap="none" normalizeH="0" baseline="0" dirty="0">
                 <a:ln>
                   <a:noFill/>
                 </a:ln>
@@ -11777,7 +11320,7 @@
               <a:t>    {{ </a:t>
             </a:r>
             <a:r>
-              <a:rPr kumimoji="0" lang="ru-RU" altLang="ru-RU" sz="2000" b="1" i="0" u="none" strike="noStrike" cap="none" normalizeH="0" baseline="0" dirty="0" smtClean="0">
+              <a:rPr kumimoji="0" lang="ru-RU" altLang="ru-RU" sz="2000" b="1" i="0" u="none" strike="noStrike" cap="none" normalizeH="0" baseline="0" dirty="0">
                 <a:ln>
                   <a:noFill/>
                 </a:ln>
@@ -11791,7 +11334,7 @@
               <a:t>form</a:t>
             </a:r>
             <a:r>
-              <a:rPr kumimoji="0" lang="ru-RU" altLang="ru-RU" sz="2000" b="0" i="0" u="none" strike="noStrike" cap="none" normalizeH="0" baseline="0" dirty="0" smtClean="0">
+              <a:rPr kumimoji="0" lang="ru-RU" altLang="ru-RU" sz="2000" b="0" i="0" u="none" strike="noStrike" cap="none" normalizeH="0" baseline="0" dirty="0">
                 <a:ln>
                   <a:noFill/>
                 </a:ln>
@@ -11805,7 +11348,7 @@
               <a:t>|</a:t>
             </a:r>
             <a:r>
-              <a:rPr kumimoji="0" lang="ru-RU" altLang="ru-RU" sz="2000" b="1" i="0" u="none" strike="noStrike" cap="none" normalizeH="0" baseline="0" dirty="0" smtClean="0">
+              <a:rPr kumimoji="0" lang="ru-RU" altLang="ru-RU" sz="2000" b="1" i="0" u="none" strike="noStrike" cap="none" normalizeH="0" baseline="0" dirty="0">
                 <a:ln>
                   <a:noFill/>
                 </a:ln>
@@ -11819,7 +11362,7 @@
               <a:t>crispy </a:t>
             </a:r>
             <a:r>
-              <a:rPr kumimoji="0" lang="ru-RU" altLang="ru-RU" sz="2000" b="0" i="0" u="none" strike="noStrike" cap="none" normalizeH="0" baseline="0" dirty="0" smtClean="0">
+              <a:rPr kumimoji="0" lang="ru-RU" altLang="ru-RU" sz="2000" b="0" i="0" u="none" strike="noStrike" cap="none" normalizeH="0" baseline="0" dirty="0">
                 <a:ln>
                   <a:noFill/>
                 </a:ln>
@@ -11833,7 +11376,7 @@
               <a:t>}}</a:t>
             </a:r>
             <a:br>
-              <a:rPr kumimoji="0" lang="ru-RU" altLang="ru-RU" sz="2000" b="0" i="0" u="none" strike="noStrike" cap="none" normalizeH="0" baseline="0" dirty="0" smtClean="0">
+              <a:rPr kumimoji="0" lang="ru-RU" altLang="ru-RU" sz="2000" b="0" i="0" u="none" strike="noStrike" cap="none" normalizeH="0" baseline="0" dirty="0">
                 <a:ln>
                   <a:noFill/>
                 </a:ln>
@@ -11846,7 +11389,7 @@
               </a:rPr>
             </a:br>
             <a:r>
-              <a:rPr kumimoji="0" lang="ru-RU" altLang="ru-RU" sz="2000" b="0" i="0" u="none" strike="noStrike" cap="none" normalizeH="0" baseline="0" dirty="0" smtClean="0">
+              <a:rPr kumimoji="0" lang="ru-RU" altLang="ru-RU" sz="2000" b="0" i="0" u="none" strike="noStrike" cap="none" normalizeH="0" baseline="0" dirty="0">
                 <a:ln>
                   <a:noFill/>
                 </a:ln>
@@ -11860,7 +11403,7 @@
               <a:t>    &lt;</a:t>
             </a:r>
             <a:r>
-              <a:rPr kumimoji="0" lang="ru-RU" altLang="ru-RU" sz="2000" b="1" i="0" u="none" strike="noStrike" cap="none" normalizeH="0" baseline="0" dirty="0" smtClean="0">
+              <a:rPr kumimoji="0" lang="ru-RU" altLang="ru-RU" sz="2000" b="1" i="0" u="none" strike="noStrike" cap="none" normalizeH="0" baseline="0" dirty="0">
                 <a:ln>
                   <a:noFill/>
                 </a:ln>
@@ -11874,7 +11417,7 @@
               <a:t>input </a:t>
             </a:r>
             <a:r>
-              <a:rPr kumimoji="0" lang="ru-RU" altLang="ru-RU" sz="2000" b="1" i="0" u="none" strike="noStrike" cap="none" normalizeH="0" baseline="0" dirty="0" smtClean="0">
+              <a:rPr kumimoji="0" lang="ru-RU" altLang="ru-RU" sz="2000" b="1" i="0" u="none" strike="noStrike" cap="none" normalizeH="0" baseline="0" dirty="0">
                 <a:ln>
                   <a:noFill/>
                 </a:ln>
@@ -11888,7 +11431,7 @@
               <a:t>type=</a:t>
             </a:r>
             <a:r>
-              <a:rPr kumimoji="0" lang="ru-RU" altLang="ru-RU" sz="2000" b="1" i="0" u="none" strike="noStrike" cap="none" normalizeH="0" baseline="0" dirty="0" smtClean="0">
+              <a:rPr kumimoji="0" lang="ru-RU" altLang="ru-RU" sz="2000" b="1" i="0" u="none" strike="noStrike" cap="none" normalizeH="0" baseline="0" dirty="0">
                 <a:ln>
                   <a:noFill/>
                 </a:ln>
@@ -11902,7 +11445,7 @@
               <a:t>"submit" </a:t>
             </a:r>
             <a:r>
-              <a:rPr kumimoji="0" lang="ru-RU" altLang="ru-RU" sz="2000" b="1" i="0" u="none" strike="noStrike" cap="none" normalizeH="0" baseline="0" dirty="0" smtClean="0">
+              <a:rPr kumimoji="0" lang="ru-RU" altLang="ru-RU" sz="2000" b="1" i="0" u="none" strike="noStrike" cap="none" normalizeH="0" baseline="0" dirty="0">
                 <a:ln>
                   <a:noFill/>
                 </a:ln>
@@ -11916,7 +11459,7 @@
               <a:t>class=</a:t>
             </a:r>
             <a:r>
-              <a:rPr kumimoji="0" lang="ru-RU" altLang="ru-RU" sz="2000" b="1" i="0" u="none" strike="noStrike" cap="none" normalizeH="0" baseline="0" dirty="0" smtClean="0">
+              <a:rPr kumimoji="0" lang="ru-RU" altLang="ru-RU" sz="2000" b="1" i="0" u="none" strike="noStrike" cap="none" normalizeH="0" baseline="0" dirty="0">
                 <a:ln>
                   <a:noFill/>
                 </a:ln>
@@ -11930,7 +11473,7 @@
               <a:t>"btn btn-default"</a:t>
             </a:r>
             <a:r>
-              <a:rPr kumimoji="0" lang="ru-RU" altLang="ru-RU" sz="2000" b="0" i="0" u="none" strike="noStrike" cap="none" normalizeH="0" baseline="0" dirty="0" smtClean="0">
+              <a:rPr kumimoji="0" lang="ru-RU" altLang="ru-RU" sz="2000" b="0" i="0" u="none" strike="noStrike" cap="none" normalizeH="0" baseline="0" dirty="0">
                 <a:ln>
                   <a:noFill/>
                 </a:ln>
@@ -11944,7 +11487,7 @@
               <a:t>/&gt;</a:t>
             </a:r>
             <a:br>
-              <a:rPr kumimoji="0" lang="ru-RU" altLang="ru-RU" sz="2000" b="0" i="0" u="none" strike="noStrike" cap="none" normalizeH="0" baseline="0" dirty="0" smtClean="0">
+              <a:rPr kumimoji="0" lang="ru-RU" altLang="ru-RU" sz="2000" b="0" i="0" u="none" strike="noStrike" cap="none" normalizeH="0" baseline="0" dirty="0">
                 <a:ln>
                   <a:noFill/>
                 </a:ln>
@@ -11957,7 +11500,7 @@
               </a:rPr>
             </a:br>
             <a:r>
-              <a:rPr kumimoji="0" lang="ru-RU" altLang="ru-RU" sz="2000" b="0" i="0" u="none" strike="noStrike" cap="none" normalizeH="0" baseline="0" dirty="0" smtClean="0">
+              <a:rPr kumimoji="0" lang="ru-RU" altLang="ru-RU" sz="2000" b="0" i="0" u="none" strike="noStrike" cap="none" normalizeH="0" baseline="0" dirty="0">
                 <a:ln>
                   <a:noFill/>
                 </a:ln>
@@ -11971,7 +11514,7 @@
               <a:t>&lt;/</a:t>
             </a:r>
             <a:r>
-              <a:rPr kumimoji="0" lang="ru-RU" altLang="ru-RU" sz="2000" b="1" i="0" u="none" strike="noStrike" cap="none" normalizeH="0" baseline="0" dirty="0" smtClean="0">
+              <a:rPr kumimoji="0" lang="ru-RU" altLang="ru-RU" sz="2000" b="1" i="0" u="none" strike="noStrike" cap="none" normalizeH="0" baseline="0" dirty="0">
                 <a:ln>
                   <a:noFill/>
                 </a:ln>
@@ -11985,7 +11528,7 @@
               <a:t>form</a:t>
             </a:r>
             <a:r>
-              <a:rPr kumimoji="0" lang="ru-RU" altLang="ru-RU" sz="2000" b="0" i="0" u="none" strike="noStrike" cap="none" normalizeH="0" baseline="0" dirty="0" smtClean="0">
+              <a:rPr kumimoji="0" lang="ru-RU" altLang="ru-RU" sz="2000" b="0" i="0" u="none" strike="noStrike" cap="none" normalizeH="0" baseline="0" dirty="0">
                 <a:ln>
                   <a:noFill/>
                 </a:ln>
@@ -11998,7 +11541,7 @@
               </a:rPr>
               <a:t>&gt;</a:t>
             </a:r>
-            <a:endParaRPr kumimoji="0" lang="ru-RU" altLang="ru-RU" sz="4400" b="0" i="0" u="none" strike="noStrike" cap="none" normalizeH="0" baseline="0" dirty="0" smtClean="0">
+            <a:endParaRPr kumimoji="0" lang="ru-RU" altLang="ru-RU" sz="4400" b="0" i="0" u="none" strike="noStrike" cap="none" normalizeH="0" baseline="0" dirty="0">
               <a:ln>
                 <a:noFill/>
               </a:ln>
@@ -12414,10 +11957,9 @@
           <a:lstStyle/>
           <a:p>
             <a:r>
-              <a:rPr lang="ru-RU" dirty="0" smtClean="0"/>
+              <a:rPr lang="ru-RU" dirty="0"/>
               <a:t>Получение файлов в представлениях</a:t>
             </a:r>
-            <a:endParaRPr lang="ru-RU" dirty="0"/>
           </a:p>
         </p:txBody>
       </p:sp>
@@ -12492,7 +12034,7 @@
               <a:tabLst/>
             </a:pPr>
             <a:r>
-              <a:rPr kumimoji="0" lang="ru-RU" altLang="ru-RU" sz="2000" b="1" i="0" u="none" strike="noStrike" cap="none" normalizeH="0" baseline="0" dirty="0" smtClean="0">
+              <a:rPr kumimoji="0" lang="ru-RU" altLang="ru-RU" sz="2000" b="1" i="0" u="none" strike="noStrike" cap="none" normalizeH="0" baseline="0" dirty="0">
                 <a:ln>
                   <a:noFill/>
                 </a:ln>
@@ -12506,7 +12048,7 @@
               <a:t>def </a:t>
             </a:r>
             <a:r>
-              <a:rPr kumimoji="0" lang="ru-RU" altLang="ru-RU" sz="2000" b="0" i="0" u="none" strike="noStrike" cap="none" normalizeH="0" baseline="0" dirty="0" smtClean="0">
+              <a:rPr kumimoji="0" lang="ru-RU" altLang="ru-RU" sz="2000" b="0" i="0" u="none" strike="noStrike" cap="none" normalizeH="0" baseline="0" dirty="0">
                 <a:ln>
                   <a:noFill/>
                 </a:ln>
@@ -12520,7 +12062,7 @@
               <a:t>gallery(request):</a:t>
             </a:r>
             <a:br>
-              <a:rPr kumimoji="0" lang="ru-RU" altLang="ru-RU" sz="2000" b="0" i="0" u="none" strike="noStrike" cap="none" normalizeH="0" baseline="0" dirty="0" smtClean="0">
+              <a:rPr kumimoji="0" lang="ru-RU" altLang="ru-RU" sz="2000" b="0" i="0" u="none" strike="noStrike" cap="none" normalizeH="0" baseline="0" dirty="0">
                 <a:ln>
                   <a:noFill/>
                 </a:ln>
@@ -12533,7 +12075,7 @@
               </a:rPr>
             </a:br>
             <a:r>
-              <a:rPr kumimoji="0" lang="ru-RU" altLang="ru-RU" sz="2000" b="0" i="0" u="none" strike="noStrike" cap="none" normalizeH="0" baseline="0" dirty="0" smtClean="0">
+              <a:rPr kumimoji="0" lang="ru-RU" altLang="ru-RU" sz="2000" b="0" i="0" u="none" strike="noStrike" cap="none" normalizeH="0" baseline="0" dirty="0">
                 <a:ln>
                   <a:noFill/>
                 </a:ln>
@@ -12547,7 +12089,7 @@
               <a:t>    photos = Photo.objects.all()</a:t>
             </a:r>
             <a:br>
-              <a:rPr kumimoji="0" lang="ru-RU" altLang="ru-RU" sz="2000" b="0" i="0" u="none" strike="noStrike" cap="none" normalizeH="0" baseline="0" dirty="0" smtClean="0">
+              <a:rPr kumimoji="0" lang="ru-RU" altLang="ru-RU" sz="2000" b="0" i="0" u="none" strike="noStrike" cap="none" normalizeH="0" baseline="0" dirty="0">
                 <a:ln>
                   <a:noFill/>
                 </a:ln>
@@ -12560,7 +12102,7 @@
               </a:rPr>
             </a:br>
             <a:r>
-              <a:rPr kumimoji="0" lang="ru-RU" altLang="ru-RU" sz="2000" b="0" i="0" u="none" strike="noStrike" cap="none" normalizeH="0" baseline="0" dirty="0" smtClean="0">
+              <a:rPr kumimoji="0" lang="ru-RU" altLang="ru-RU" sz="2000" b="0" i="0" u="none" strike="noStrike" cap="none" normalizeH="0" baseline="0" dirty="0">
                 <a:ln>
                   <a:noFill/>
                 </a:ln>
@@ -12574,7 +12116,7 @@
               <a:t>    </a:t>
             </a:r>
             <a:r>
-              <a:rPr kumimoji="0" lang="ru-RU" altLang="ru-RU" sz="2000" b="1" i="0" u="none" strike="noStrike" cap="none" normalizeH="0" baseline="0" dirty="0" smtClean="0">
+              <a:rPr kumimoji="0" lang="ru-RU" altLang="ru-RU" sz="2000" b="1" i="0" u="none" strike="noStrike" cap="none" normalizeH="0" baseline="0" dirty="0">
                 <a:ln>
                   <a:noFill/>
                 </a:ln>
@@ -12588,7 +12130,7 @@
               <a:t>if </a:t>
             </a:r>
             <a:r>
-              <a:rPr kumimoji="0" lang="ru-RU" altLang="ru-RU" sz="2000" b="0" i="0" u="none" strike="noStrike" cap="none" normalizeH="0" baseline="0" dirty="0" smtClean="0">
+              <a:rPr kumimoji="0" lang="ru-RU" altLang="ru-RU" sz="2000" b="0" i="0" u="none" strike="noStrike" cap="none" normalizeH="0" baseline="0" dirty="0">
                 <a:ln>
                   <a:noFill/>
                 </a:ln>
@@ -12602,7 +12144,7 @@
               <a:t>request.method == </a:t>
             </a:r>
             <a:r>
-              <a:rPr kumimoji="0" lang="ru-RU" altLang="ru-RU" sz="2000" b="1" i="0" u="none" strike="noStrike" cap="none" normalizeH="0" baseline="0" dirty="0" smtClean="0">
+              <a:rPr kumimoji="0" lang="ru-RU" altLang="ru-RU" sz="2000" b="1" i="0" u="none" strike="noStrike" cap="none" normalizeH="0" baseline="0" dirty="0">
                 <a:ln>
                   <a:noFill/>
                 </a:ln>
@@ -12616,7 +12158,7 @@
               <a:t>'POST'</a:t>
             </a:r>
             <a:r>
-              <a:rPr kumimoji="0" lang="ru-RU" altLang="ru-RU" sz="2000" b="0" i="0" u="none" strike="noStrike" cap="none" normalizeH="0" baseline="0" dirty="0" smtClean="0">
+              <a:rPr kumimoji="0" lang="ru-RU" altLang="ru-RU" sz="2000" b="0" i="0" u="none" strike="noStrike" cap="none" normalizeH="0" baseline="0" dirty="0">
                 <a:ln>
                   <a:noFill/>
                 </a:ln>
@@ -12630,7 +12172,7 @@
               <a:t>:</a:t>
             </a:r>
             <a:br>
-              <a:rPr kumimoji="0" lang="ru-RU" altLang="ru-RU" sz="2000" b="0" i="0" u="none" strike="noStrike" cap="none" normalizeH="0" baseline="0" dirty="0" smtClean="0">
+              <a:rPr kumimoji="0" lang="ru-RU" altLang="ru-RU" sz="2000" b="0" i="0" u="none" strike="noStrike" cap="none" normalizeH="0" baseline="0" dirty="0">
                 <a:ln>
                   <a:noFill/>
                 </a:ln>
@@ -12643,7 +12185,7 @@
               </a:rPr>
             </a:br>
             <a:r>
-              <a:rPr kumimoji="0" lang="ru-RU" altLang="ru-RU" sz="2000" b="0" i="0" u="none" strike="noStrike" cap="none" normalizeH="0" baseline="0" dirty="0" smtClean="0">
+              <a:rPr kumimoji="0" lang="ru-RU" altLang="ru-RU" sz="2000" b="0" i="0" u="none" strike="noStrike" cap="none" normalizeH="0" baseline="0" dirty="0">
                 <a:ln>
                   <a:noFill/>
                 </a:ln>
@@ -12657,7 +12199,7 @@
               <a:t>        photo_form = PhotoForm(request.POST, request.FILES)</a:t>
             </a:r>
             <a:br>
-              <a:rPr kumimoji="0" lang="ru-RU" altLang="ru-RU" sz="2000" b="0" i="0" u="none" strike="noStrike" cap="none" normalizeH="0" baseline="0" dirty="0" smtClean="0">
+              <a:rPr kumimoji="0" lang="ru-RU" altLang="ru-RU" sz="2000" b="0" i="0" u="none" strike="noStrike" cap="none" normalizeH="0" baseline="0" dirty="0">
                 <a:ln>
                   <a:noFill/>
                 </a:ln>
@@ -12670,7 +12212,7 @@
               </a:rPr>
             </a:br>
             <a:r>
-              <a:rPr kumimoji="0" lang="ru-RU" altLang="ru-RU" sz="2000" b="0" i="0" u="none" strike="noStrike" cap="none" normalizeH="0" baseline="0" dirty="0" smtClean="0">
+              <a:rPr kumimoji="0" lang="ru-RU" altLang="ru-RU" sz="2000" b="0" i="0" u="none" strike="noStrike" cap="none" normalizeH="0" baseline="0" dirty="0">
                 <a:ln>
                   <a:noFill/>
                 </a:ln>
@@ -12684,7 +12226,7 @@
               <a:t>        </a:t>
             </a:r>
             <a:r>
-              <a:rPr kumimoji="0" lang="ru-RU" altLang="ru-RU" sz="2000" b="1" i="0" u="none" strike="noStrike" cap="none" normalizeH="0" baseline="0" dirty="0" smtClean="0">
+              <a:rPr kumimoji="0" lang="ru-RU" altLang="ru-RU" sz="2000" b="1" i="0" u="none" strike="noStrike" cap="none" normalizeH="0" baseline="0" dirty="0">
                 <a:ln>
                   <a:noFill/>
                 </a:ln>
@@ -12698,7 +12240,7 @@
               <a:t>if </a:t>
             </a:r>
             <a:r>
-              <a:rPr kumimoji="0" lang="ru-RU" altLang="ru-RU" sz="2000" b="0" i="0" u="none" strike="noStrike" cap="none" normalizeH="0" baseline="0" dirty="0" smtClean="0">
+              <a:rPr kumimoji="0" lang="ru-RU" altLang="ru-RU" sz="2000" b="0" i="0" u="none" strike="noStrike" cap="none" normalizeH="0" baseline="0" dirty="0">
                 <a:ln>
                   <a:noFill/>
                 </a:ln>
@@ -12712,7 +12254,7 @@
               <a:t>photo_form.is_valid():</a:t>
             </a:r>
             <a:br>
-              <a:rPr kumimoji="0" lang="ru-RU" altLang="ru-RU" sz="2000" b="0" i="0" u="none" strike="noStrike" cap="none" normalizeH="0" baseline="0" dirty="0" smtClean="0">
+              <a:rPr kumimoji="0" lang="ru-RU" altLang="ru-RU" sz="2000" b="0" i="0" u="none" strike="noStrike" cap="none" normalizeH="0" baseline="0" dirty="0">
                 <a:ln>
                   <a:noFill/>
                 </a:ln>
@@ -12725,7 +12267,7 @@
               </a:rPr>
             </a:br>
             <a:r>
-              <a:rPr kumimoji="0" lang="ru-RU" altLang="ru-RU" sz="2000" b="0" i="0" u="none" strike="noStrike" cap="none" normalizeH="0" baseline="0" dirty="0" smtClean="0">
+              <a:rPr kumimoji="0" lang="ru-RU" altLang="ru-RU" sz="2000" b="0" i="0" u="none" strike="noStrike" cap="none" normalizeH="0" baseline="0" dirty="0">
                 <a:ln>
                   <a:noFill/>
                 </a:ln>
@@ -12739,7 +12281,7 @@
               <a:t>            photo_form.save()</a:t>
             </a:r>
             <a:br>
-              <a:rPr kumimoji="0" lang="ru-RU" altLang="ru-RU" sz="2000" b="0" i="0" u="none" strike="noStrike" cap="none" normalizeH="0" baseline="0" dirty="0" smtClean="0">
+              <a:rPr kumimoji="0" lang="ru-RU" altLang="ru-RU" sz="2000" b="0" i="0" u="none" strike="noStrike" cap="none" normalizeH="0" baseline="0" dirty="0">
                 <a:ln>
                   <a:noFill/>
                 </a:ln>
@@ -12752,7 +12294,7 @@
               </a:rPr>
             </a:br>
             <a:r>
-              <a:rPr kumimoji="0" lang="ru-RU" altLang="ru-RU" sz="2000" b="0" i="0" u="none" strike="noStrike" cap="none" normalizeH="0" baseline="0" dirty="0" smtClean="0">
+              <a:rPr kumimoji="0" lang="ru-RU" altLang="ru-RU" sz="2000" b="0" i="0" u="none" strike="noStrike" cap="none" normalizeH="0" baseline="0" dirty="0">
                 <a:ln>
                   <a:noFill/>
                 </a:ln>
@@ -12766,7 +12308,7 @@
               <a:t>            </a:t>
             </a:r>
             <a:r>
-              <a:rPr kumimoji="0" lang="ru-RU" altLang="ru-RU" sz="2000" b="1" i="0" u="none" strike="noStrike" cap="none" normalizeH="0" baseline="0" dirty="0" smtClean="0">
+              <a:rPr kumimoji="0" lang="ru-RU" altLang="ru-RU" sz="2000" b="1" i="0" u="none" strike="noStrike" cap="none" normalizeH="0" baseline="0" dirty="0">
                 <a:ln>
                   <a:noFill/>
                 </a:ln>
@@ -12780,7 +12322,7 @@
               <a:t>return </a:t>
             </a:r>
             <a:r>
-              <a:rPr kumimoji="0" lang="ru-RU" altLang="ru-RU" sz="2000" b="0" i="0" u="none" strike="noStrike" cap="none" normalizeH="0" baseline="0" dirty="0" smtClean="0">
+              <a:rPr kumimoji="0" lang="ru-RU" altLang="ru-RU" sz="2000" b="0" i="0" u="none" strike="noStrike" cap="none" normalizeH="0" baseline="0" dirty="0">
                 <a:ln>
                   <a:noFill/>
                 </a:ln>
@@ -12794,7 +12336,7 @@
               <a:t>redirect(</a:t>
             </a:r>
             <a:r>
-              <a:rPr kumimoji="0" lang="ru-RU" altLang="ru-RU" sz="2000" b="1" i="0" u="none" strike="noStrike" cap="none" normalizeH="0" baseline="0" dirty="0" smtClean="0">
+              <a:rPr kumimoji="0" lang="ru-RU" altLang="ru-RU" sz="2000" b="1" i="0" u="none" strike="noStrike" cap="none" normalizeH="0" baseline="0" dirty="0">
                 <a:ln>
                   <a:noFill/>
                 </a:ln>
@@ -12808,7 +12350,7 @@
               <a:t>"gallery"</a:t>
             </a:r>
             <a:r>
-              <a:rPr kumimoji="0" lang="ru-RU" altLang="ru-RU" sz="2000" b="0" i="0" u="none" strike="noStrike" cap="none" normalizeH="0" baseline="0" dirty="0" smtClean="0">
+              <a:rPr kumimoji="0" lang="ru-RU" altLang="ru-RU" sz="2000" b="0" i="0" u="none" strike="noStrike" cap="none" normalizeH="0" baseline="0" dirty="0">
                 <a:ln>
                   <a:noFill/>
                 </a:ln>
@@ -12822,7 +12364,7 @@
               <a:t>)</a:t>
             </a:r>
             <a:br>
-              <a:rPr kumimoji="0" lang="ru-RU" altLang="ru-RU" sz="2000" b="0" i="0" u="none" strike="noStrike" cap="none" normalizeH="0" baseline="0" dirty="0" smtClean="0">
+              <a:rPr kumimoji="0" lang="ru-RU" altLang="ru-RU" sz="2000" b="0" i="0" u="none" strike="noStrike" cap="none" normalizeH="0" baseline="0" dirty="0">
                 <a:ln>
                   <a:noFill/>
                 </a:ln>
@@ -12835,7 +12377,7 @@
               </a:rPr>
             </a:br>
             <a:r>
-              <a:rPr kumimoji="0" lang="ru-RU" altLang="ru-RU" sz="2000" b="0" i="0" u="none" strike="noStrike" cap="none" normalizeH="0" baseline="0" dirty="0" smtClean="0">
+              <a:rPr kumimoji="0" lang="ru-RU" altLang="ru-RU" sz="2000" b="0" i="0" u="none" strike="noStrike" cap="none" normalizeH="0" baseline="0" dirty="0">
                 <a:ln>
                   <a:noFill/>
                 </a:ln>
@@ -12849,7 +12391,7 @@
               <a:t>    form = PhotoForm()</a:t>
             </a:r>
             <a:br>
-              <a:rPr kumimoji="0" lang="ru-RU" altLang="ru-RU" sz="2000" b="0" i="0" u="none" strike="noStrike" cap="none" normalizeH="0" baseline="0" dirty="0" smtClean="0">
+              <a:rPr kumimoji="0" lang="ru-RU" altLang="ru-RU" sz="2000" b="0" i="0" u="none" strike="noStrike" cap="none" normalizeH="0" baseline="0" dirty="0">
                 <a:ln>
                   <a:noFill/>
                 </a:ln>
@@ -12862,7 +12404,7 @@
               </a:rPr>
             </a:br>
             <a:r>
-              <a:rPr kumimoji="0" lang="ru-RU" altLang="ru-RU" sz="2000" b="0" i="0" u="none" strike="noStrike" cap="none" normalizeH="0" baseline="0" dirty="0" smtClean="0">
+              <a:rPr kumimoji="0" lang="ru-RU" altLang="ru-RU" sz="2000" b="0" i="0" u="none" strike="noStrike" cap="none" normalizeH="0" baseline="0" dirty="0">
                 <a:ln>
                   <a:noFill/>
                 </a:ln>
@@ -12876,7 +12418,7 @@
               <a:t>    </a:t>
             </a:r>
             <a:r>
-              <a:rPr kumimoji="0" lang="ru-RU" altLang="ru-RU" sz="2000" b="1" i="0" u="none" strike="noStrike" cap="none" normalizeH="0" baseline="0" dirty="0" smtClean="0">
+              <a:rPr kumimoji="0" lang="ru-RU" altLang="ru-RU" sz="2000" b="1" i="0" u="none" strike="noStrike" cap="none" normalizeH="0" baseline="0" dirty="0">
                 <a:ln>
                   <a:noFill/>
                 </a:ln>
@@ -12890,7 +12432,7 @@
               <a:t>return </a:t>
             </a:r>
             <a:r>
-              <a:rPr kumimoji="0" lang="ru-RU" altLang="ru-RU" sz="2000" b="0" i="0" u="none" strike="noStrike" cap="none" normalizeH="0" baseline="0" dirty="0" smtClean="0">
+              <a:rPr kumimoji="0" lang="ru-RU" altLang="ru-RU" sz="2000" b="0" i="0" u="none" strike="noStrike" cap="none" normalizeH="0" baseline="0" dirty="0">
                 <a:ln>
                   <a:noFill/>
                 </a:ln>
@@ -12904,7 +12446,7 @@
               <a:t>render(request, </a:t>
             </a:r>
             <a:r>
-              <a:rPr kumimoji="0" lang="ru-RU" altLang="ru-RU" sz="2000" b="1" i="0" u="none" strike="noStrike" cap="none" normalizeH="0" baseline="0" dirty="0" smtClean="0">
+              <a:rPr kumimoji="0" lang="ru-RU" altLang="ru-RU" sz="2000" b="1" i="0" u="none" strike="noStrike" cap="none" normalizeH="0" baseline="0" dirty="0">
                 <a:ln>
                   <a:noFill/>
                 </a:ln>
@@ -12917,7 +12459,7 @@
               </a:rPr>
               <a:t>"blog/gallery.html“</a:t>
             </a:r>
-            <a:endParaRPr kumimoji="0" lang="en-US" altLang="ru-RU" sz="2000" b="1" i="0" u="none" strike="noStrike" cap="none" normalizeH="0" baseline="0" dirty="0" smtClean="0">
+            <a:endParaRPr kumimoji="0" lang="en-US" altLang="ru-RU" sz="2000" b="1" i="0" u="none" strike="noStrike" cap="none" normalizeH="0" baseline="0" dirty="0">
               <a:ln>
                 <a:noFill/>
               </a:ln>
@@ -12954,34 +12496,52 @@
                 <a:latin typeface="Courier New" panose="02070309020205020404" pitchFamily="49" charset="0"/>
                 <a:cs typeface="Courier New" panose="02070309020205020404" pitchFamily="49" charset="0"/>
               </a:rPr>
-              <a:t>	</a:t>
-            </a:r>
-            <a:r>
-              <a:rPr lang="en-US" altLang="ru-RU" sz="2000" b="1" dirty="0" smtClean="0">
+              <a:t>				 </a:t>
+            </a:r>
+            <a:r>
+              <a:rPr kumimoji="0" lang="ru-RU" altLang="ru-RU" sz="2000" b="0" i="0" u="none" strike="noStrike" cap="none" normalizeH="0" baseline="0" dirty="0">
+                <a:ln>
+                  <a:noFill/>
+                </a:ln>
+                <a:solidFill>
+                  <a:srgbClr val="000000"/>
+                </a:solidFill>
+                <a:effectLst/>
+                <a:latin typeface="Courier New" panose="02070309020205020404" pitchFamily="49" charset="0"/>
+                <a:cs typeface="Courier New" panose="02070309020205020404" pitchFamily="49" charset="0"/>
+              </a:rPr>
+              <a:t>, {</a:t>
+            </a:r>
+            <a:r>
+              <a:rPr kumimoji="0" lang="ru-RU" altLang="ru-RU" sz="2000" b="1" i="0" u="none" strike="noStrike" cap="none" normalizeH="0" baseline="0" dirty="0">
+                <a:ln>
+                  <a:noFill/>
+                </a:ln>
                 <a:solidFill>
                   <a:srgbClr val="008080"/>
                 </a:solidFill>
-                <a:latin typeface="Courier New" panose="02070309020205020404" pitchFamily="49" charset="0"/>
-                <a:cs typeface="Courier New" panose="02070309020205020404" pitchFamily="49" charset="0"/>
-              </a:rPr>
-              <a:t>			 </a:t>
-            </a:r>
-            <a:r>
-              <a:rPr kumimoji="0" lang="ru-RU" altLang="ru-RU" sz="2000" b="0" i="0" u="none" strike="noStrike" cap="none" normalizeH="0" baseline="0" dirty="0" smtClean="0">
-                <a:ln>
-                  <a:noFill/>
-                </a:ln>
-                <a:solidFill>
-                  <a:srgbClr val="000000"/>
-                </a:solidFill>
-                <a:effectLst/>
-                <a:latin typeface="Courier New" panose="02070309020205020404" pitchFamily="49" charset="0"/>
-                <a:cs typeface="Courier New" panose="02070309020205020404" pitchFamily="49" charset="0"/>
-              </a:rPr>
-              <a:t>, {</a:t>
-            </a:r>
-            <a:r>
-              <a:rPr kumimoji="0" lang="ru-RU" altLang="ru-RU" sz="2000" b="1" i="0" u="none" strike="noStrike" cap="none" normalizeH="0" baseline="0" dirty="0" smtClean="0">
+                <a:effectLst/>
+                <a:latin typeface="Courier New" panose="02070309020205020404" pitchFamily="49" charset="0"/>
+                <a:cs typeface="Courier New" panose="02070309020205020404" pitchFamily="49" charset="0"/>
+              </a:rPr>
+              <a:t>"form"</a:t>
+            </a:r>
+            <a:r>
+              <a:rPr kumimoji="0" lang="ru-RU" altLang="ru-RU" sz="2000" b="0" i="0" u="none" strike="noStrike" cap="none" normalizeH="0" baseline="0" dirty="0">
+                <a:ln>
+                  <a:noFill/>
+                </a:ln>
+                <a:solidFill>
+                  <a:srgbClr val="000000"/>
+                </a:solidFill>
+                <a:effectLst/>
+                <a:latin typeface="Courier New" panose="02070309020205020404" pitchFamily="49" charset="0"/>
+                <a:cs typeface="Courier New" panose="02070309020205020404" pitchFamily="49" charset="0"/>
+              </a:rPr>
+              <a:t>: form, </a:t>
+            </a:r>
+            <a:r>
+              <a:rPr kumimoji="0" lang="ru-RU" altLang="ru-RU" sz="2000" b="1" i="0" u="none" strike="noStrike" cap="none" normalizeH="0" baseline="0" dirty="0">
                 <a:ln>
                   <a:noFill/>
                 </a:ln>
@@ -12992,38 +12552,10 @@
                 <a:latin typeface="Courier New" panose="02070309020205020404" pitchFamily="49" charset="0"/>
                 <a:cs typeface="Courier New" panose="02070309020205020404" pitchFamily="49" charset="0"/>
               </a:rPr>
-              <a:t>"form"</a:t>
-            </a:r>
-            <a:r>
-              <a:rPr kumimoji="0" lang="ru-RU" altLang="ru-RU" sz="2000" b="0" i="0" u="none" strike="noStrike" cap="none" normalizeH="0" baseline="0" dirty="0" smtClean="0">
-                <a:ln>
-                  <a:noFill/>
-                </a:ln>
-                <a:solidFill>
-                  <a:srgbClr val="000000"/>
-                </a:solidFill>
-                <a:effectLst/>
-                <a:latin typeface="Courier New" panose="02070309020205020404" pitchFamily="49" charset="0"/>
-                <a:cs typeface="Courier New" panose="02070309020205020404" pitchFamily="49" charset="0"/>
-              </a:rPr>
-              <a:t>: form, </a:t>
-            </a:r>
-            <a:r>
-              <a:rPr kumimoji="0" lang="ru-RU" altLang="ru-RU" sz="2000" b="1" i="0" u="none" strike="noStrike" cap="none" normalizeH="0" baseline="0" dirty="0" smtClean="0">
-                <a:ln>
-                  <a:noFill/>
-                </a:ln>
-                <a:solidFill>
-                  <a:srgbClr val="008080"/>
-                </a:solidFill>
-                <a:effectLst/>
-                <a:latin typeface="Courier New" panose="02070309020205020404" pitchFamily="49" charset="0"/>
-                <a:cs typeface="Courier New" panose="02070309020205020404" pitchFamily="49" charset="0"/>
-              </a:rPr>
               <a:t>"photos"</a:t>
             </a:r>
             <a:r>
-              <a:rPr kumimoji="0" lang="ru-RU" altLang="ru-RU" sz="2000" b="0" i="0" u="none" strike="noStrike" cap="none" normalizeH="0" baseline="0" dirty="0" smtClean="0">
+              <a:rPr kumimoji="0" lang="ru-RU" altLang="ru-RU" sz="2000" b="0" i="0" u="none" strike="noStrike" cap="none" normalizeH="0" baseline="0" dirty="0">
                 <a:ln>
                   <a:noFill/>
                 </a:ln>
@@ -13036,7 +12568,7 @@
               </a:rPr>
               <a:t>: photos})</a:t>
             </a:r>
-            <a:endParaRPr kumimoji="0" lang="ru-RU" altLang="ru-RU" sz="4400" b="0" i="0" u="none" strike="noStrike" cap="none" normalizeH="0" baseline="0" dirty="0" smtClean="0">
+            <a:endParaRPr kumimoji="0" lang="ru-RU" altLang="ru-RU" sz="4400" b="0" i="0" u="none" strike="noStrike" cap="none" normalizeH="0" baseline="0" dirty="0">
               <a:ln>
                 <a:noFill/>
               </a:ln>
@@ -13551,7 +13083,7 @@
               <a:tabLst/>
             </a:pPr>
             <a:r>
-              <a:rPr kumimoji="0" lang="ru-RU" altLang="ru-RU" sz="2400" b="0" i="0" u="none" strike="noStrike" cap="none" normalizeH="0" baseline="0" smtClean="0">
+              <a:rPr kumimoji="0" lang="ru-RU" altLang="ru-RU" sz="2400" b="0" i="0" u="none" strike="noStrike" cap="none" normalizeH="0" baseline="0">
                 <a:ln>
                   <a:noFill/>
                 </a:ln>
@@ -13565,7 +13097,7 @@
               <a:t>&lt;</a:t>
             </a:r>
             <a:r>
-              <a:rPr kumimoji="0" lang="ru-RU" altLang="ru-RU" sz="2400" b="1" i="0" u="none" strike="noStrike" cap="none" normalizeH="0" baseline="0" smtClean="0">
+              <a:rPr kumimoji="0" lang="ru-RU" altLang="ru-RU" sz="2400" b="1" i="0" u="none" strike="noStrike" cap="none" normalizeH="0" baseline="0">
                 <a:ln>
                   <a:noFill/>
                 </a:ln>
@@ -13579,7 +13111,7 @@
               <a:t>img </a:t>
             </a:r>
             <a:r>
-              <a:rPr kumimoji="0" lang="ru-RU" altLang="ru-RU" sz="2400" b="1" i="0" u="none" strike="noStrike" cap="none" normalizeH="0" baseline="0" smtClean="0">
+              <a:rPr kumimoji="0" lang="ru-RU" altLang="ru-RU" sz="2400" b="1" i="0" u="none" strike="noStrike" cap="none" normalizeH="0" baseline="0">
                 <a:ln>
                   <a:noFill/>
                 </a:ln>
@@ -13593,7 +13125,7 @@
               <a:t>src=</a:t>
             </a:r>
             <a:r>
-              <a:rPr kumimoji="0" lang="ru-RU" altLang="ru-RU" sz="2400" b="1" i="0" u="none" strike="noStrike" cap="none" normalizeH="0" baseline="0" smtClean="0">
+              <a:rPr kumimoji="0" lang="ru-RU" altLang="ru-RU" sz="2400" b="1" i="0" u="none" strike="noStrike" cap="none" normalizeH="0" baseline="0">
                 <a:ln>
                   <a:noFill/>
                 </a:ln>
@@ -13607,7 +13139,7 @@
               <a:t>"</a:t>
             </a:r>
             <a:r>
-              <a:rPr kumimoji="0" lang="ru-RU" altLang="ru-RU" sz="2400" b="0" i="0" u="none" strike="noStrike" cap="none" normalizeH="0" baseline="0" smtClean="0">
+              <a:rPr kumimoji="0" lang="ru-RU" altLang="ru-RU" sz="2400" b="0" i="0" u="none" strike="noStrike" cap="none" normalizeH="0" baseline="0">
                 <a:ln>
                   <a:noFill/>
                 </a:ln>
@@ -13621,7 +13153,7 @@
               <a:t>{{ </a:t>
             </a:r>
             <a:r>
-              <a:rPr kumimoji="0" lang="ru-RU" altLang="ru-RU" sz="2400" b="1" i="0" u="none" strike="noStrike" cap="none" normalizeH="0" baseline="0" smtClean="0">
+              <a:rPr kumimoji="0" lang="ru-RU" altLang="ru-RU" sz="2400" b="1" i="0" u="none" strike="noStrike" cap="none" normalizeH="0" baseline="0">
                 <a:ln>
                   <a:noFill/>
                 </a:ln>
@@ -13635,7 +13167,7 @@
               <a:t>some_model</a:t>
             </a:r>
             <a:r>
-              <a:rPr kumimoji="0" lang="ru-RU" altLang="ru-RU" sz="2400" b="0" i="0" u="none" strike="noStrike" cap="none" normalizeH="0" baseline="0" smtClean="0">
+              <a:rPr kumimoji="0" lang="ru-RU" altLang="ru-RU" sz="2400" b="0" i="0" u="none" strike="noStrike" cap="none" normalizeH="0" baseline="0">
                 <a:ln>
                   <a:noFill/>
                 </a:ln>
@@ -13649,7 +13181,7 @@
               <a:t>.</a:t>
             </a:r>
             <a:r>
-              <a:rPr kumimoji="0" lang="ru-RU" altLang="ru-RU" sz="2400" b="1" i="0" u="none" strike="noStrike" cap="none" normalizeH="0" baseline="0" smtClean="0">
+              <a:rPr kumimoji="0" lang="ru-RU" altLang="ru-RU" sz="2400" b="1" i="0" u="none" strike="noStrike" cap="none" normalizeH="0" baseline="0">
                 <a:ln>
                   <a:noFill/>
                 </a:ln>
@@ -13663,7 +13195,7 @@
               <a:t>some_image_field</a:t>
             </a:r>
             <a:r>
-              <a:rPr kumimoji="0" lang="ru-RU" altLang="ru-RU" sz="2400" b="0" i="0" u="none" strike="noStrike" cap="none" normalizeH="0" baseline="0" smtClean="0">
+              <a:rPr kumimoji="0" lang="ru-RU" altLang="ru-RU" sz="2400" b="0" i="0" u="none" strike="noStrike" cap="none" normalizeH="0" baseline="0">
                 <a:ln>
                   <a:noFill/>
                 </a:ln>
@@ -13677,7 +13209,7 @@
               <a:t>.</a:t>
             </a:r>
             <a:r>
-              <a:rPr kumimoji="0" lang="ru-RU" altLang="ru-RU" sz="2400" b="1" i="0" u="none" strike="noStrike" cap="none" normalizeH="0" baseline="0" smtClean="0">
+              <a:rPr kumimoji="0" lang="ru-RU" altLang="ru-RU" sz="2400" b="1" i="0" u="none" strike="noStrike" cap="none" normalizeH="0" baseline="0">
                 <a:ln>
                   <a:noFill/>
                 </a:ln>
@@ -13691,7 +13223,7 @@
               <a:t>url </a:t>
             </a:r>
             <a:r>
-              <a:rPr kumimoji="0" lang="ru-RU" altLang="ru-RU" sz="2400" b="0" i="0" u="none" strike="noStrike" cap="none" normalizeH="0" baseline="0" smtClean="0">
+              <a:rPr kumimoji="0" lang="ru-RU" altLang="ru-RU" sz="2400" b="0" i="0" u="none" strike="noStrike" cap="none" normalizeH="0" baseline="0">
                 <a:ln>
                   <a:noFill/>
                 </a:ln>
@@ -13705,7 +13237,7 @@
               <a:t>}}</a:t>
             </a:r>
             <a:r>
-              <a:rPr kumimoji="0" lang="ru-RU" altLang="ru-RU" sz="2400" b="1" i="0" u="none" strike="noStrike" cap="none" normalizeH="0" baseline="0" smtClean="0">
+              <a:rPr kumimoji="0" lang="ru-RU" altLang="ru-RU" sz="2400" b="1" i="0" u="none" strike="noStrike" cap="none" normalizeH="0" baseline="0">
                 <a:ln>
                   <a:noFill/>
                 </a:ln>
@@ -13719,7 +13251,7 @@
               <a:t>" </a:t>
             </a:r>
             <a:r>
-              <a:rPr kumimoji="0" lang="ru-RU" altLang="ru-RU" sz="2400" b="0" i="0" u="none" strike="noStrike" cap="none" normalizeH="0" baseline="0" smtClean="0">
+              <a:rPr kumimoji="0" lang="ru-RU" altLang="ru-RU" sz="2400" b="0" i="0" u="none" strike="noStrike" cap="none" normalizeH="0" baseline="0">
                 <a:ln>
                   <a:noFill/>
                 </a:ln>
@@ -13732,7 +13264,7 @@
               </a:rPr>
               <a:t>/&gt;</a:t>
             </a:r>
-            <a:endParaRPr kumimoji="0" lang="ru-RU" altLang="ru-RU" sz="4800" b="0" i="0" u="none" strike="noStrike" cap="none" normalizeH="0" baseline="0" smtClean="0">
+            <a:endParaRPr kumimoji="0" lang="ru-RU" altLang="ru-RU" sz="4800" b="0" i="0" u="none" strike="noStrike" cap="none" normalizeH="0" baseline="0">
               <a:ln>
                 <a:noFill/>
               </a:ln>
@@ -13755,13 +13287,6 @@
   <p:clrMapOvr>
     <a:masterClrMapping/>
   </p:clrMapOvr>
-  <p:timing>
-    <p:tnLst>
-      <p:par>
-        <p:cTn id="1" dur="indefinite" restart="never" nodeType="tmRoot"/>
-      </p:par>
-    </p:tnLst>
-  </p:timing>
 </p:sld>
 </file>
 
@@ -14305,7 +13830,7 @@
   <a:extraClrSchemeLst/>
   <a:extLst>
     <a:ext uri="{05A4C25C-085E-4340-85A3-A5531E510DB2}">
-      <thm15:themeFamily xmlns:thm15="http://schemas.microsoft.com/office/thememl/2012/main" xmlns="" name="Office Theme" id="{62F939B6-93AF-4DB8-9C6B-D6C7DFDC589F}" vid="{4A3C46E8-61CC-4603-A589-7422A47A8E4A}"/>
+      <thm15:themeFamily xmlns:thm15="http://schemas.microsoft.com/office/thememl/2012/main" name="Office Theme" id="{62F939B6-93AF-4DB8-9C6B-D6C7DFDC589F}" vid="{4A3C46E8-61CC-4603-A589-7422A47A8E4A}"/>
     </a:ext>
   </a:extLst>
 </a:theme>
@@ -14566,23 +14091,19 @@
   <a:extraClrSchemeLst/>
   <a:extLst>
     <a:ext uri="{05A4C25C-085E-4340-85A3-A5531E510DB2}">
-      <thm15:themeFamily xmlns:thm15="http://schemas.microsoft.com/office/thememl/2012/main" xmlns="" name="Office Theme" id="{62F939B6-93AF-4DB8-9C6B-D6C7DFDC589F}" vid="{4A3C46E8-61CC-4603-A589-7422A47A8E4A}"/>
+      <thm15:themeFamily xmlns:thm15="http://schemas.microsoft.com/office/thememl/2012/main" name="Office Theme" id="{62F939B6-93AF-4DB8-9C6B-D6C7DFDC589F}" vid="{4A3C46E8-61CC-4603-A589-7422A47A8E4A}"/>
     </a:ext>
   </a:extLst>
 </a:theme>
 </file>
 
 <file path=customXml/item1.xml><?xml version="1.0" encoding="utf-8"?>
-<p:properties xmlns:p="http://schemas.microsoft.com/office/2006/metadata/properties" xmlns:xsi="http://www.w3.org/2001/XMLSchema-instance" xmlns:pc="http://schemas.microsoft.com/office/infopath/2007/PartnerControls">
-  <documentManagement>
-    <TaxCatchAll xmlns="230e9df3-be65-4c73-a93b-d1236ebd677e"/>
-    <PublishingExpirationDate xmlns="http://schemas.microsoft.com/sharepoint/v3" xsi:nil="true"/>
-    <PublishingStartDate xmlns="http://schemas.microsoft.com/sharepoint/v3" xsi:nil="true"/>
-    <TaxKeywordTaxHTField xmlns="230e9df3-be65-4c73-a93b-d1236ebd677e">
-      <Terms xmlns="http://schemas.microsoft.com/office/infopath/2007/PartnerControls"/>
-    </TaxKeywordTaxHTField>
-  </documentManagement>
-</p:properties>
+<?mso-contentType ?>
+<FormTemplates xmlns="http://schemas.microsoft.com/sharepoint/v3/contenttype/forms">
+  <Display>DocumentLibraryForm</Display>
+  <Edit>DocumentLibraryForm</Edit>
+  <New>DocumentLibraryForm</New>
+</FormTemplates>
 </file>
 
 <file path=customXml/item2.xml><?xml version="1.0" encoding="utf-8"?>
@@ -14768,28 +14289,22 @@
 </file>
 
 <file path=customXml/item3.xml><?xml version="1.0" encoding="utf-8"?>
-<?mso-contentType ?>
-<FormTemplates xmlns="http://schemas.microsoft.com/sharepoint/v3/contenttype/forms">
-  <Display>DocumentLibraryForm</Display>
-  <Edit>DocumentLibraryForm</Edit>
-  <New>DocumentLibraryForm</New>
-</FormTemplates>
+<p:properties xmlns:p="http://schemas.microsoft.com/office/2006/metadata/properties" xmlns:xsi="http://www.w3.org/2001/XMLSchema-instance" xmlns:pc="http://schemas.microsoft.com/office/infopath/2007/PartnerControls">
+  <documentManagement>
+    <TaxCatchAll xmlns="230e9df3-be65-4c73-a93b-d1236ebd677e"/>
+    <PublishingExpirationDate xmlns="http://schemas.microsoft.com/sharepoint/v3" xsi:nil="true"/>
+    <PublishingStartDate xmlns="http://schemas.microsoft.com/sharepoint/v3" xsi:nil="true"/>
+    <TaxKeywordTaxHTField xmlns="230e9df3-be65-4c73-a93b-d1236ebd677e">
+      <Terms xmlns="http://schemas.microsoft.com/office/infopath/2007/PartnerControls"/>
+    </TaxKeywordTaxHTField>
+  </documentManagement>
+</p:properties>
 </file>
 
 <file path=customXml/itemProps1.xml><?xml version="1.0" encoding="utf-8"?>
-<ds:datastoreItem xmlns:ds="http://schemas.openxmlformats.org/officeDocument/2006/customXml" ds:itemID="{7025FDD9-4C58-4084-9F89-0E6ADD6FFF55}">
+<ds:datastoreItem xmlns:ds="http://schemas.openxmlformats.org/officeDocument/2006/customXml" ds:itemID="{B0CA13EC-1D3C-4D6F-8D1C-E8A452CFC79A}">
   <ds:schemaRefs>
-    <ds:schemaRef ds:uri="230e9df3-be65-4c73-a93b-d1236ebd677e"/>
-    <ds:schemaRef ds:uri="http://schemas.openxmlformats.org/package/2006/metadata/core-properties"/>
-    <ds:schemaRef ds:uri="http://purl.org/dc/elements/1.1/"/>
-    <ds:schemaRef ds:uri="http://schemas.microsoft.com/office/2006/metadata/properties"/>
-    <ds:schemaRef ds:uri="http://schemas.microsoft.com/office/infopath/2007/PartnerControls"/>
-    <ds:schemaRef ds:uri="27aa9422-7f1f-4c84-9cdf-302b1a67e513"/>
-    <ds:schemaRef ds:uri="http://schemas.microsoft.com/sharepoint/v3"/>
-    <ds:schemaRef ds:uri="http://schemas.microsoft.com/office/2006/documentManagement/types"/>
-    <ds:schemaRef ds:uri="http://purl.org/dc/dcmitype/"/>
-    <ds:schemaRef ds:uri="http://www.w3.org/XML/1998/namespace"/>
-    <ds:schemaRef ds:uri="http://purl.org/dc/terms/"/>
+    <ds:schemaRef ds:uri="http://schemas.microsoft.com/sharepoint/v3/contenttype/forms"/>
   </ds:schemaRefs>
 </ds:datastoreItem>
 </file>
@@ -14815,9 +14330,19 @@
 </file>
 
 <file path=customXml/itemProps3.xml><?xml version="1.0" encoding="utf-8"?>
-<ds:datastoreItem xmlns:ds="http://schemas.openxmlformats.org/officeDocument/2006/customXml" ds:itemID="{B0CA13EC-1D3C-4D6F-8D1C-E8A452CFC79A}">
+<ds:datastoreItem xmlns:ds="http://schemas.openxmlformats.org/officeDocument/2006/customXml" ds:itemID="{7025FDD9-4C58-4084-9F89-0E6ADD6FFF55}">
   <ds:schemaRefs>
-    <ds:schemaRef ds:uri="http://schemas.microsoft.com/sharepoint/v3/contenttype/forms"/>
+    <ds:schemaRef ds:uri="230e9df3-be65-4c73-a93b-d1236ebd677e"/>
+    <ds:schemaRef ds:uri="http://schemas.openxmlformats.org/package/2006/metadata/core-properties"/>
+    <ds:schemaRef ds:uri="http://purl.org/dc/elements/1.1/"/>
+    <ds:schemaRef ds:uri="http://schemas.microsoft.com/office/2006/metadata/properties"/>
+    <ds:schemaRef ds:uri="http://schemas.microsoft.com/office/infopath/2007/PartnerControls"/>
+    <ds:schemaRef ds:uri="27aa9422-7f1f-4c84-9cdf-302b1a67e513"/>
+    <ds:schemaRef ds:uri="http://schemas.microsoft.com/sharepoint/v3"/>
+    <ds:schemaRef ds:uri="http://schemas.microsoft.com/office/2006/documentManagement/types"/>
+    <ds:schemaRef ds:uri="http://purl.org/dc/dcmitype/"/>
+    <ds:schemaRef ds:uri="http://www.w3.org/XML/1998/namespace"/>
+    <ds:schemaRef ds:uri="http://purl.org/dc/terms/"/>
   </ds:schemaRefs>
 </ds:datastoreItem>
 </file>